--- a/IHP_2024/semi/プレゼンテーション1.pptx
+++ b/IHP_2024/semi/プレゼンテーション1.pptx
@@ -5,7 +5,7 @@
     <p:sldMasterId id="2147483648" r:id="rId1"/>
   </p:sldMasterIdLst>
   <p:notesMasterIdLst>
-    <p:notesMasterId r:id="rId12"/>
+    <p:notesMasterId r:id="rId18"/>
   </p:notesMasterIdLst>
   <p:sldIdLst>
     <p:sldId id="256" r:id="rId2"/>
@@ -18,6 +18,12 @@
     <p:sldId id="263" r:id="rId9"/>
     <p:sldId id="264" r:id="rId10"/>
     <p:sldId id="265" r:id="rId11"/>
+    <p:sldId id="266" r:id="rId12"/>
+    <p:sldId id="267" r:id="rId13"/>
+    <p:sldId id="268" r:id="rId14"/>
+    <p:sldId id="269" r:id="rId15"/>
+    <p:sldId id="270" r:id="rId16"/>
+    <p:sldId id="271" r:id="rId17"/>
   </p:sldIdLst>
   <p:sldSz cx="12192000" cy="6858000"/>
   <p:notesSz cx="6858000" cy="9144000"/>
@@ -4921,6 +4927,10 @@
           <a:bodyPr/>
           <a:lstStyle/>
           <a:p>
+            <a:r>
+              <a:rPr kumimoji="1" lang="en-US" altLang="ja-JP" dirty="0"/>
+              <a:t>Double stage TIA</a:t>
+            </a:r>
             <a:endParaRPr kumimoji="1" lang="ja-JP" altLang="en-US" dirty="0"/>
           </a:p>
         </p:txBody>
@@ -5313,8 +5323,8 @@
               </a:prstGeom>
             </p:spPr>
           </p:pic>
-          <mc:AlternateContent xmlns:mc="http://schemas.openxmlformats.org/markup-compatibility/2006">
-            <mc:Choice xmlns:a14="http://schemas.microsoft.com/office/drawing/2010/main" Requires="a14">
+          <mc:AlternateContent xmlns:mc="http://schemas.openxmlformats.org/markup-compatibility/2006" xmlns:a14="http://schemas.microsoft.com/office/drawing/2010/main">
+            <mc:Choice Requires="a14">
               <p:sp>
                 <p:nvSpPr>
                   <p:cNvPr id="17" name="テキスト ボックス 16">
@@ -5373,7 +5383,7 @@
                 </p:txBody>
               </p:sp>
             </mc:Choice>
-            <mc:Fallback>
+            <mc:Fallback xmlns="">
               <p:sp>
                 <p:nvSpPr>
                   <p:cNvPr id="17" name="テキスト ボックス 16">
@@ -5418,8 +5428,8 @@
               </p:sp>
             </mc:Fallback>
           </mc:AlternateContent>
-          <mc:AlternateContent xmlns:mc="http://schemas.openxmlformats.org/markup-compatibility/2006">
-            <mc:Choice xmlns:a14="http://schemas.microsoft.com/office/drawing/2010/main" Requires="a14">
+          <mc:AlternateContent xmlns:mc="http://schemas.openxmlformats.org/markup-compatibility/2006" xmlns:a14="http://schemas.microsoft.com/office/drawing/2010/main">
+            <mc:Choice Requires="a14">
               <p:sp>
                 <p:nvSpPr>
                   <p:cNvPr id="18" name="テキスト ボックス 17">
@@ -5490,7 +5500,7 @@
                 </p:txBody>
               </p:sp>
             </mc:Choice>
-            <mc:Fallback>
+            <mc:Fallback xmlns="">
               <p:sp>
                 <p:nvSpPr>
                   <p:cNvPr id="18" name="テキスト ボックス 17">
@@ -5535,8 +5545,8 @@
               </p:sp>
             </mc:Fallback>
           </mc:AlternateContent>
-          <mc:AlternateContent xmlns:mc="http://schemas.openxmlformats.org/markup-compatibility/2006">
-            <mc:Choice xmlns:a14="http://schemas.microsoft.com/office/drawing/2010/main" Requires="a14">
+          <mc:AlternateContent xmlns:mc="http://schemas.openxmlformats.org/markup-compatibility/2006" xmlns:a14="http://schemas.microsoft.com/office/drawing/2010/main">
+            <mc:Choice Requires="a14">
               <p:sp>
                 <p:nvSpPr>
                   <p:cNvPr id="19" name="テキスト ボックス 18">
@@ -5607,7 +5617,7 @@
                 </p:txBody>
               </p:sp>
             </mc:Choice>
-            <mc:Fallback>
+            <mc:Fallback xmlns="">
               <p:sp>
                 <p:nvSpPr>
                   <p:cNvPr id="19" name="テキスト ボックス 18">
@@ -5652,8 +5662,8 @@
               </p:sp>
             </mc:Fallback>
           </mc:AlternateContent>
-          <mc:AlternateContent xmlns:mc="http://schemas.openxmlformats.org/markup-compatibility/2006">
-            <mc:Choice xmlns:a14="http://schemas.microsoft.com/office/drawing/2010/main" Requires="a14">
+          <mc:AlternateContent xmlns:mc="http://schemas.openxmlformats.org/markup-compatibility/2006" xmlns:a14="http://schemas.microsoft.com/office/drawing/2010/main">
+            <mc:Choice Requires="a14">
               <p:sp>
                 <p:nvSpPr>
                   <p:cNvPr id="20" name="テキスト ボックス 19">
@@ -5712,7 +5722,7 @@
                 </p:txBody>
               </p:sp>
             </mc:Choice>
-            <mc:Fallback>
+            <mc:Fallback xmlns="">
               <p:sp>
                 <p:nvSpPr>
                   <p:cNvPr id="20" name="テキスト ボックス 19">
@@ -5757,8 +5767,8 @@
               </p:sp>
             </mc:Fallback>
           </mc:AlternateContent>
-          <mc:AlternateContent xmlns:mc="http://schemas.openxmlformats.org/markup-compatibility/2006">
-            <mc:Choice xmlns:a14="http://schemas.microsoft.com/office/drawing/2010/main" Requires="a14">
+          <mc:AlternateContent xmlns:mc="http://schemas.openxmlformats.org/markup-compatibility/2006" xmlns:a14="http://schemas.microsoft.com/office/drawing/2010/main">
+            <mc:Choice Requires="a14">
               <p:sp>
                 <p:nvSpPr>
                   <p:cNvPr id="21" name="テキスト ボックス 20">
@@ -5817,7 +5827,7 @@
                 </p:txBody>
               </p:sp>
             </mc:Choice>
-            <mc:Fallback>
+            <mc:Fallback xmlns="">
               <p:sp>
                 <p:nvSpPr>
                   <p:cNvPr id="21" name="テキスト ボックス 20">
@@ -5862,8 +5872,8 @@
               </p:sp>
             </mc:Fallback>
           </mc:AlternateContent>
-          <mc:AlternateContent xmlns:mc="http://schemas.openxmlformats.org/markup-compatibility/2006">
-            <mc:Choice xmlns:a14="http://schemas.microsoft.com/office/drawing/2010/main" Requires="a14">
+          <mc:AlternateContent xmlns:mc="http://schemas.openxmlformats.org/markup-compatibility/2006" xmlns:a14="http://schemas.microsoft.com/office/drawing/2010/main">
+            <mc:Choice Requires="a14">
               <p:sp>
                 <p:nvSpPr>
                   <p:cNvPr id="22" name="テキスト ボックス 21">
@@ -5922,7 +5932,7 @@
                 </p:txBody>
               </p:sp>
             </mc:Choice>
-            <mc:Fallback>
+            <mc:Fallback xmlns="">
               <p:sp>
                 <p:nvSpPr>
                   <p:cNvPr id="22" name="テキスト ボックス 21">
@@ -5967,8 +5977,8 @@
               </p:sp>
             </mc:Fallback>
           </mc:AlternateContent>
-          <mc:AlternateContent xmlns:mc="http://schemas.openxmlformats.org/markup-compatibility/2006">
-            <mc:Choice xmlns:a14="http://schemas.microsoft.com/office/drawing/2010/main" Requires="a14">
+          <mc:AlternateContent xmlns:mc="http://schemas.openxmlformats.org/markup-compatibility/2006" xmlns:a14="http://schemas.microsoft.com/office/drawing/2010/main">
+            <mc:Choice Requires="a14">
               <p:sp>
                 <p:nvSpPr>
                   <p:cNvPr id="23" name="テキスト ボックス 22">
@@ -6027,7 +6037,7 @@
                 </p:txBody>
               </p:sp>
             </mc:Choice>
-            <mc:Fallback>
+            <mc:Fallback xmlns="">
               <p:sp>
                 <p:nvSpPr>
                   <p:cNvPr id="23" name="テキスト ボックス 22">
@@ -6284,7 +6294,7 @@
               <a:rPr kumimoji="1" lang="en-US" altLang="ja-JP" sz="2400" dirty="0">
                 <a:latin typeface="Times Newer Roman" panose="00000500000000000000" pitchFamily="50" charset="0"/>
               </a:rPr>
-              <a:t>This is a second stage of frequency characteristic.</a:t>
+              <a:t>Second stage of frequency characteristic.</a:t>
             </a:r>
           </a:p>
           <a:p>
@@ -6305,6 +6315,6479 @@
     <p:extLst>
       <p:ext uri="{BB962C8B-B14F-4D97-AF65-F5344CB8AC3E}">
         <p14:creationId xmlns:p14="http://schemas.microsoft.com/office/powerpoint/2010/main" val="3517469758"/>
+      </p:ext>
+    </p:extLst>
+  </p:cSld>
+  <p:clrMapOvr>
+    <a:masterClrMapping/>
+  </p:clrMapOvr>
+</p:sld>
+</file>
+
+<file path=ppt/slides/slide11.xml><?xml version="1.0" encoding="utf-8"?>
+<p:sld xmlns:a="http://schemas.openxmlformats.org/drawingml/2006/main" xmlns:r="http://schemas.openxmlformats.org/officeDocument/2006/relationships" xmlns:p="http://schemas.openxmlformats.org/presentationml/2006/main">
+  <p:cSld>
+    <p:spTree>
+      <p:nvGrpSpPr>
+        <p:cNvPr id="1" name=""/>
+        <p:cNvGrpSpPr/>
+        <p:nvPr/>
+      </p:nvGrpSpPr>
+      <p:grpSpPr>
+        <a:xfrm>
+          <a:off x="0" y="0"/>
+          <a:ext cx="0" cy="0"/>
+          <a:chOff x="0" y="0"/>
+          <a:chExt cx="0" cy="0"/>
+        </a:xfrm>
+      </p:grpSpPr>
+      <p:sp>
+        <p:nvSpPr>
+          <p:cNvPr id="2" name="タイトル 1">
+            <a:extLst>
+              <a:ext uri="{FF2B5EF4-FFF2-40B4-BE49-F238E27FC236}">
+                <a16:creationId xmlns:a16="http://schemas.microsoft.com/office/drawing/2014/main" id="{BD8A59B6-9D66-C21A-62A9-AB80597F2D49}"/>
+              </a:ext>
+            </a:extLst>
+          </p:cNvPr>
+          <p:cNvSpPr>
+            <a:spLocks noGrp="1"/>
+          </p:cNvSpPr>
+          <p:nvPr>
+            <p:ph type="title"/>
+          </p:nvPr>
+        </p:nvSpPr>
+        <p:spPr/>
+        <p:txBody>
+          <a:bodyPr/>
+          <a:lstStyle/>
+          <a:p>
+            <a:r>
+              <a:rPr kumimoji="1" lang="en-US" altLang="ja-JP" dirty="0"/>
+              <a:t>Double Stage TIA</a:t>
+            </a:r>
+            <a:endParaRPr kumimoji="1" lang="ja-JP" altLang="en-US" dirty="0"/>
+          </a:p>
+        </p:txBody>
+      </p:sp>
+      <p:sp>
+        <p:nvSpPr>
+          <p:cNvPr id="3" name="日付プレースホルダー 2">
+            <a:extLst>
+              <a:ext uri="{FF2B5EF4-FFF2-40B4-BE49-F238E27FC236}">
+                <a16:creationId xmlns:a16="http://schemas.microsoft.com/office/drawing/2014/main" id="{A18F04AA-8600-4447-9F86-F8123261F72D}"/>
+              </a:ext>
+            </a:extLst>
+          </p:cNvPr>
+          <p:cNvSpPr>
+            <a:spLocks noGrp="1"/>
+          </p:cNvSpPr>
+          <p:nvPr>
+            <p:ph type="dt" sz="half" idx="10"/>
+          </p:nvPr>
+        </p:nvSpPr>
+        <p:spPr/>
+        <p:txBody>
+          <a:bodyPr/>
+          <a:lstStyle/>
+          <a:p>
+            <a:fld id="{E2F04EE6-E3D0-4480-949E-059427D7388D}" type="datetime1">
+              <a:rPr lang="ja-JP" altLang="en-US" smtClean="0"/>
+              <a:pPr/>
+              <a:t>2024/6/4</a:t>
+            </a:fld>
+            <a:endParaRPr lang="ja-JP" altLang="en-US"/>
+          </a:p>
+        </p:txBody>
+      </p:sp>
+      <p:sp>
+        <p:nvSpPr>
+          <p:cNvPr id="4" name="スライド番号プレースホルダー 3">
+            <a:extLst>
+              <a:ext uri="{FF2B5EF4-FFF2-40B4-BE49-F238E27FC236}">
+                <a16:creationId xmlns:a16="http://schemas.microsoft.com/office/drawing/2014/main" id="{BBDA5B49-C67F-04A2-3788-CA7452451D4C}"/>
+              </a:ext>
+            </a:extLst>
+          </p:cNvPr>
+          <p:cNvSpPr>
+            <a:spLocks noGrp="1"/>
+          </p:cNvSpPr>
+          <p:nvPr>
+            <p:ph type="sldNum" sz="quarter" idx="12"/>
+          </p:nvPr>
+        </p:nvSpPr>
+        <p:spPr/>
+        <p:txBody>
+          <a:bodyPr/>
+          <a:lstStyle/>
+          <a:p>
+            <a:fld id="{6294761A-CFE9-4878-87A7-90ECABD59CE5}" type="slidenum">
+              <a:rPr lang="ja-JP" altLang="en-US" smtClean="0"/>
+              <a:pPr/>
+              <a:t>11</a:t>
+            </a:fld>
+            <a:endParaRPr lang="ja-JP" altLang="en-US"/>
+          </a:p>
+        </p:txBody>
+      </p:sp>
+      <p:sp>
+        <p:nvSpPr>
+          <p:cNvPr id="5" name="フッター プレースホルダー 4">
+            <a:extLst>
+              <a:ext uri="{FF2B5EF4-FFF2-40B4-BE49-F238E27FC236}">
+                <a16:creationId xmlns:a16="http://schemas.microsoft.com/office/drawing/2014/main" id="{38AFF962-33E8-473C-2BB0-5C134777A9DD}"/>
+              </a:ext>
+            </a:extLst>
+          </p:cNvPr>
+          <p:cNvSpPr>
+            <a:spLocks noGrp="1"/>
+          </p:cNvSpPr>
+          <p:nvPr>
+            <p:ph type="ftr" sz="quarter" idx="3"/>
+          </p:nvPr>
+        </p:nvSpPr>
+        <p:spPr/>
+        <p:txBody>
+          <a:bodyPr/>
+          <a:lstStyle/>
+          <a:p>
+            <a:r>
+              <a:rPr lang="en-US" altLang="ja-JP"/>
+              <a:t>Wave Signal Processing Circuit Laboratory,  Meiji University</a:t>
+            </a:r>
+            <a:endParaRPr lang="en-US" altLang="ja-JP" dirty="0"/>
+          </a:p>
+        </p:txBody>
+      </p:sp>
+      <p:grpSp>
+        <p:nvGrpSpPr>
+          <p:cNvPr id="6" name="グループ化 5">
+            <a:extLst>
+              <a:ext uri="{FF2B5EF4-FFF2-40B4-BE49-F238E27FC236}">
+                <a16:creationId xmlns:a16="http://schemas.microsoft.com/office/drawing/2014/main" id="{B424471E-3E72-59FA-4BEA-38AF80110047}"/>
+              </a:ext>
+            </a:extLst>
+          </p:cNvPr>
+          <p:cNvGrpSpPr>
+            <a:grpSpLocks noChangeAspect="1"/>
+          </p:cNvGrpSpPr>
+          <p:nvPr/>
+        </p:nvGrpSpPr>
+        <p:grpSpPr>
+          <a:xfrm>
+            <a:off x="577790" y="1157523"/>
+            <a:ext cx="6017283" cy="4140172"/>
+            <a:chOff x="370853" y="1593741"/>
+            <a:chExt cx="6829308" cy="4698883"/>
+          </a:xfrm>
+        </p:grpSpPr>
+        <p:pic>
+          <p:nvPicPr>
+            <p:cNvPr id="7" name="図 6" descr="グラフィカル ユーザー インターフェイス, アプリケーション, Teams&#10;&#10;自動的に生成された説明">
+              <a:extLst>
+                <a:ext uri="{FF2B5EF4-FFF2-40B4-BE49-F238E27FC236}">
+                  <a16:creationId xmlns:a16="http://schemas.microsoft.com/office/drawing/2014/main" id="{AADE86D4-26A6-4C16-7BE7-FAB41D5AB2A0}"/>
+                </a:ext>
+              </a:extLst>
+            </p:cNvPr>
+            <p:cNvPicPr>
+              <a:picLocks noChangeAspect="1"/>
+            </p:cNvPicPr>
+            <p:nvPr/>
+          </p:nvPicPr>
+          <p:blipFill>
+            <a:blip r:embed="rId2">
+              <a:extLst>
+                <a:ext uri="{28A0092B-C50C-407E-A947-70E740481C1C}">
+                  <a14:useLocalDpi xmlns:a14="http://schemas.microsoft.com/office/drawing/2010/main" val="0"/>
+                </a:ext>
+              </a:extLst>
+            </a:blip>
+            <a:stretch>
+              <a:fillRect/>
+            </a:stretch>
+          </p:blipFill>
+          <p:spPr>
+            <a:xfrm>
+              <a:off x="370853" y="1593741"/>
+              <a:ext cx="6829308" cy="4698883"/>
+            </a:xfrm>
+            <a:prstGeom prst="rect">
+              <a:avLst/>
+            </a:prstGeom>
+          </p:spPr>
+        </p:pic>
+        <mc:AlternateContent xmlns:mc="http://schemas.openxmlformats.org/markup-compatibility/2006" xmlns:a14="http://schemas.microsoft.com/office/drawing/2010/main">
+          <mc:Choice Requires="a14">
+            <p:sp>
+              <p:nvSpPr>
+                <p:cNvPr id="8" name="テキスト ボックス 7">
+                  <a:extLst>
+                    <a:ext uri="{FF2B5EF4-FFF2-40B4-BE49-F238E27FC236}">
+                      <a16:creationId xmlns:a16="http://schemas.microsoft.com/office/drawing/2014/main" id="{400DD8F2-BA45-A63D-1DDF-28524B7328AB}"/>
+                    </a:ext>
+                  </a:extLst>
+                </p:cNvPr>
+                <p:cNvSpPr txBox="1"/>
+                <p:nvPr/>
+              </p:nvSpPr>
+              <p:spPr>
+                <a:xfrm>
+                  <a:off x="2173941" y="1828800"/>
+                  <a:ext cx="1138517" cy="369332"/>
+                </a:xfrm>
+                <a:prstGeom prst="rect">
+                  <a:avLst/>
+                </a:prstGeom>
+                <a:noFill/>
+              </p:spPr>
+              <p:txBody>
+                <a:bodyPr wrap="square" rtlCol="0">
+                  <a:spAutoFit/>
+                </a:bodyPr>
+                <a:lstStyle/>
+                <a:p>
+                  <a:pPr algn="l"/>
+                  <a14:m>
+                    <m:oMathPara xmlns:m="http://schemas.openxmlformats.org/officeDocument/2006/math">
+                      <m:oMathParaPr>
+                        <m:jc m:val="centerGroup"/>
+                      </m:oMathParaPr>
+                      <m:oMath xmlns:m="http://schemas.openxmlformats.org/officeDocument/2006/math">
+                        <m:r>
+                          <a:rPr kumimoji="1" lang="en-US" altLang="ja-JP" b="0" i="1" smtClean="0">
+                            <a:latin typeface="Cambria Math" panose="02040503050406030204" pitchFamily="18" charset="0"/>
+                          </a:rPr>
+                          <m:t>870 </m:t>
+                        </m:r>
+                        <m:r>
+                          <m:rPr>
+                            <m:sty m:val="p"/>
+                          </m:rPr>
+                          <a:rPr kumimoji="1" lang="en-US" altLang="ja-JP" b="0" i="0" smtClean="0">
+                            <a:latin typeface="Cambria Math" panose="02040503050406030204" pitchFamily="18" charset="0"/>
+                          </a:rPr>
+                          <m:t>Ω</m:t>
+                        </m:r>
+                      </m:oMath>
+                    </m:oMathPara>
+                  </a14:m>
+                  <a:endParaRPr kumimoji="1" lang="ja-JP" altLang="en-US" dirty="0"/>
+                </a:p>
+              </p:txBody>
+            </p:sp>
+          </mc:Choice>
+          <mc:Fallback xmlns="">
+            <p:sp>
+              <p:nvSpPr>
+                <p:cNvPr id="6" name="テキスト ボックス 5">
+                  <a:extLst>
+                    <a:ext uri="{FF2B5EF4-FFF2-40B4-BE49-F238E27FC236}">
+                      <a16:creationId xmlns:a16="http://schemas.microsoft.com/office/drawing/2014/main" id="{1E91EF77-FD5C-ABE2-F004-7E61412E4F13}"/>
+                    </a:ext>
+                  </a:extLst>
+                </p:cNvPr>
+                <p:cNvSpPr txBox="1">
+                  <a:spLocks noRot="1" noChangeAspect="1" noMove="1" noResize="1" noEditPoints="1" noAdjustHandles="1" noChangeArrowheads="1" noChangeShapeType="1" noTextEdit="1"/>
+                </p:cNvSpPr>
+                <p:nvPr/>
+              </p:nvSpPr>
+              <p:spPr>
+                <a:xfrm>
+                  <a:off x="2173941" y="1828800"/>
+                  <a:ext cx="1138517" cy="369332"/>
+                </a:xfrm>
+                <a:prstGeom prst="rect">
+                  <a:avLst/>
+                </a:prstGeom>
+                <a:blipFill>
+                  <a:blip r:embed="rId4"/>
+                  <a:stretch>
+                    <a:fillRect/>
+                  </a:stretch>
+                </a:blipFill>
+              </p:spPr>
+              <p:txBody>
+                <a:bodyPr/>
+                <a:lstStyle/>
+                <a:p>
+                  <a:r>
+                    <a:rPr lang="ja-JP" altLang="en-US">
+                      <a:noFill/>
+                    </a:rPr>
+                    <a:t> </a:t>
+                  </a:r>
+                </a:p>
+              </p:txBody>
+            </p:sp>
+          </mc:Fallback>
+        </mc:AlternateContent>
+        <mc:AlternateContent xmlns:mc="http://schemas.openxmlformats.org/markup-compatibility/2006" xmlns:a14="http://schemas.microsoft.com/office/drawing/2010/main">
+          <mc:Choice Requires="a14">
+            <p:sp>
+              <p:nvSpPr>
+                <p:cNvPr id="9" name="テキスト ボックス 8">
+                  <a:extLst>
+                    <a:ext uri="{FF2B5EF4-FFF2-40B4-BE49-F238E27FC236}">
+                      <a16:creationId xmlns:a16="http://schemas.microsoft.com/office/drawing/2014/main" id="{0F47EC82-1F75-95CF-1BE1-4FDA0ADB738F}"/>
+                    </a:ext>
+                  </a:extLst>
+                </p:cNvPr>
+                <p:cNvSpPr txBox="1"/>
+                <p:nvPr/>
+              </p:nvSpPr>
+              <p:spPr>
+                <a:xfrm>
+                  <a:off x="2173940" y="4558735"/>
+                  <a:ext cx="1138517" cy="369332"/>
+                </a:xfrm>
+                <a:prstGeom prst="rect">
+                  <a:avLst/>
+                </a:prstGeom>
+                <a:noFill/>
+              </p:spPr>
+              <p:txBody>
+                <a:bodyPr wrap="square" rtlCol="0">
+                  <a:spAutoFit/>
+                </a:bodyPr>
+                <a:lstStyle/>
+                <a:p>
+                  <a:pPr algn="l"/>
+                  <a14:m>
+                    <m:oMathPara xmlns:m="http://schemas.openxmlformats.org/officeDocument/2006/math">
+                      <m:oMathParaPr>
+                        <m:jc m:val="centerGroup"/>
+                      </m:oMathParaPr>
+                      <m:oMath xmlns:m="http://schemas.openxmlformats.org/officeDocument/2006/math">
+                        <m:r>
+                          <a:rPr lang="en-US" altLang="ja-JP" i="1" smtClean="0">
+                            <a:latin typeface="Cambria Math" panose="02040503050406030204" pitchFamily="18" charset="0"/>
+                          </a:rPr>
+                          <m:t>6</m:t>
+                        </m:r>
+                        <m:r>
+                          <a:rPr lang="en-US" altLang="ja-JP" b="0" i="1" smtClean="0">
+                            <a:latin typeface="Cambria Math" panose="02040503050406030204" pitchFamily="18" charset="0"/>
+                          </a:rPr>
+                          <m:t>50</m:t>
+                        </m:r>
+                        <m:r>
+                          <a:rPr kumimoji="1" lang="en-US" altLang="ja-JP" b="0" i="1" smtClean="0">
+                            <a:latin typeface="Cambria Math" panose="02040503050406030204" pitchFamily="18" charset="0"/>
+                          </a:rPr>
+                          <m:t> </m:t>
+                        </m:r>
+                        <m:r>
+                          <m:rPr>
+                            <m:sty m:val="p"/>
+                          </m:rPr>
+                          <a:rPr kumimoji="1" lang="en-US" altLang="ja-JP" b="0" i="0" smtClean="0">
+                            <a:latin typeface="Cambria Math" panose="02040503050406030204" pitchFamily="18" charset="0"/>
+                          </a:rPr>
+                          <m:t>Ω</m:t>
+                        </m:r>
+                      </m:oMath>
+                    </m:oMathPara>
+                  </a14:m>
+                  <a:endParaRPr kumimoji="1" lang="ja-JP" altLang="en-US" dirty="0"/>
+                </a:p>
+              </p:txBody>
+            </p:sp>
+          </mc:Choice>
+          <mc:Fallback xmlns="">
+            <p:sp>
+              <p:nvSpPr>
+                <p:cNvPr id="9" name="テキスト ボックス 8">
+                  <a:extLst>
+                    <a:ext uri="{FF2B5EF4-FFF2-40B4-BE49-F238E27FC236}">
+                      <a16:creationId xmlns:a16="http://schemas.microsoft.com/office/drawing/2014/main" id="{DC630FF0-8D8B-F132-C4D6-9106500D6C23}"/>
+                    </a:ext>
+                  </a:extLst>
+                </p:cNvPr>
+                <p:cNvSpPr txBox="1">
+                  <a:spLocks noRot="1" noChangeAspect="1" noMove="1" noResize="1" noEditPoints="1" noAdjustHandles="1" noChangeArrowheads="1" noChangeShapeType="1" noTextEdit="1"/>
+                </p:cNvSpPr>
+                <p:nvPr/>
+              </p:nvSpPr>
+              <p:spPr>
+                <a:xfrm>
+                  <a:off x="2173940" y="4558735"/>
+                  <a:ext cx="1138517" cy="369332"/>
+                </a:xfrm>
+                <a:prstGeom prst="rect">
+                  <a:avLst/>
+                </a:prstGeom>
+                <a:blipFill>
+                  <a:blip r:embed="rId5"/>
+                  <a:stretch>
+                    <a:fillRect/>
+                  </a:stretch>
+                </a:blipFill>
+              </p:spPr>
+              <p:txBody>
+                <a:bodyPr/>
+                <a:lstStyle/>
+                <a:p>
+                  <a:r>
+                    <a:rPr lang="ja-JP" altLang="en-US">
+                      <a:noFill/>
+                    </a:rPr>
+                    <a:t> </a:t>
+                  </a:r>
+                </a:p>
+              </p:txBody>
+            </p:sp>
+          </mc:Fallback>
+        </mc:AlternateContent>
+        <mc:AlternateContent xmlns:mc="http://schemas.openxmlformats.org/markup-compatibility/2006" xmlns:a14="http://schemas.microsoft.com/office/drawing/2010/main">
+          <mc:Choice Requires="a14">
+            <p:sp>
+              <p:nvSpPr>
+                <p:cNvPr id="10" name="テキスト ボックス 9">
+                  <a:extLst>
+                    <a:ext uri="{FF2B5EF4-FFF2-40B4-BE49-F238E27FC236}">
+                      <a16:creationId xmlns:a16="http://schemas.microsoft.com/office/drawing/2014/main" id="{6BBB6AED-C53C-19CD-B9D2-4457DB2E0439}"/>
+                    </a:ext>
+                  </a:extLst>
+                </p:cNvPr>
+                <p:cNvSpPr txBox="1"/>
+                <p:nvPr/>
+              </p:nvSpPr>
+              <p:spPr>
+                <a:xfrm>
+                  <a:off x="5813610" y="1828800"/>
+                  <a:ext cx="1138517" cy="369332"/>
+                </a:xfrm>
+                <a:prstGeom prst="rect">
+                  <a:avLst/>
+                </a:prstGeom>
+                <a:noFill/>
+              </p:spPr>
+              <p:txBody>
+                <a:bodyPr wrap="square" rtlCol="0">
+                  <a:spAutoFit/>
+                </a:bodyPr>
+                <a:lstStyle/>
+                <a:p>
+                  <a:pPr algn="l"/>
+                  <a14:m>
+                    <m:oMathPara xmlns:m="http://schemas.openxmlformats.org/officeDocument/2006/math">
+                      <m:oMathParaPr>
+                        <m:jc m:val="centerGroup"/>
+                      </m:oMathParaPr>
+                      <m:oMath xmlns:m="http://schemas.openxmlformats.org/officeDocument/2006/math">
+                        <m:r>
+                          <a:rPr lang="en-US" altLang="ja-JP" i="1" smtClean="0">
+                            <a:latin typeface="Cambria Math" panose="02040503050406030204" pitchFamily="18" charset="0"/>
+                          </a:rPr>
+                          <m:t>5</m:t>
+                        </m:r>
+                        <m:r>
+                          <a:rPr lang="en-US" altLang="ja-JP" b="0" i="1" smtClean="0">
+                            <a:latin typeface="Cambria Math" panose="02040503050406030204" pitchFamily="18" charset="0"/>
+                          </a:rPr>
+                          <m:t>40</m:t>
+                        </m:r>
+                        <m:r>
+                          <a:rPr kumimoji="1" lang="en-US" altLang="ja-JP" b="0" i="1" smtClean="0">
+                            <a:latin typeface="Cambria Math" panose="02040503050406030204" pitchFamily="18" charset="0"/>
+                          </a:rPr>
+                          <m:t> </m:t>
+                        </m:r>
+                        <m:r>
+                          <m:rPr>
+                            <m:sty m:val="p"/>
+                          </m:rPr>
+                          <a:rPr kumimoji="1" lang="en-US" altLang="ja-JP" b="0" i="0" smtClean="0">
+                            <a:latin typeface="Cambria Math" panose="02040503050406030204" pitchFamily="18" charset="0"/>
+                          </a:rPr>
+                          <m:t>Ω</m:t>
+                        </m:r>
+                      </m:oMath>
+                    </m:oMathPara>
+                  </a14:m>
+                  <a:endParaRPr kumimoji="1" lang="ja-JP" altLang="en-US" dirty="0"/>
+                </a:p>
+              </p:txBody>
+            </p:sp>
+          </mc:Choice>
+          <mc:Fallback xmlns="">
+            <p:sp>
+              <p:nvSpPr>
+                <p:cNvPr id="10" name="テキスト ボックス 9">
+                  <a:extLst>
+                    <a:ext uri="{FF2B5EF4-FFF2-40B4-BE49-F238E27FC236}">
+                      <a16:creationId xmlns:a16="http://schemas.microsoft.com/office/drawing/2014/main" id="{167654C6-7F66-235E-EDD3-22E03478EE7E}"/>
+                    </a:ext>
+                  </a:extLst>
+                </p:cNvPr>
+                <p:cNvSpPr txBox="1">
+                  <a:spLocks noRot="1" noChangeAspect="1" noMove="1" noResize="1" noEditPoints="1" noAdjustHandles="1" noChangeArrowheads="1" noChangeShapeType="1" noTextEdit="1"/>
+                </p:cNvSpPr>
+                <p:nvPr/>
+              </p:nvSpPr>
+              <p:spPr>
+                <a:xfrm>
+                  <a:off x="5813610" y="1828800"/>
+                  <a:ext cx="1138517" cy="369332"/>
+                </a:xfrm>
+                <a:prstGeom prst="rect">
+                  <a:avLst/>
+                </a:prstGeom>
+                <a:blipFill>
+                  <a:blip r:embed="rId6"/>
+                  <a:stretch>
+                    <a:fillRect/>
+                  </a:stretch>
+                </a:blipFill>
+              </p:spPr>
+              <p:txBody>
+                <a:bodyPr/>
+                <a:lstStyle/>
+                <a:p>
+                  <a:r>
+                    <a:rPr lang="ja-JP" altLang="en-US">
+                      <a:noFill/>
+                    </a:rPr>
+                    <a:t> </a:t>
+                  </a:r>
+                </a:p>
+              </p:txBody>
+            </p:sp>
+          </mc:Fallback>
+        </mc:AlternateContent>
+        <mc:AlternateContent xmlns:mc="http://schemas.openxmlformats.org/markup-compatibility/2006" xmlns:a14="http://schemas.microsoft.com/office/drawing/2010/main">
+          <mc:Choice Requires="a14">
+            <p:sp>
+              <p:nvSpPr>
+                <p:cNvPr id="11" name="テキスト ボックス 10">
+                  <a:extLst>
+                    <a:ext uri="{FF2B5EF4-FFF2-40B4-BE49-F238E27FC236}">
+                      <a16:creationId xmlns:a16="http://schemas.microsoft.com/office/drawing/2014/main" id="{3AB92DCC-0E93-BDC3-AB47-285D12AA1A7B}"/>
+                    </a:ext>
+                  </a:extLst>
+                </p:cNvPr>
+                <p:cNvSpPr txBox="1"/>
+                <p:nvPr/>
+              </p:nvSpPr>
+              <p:spPr>
+                <a:xfrm>
+                  <a:off x="3017173" y="2903775"/>
+                  <a:ext cx="1138517" cy="369332"/>
+                </a:xfrm>
+                <a:prstGeom prst="rect">
+                  <a:avLst/>
+                </a:prstGeom>
+                <a:noFill/>
+              </p:spPr>
+              <p:txBody>
+                <a:bodyPr wrap="square" rtlCol="0">
+                  <a:spAutoFit/>
+                </a:bodyPr>
+                <a:lstStyle/>
+                <a:p>
+                  <a:pPr algn="l"/>
+                  <a14:m>
+                    <m:oMathPara xmlns:m="http://schemas.openxmlformats.org/officeDocument/2006/math">
+                      <m:oMathParaPr>
+                        <m:jc m:val="centerGroup"/>
+                      </m:oMathParaPr>
+                      <m:oMath xmlns:m="http://schemas.openxmlformats.org/officeDocument/2006/math">
+                        <m:r>
+                          <a:rPr kumimoji="1" lang="en-US" altLang="ja-JP" b="0" i="1" smtClean="0">
+                            <a:latin typeface="Cambria Math" panose="02040503050406030204" pitchFamily="18" charset="0"/>
+                          </a:rPr>
+                          <m:t>0.9 </m:t>
+                        </m:r>
+                        <m:r>
+                          <m:rPr>
+                            <m:sty m:val="p"/>
+                          </m:rPr>
+                          <a:rPr kumimoji="1" lang="en-US" altLang="ja-JP" b="0" i="0" smtClean="0">
+                            <a:latin typeface="Cambria Math" panose="02040503050406030204" pitchFamily="18" charset="0"/>
+                          </a:rPr>
+                          <m:t>V</m:t>
+                        </m:r>
+                      </m:oMath>
+                    </m:oMathPara>
+                  </a14:m>
+                  <a:endParaRPr kumimoji="1" lang="ja-JP" altLang="en-US" dirty="0"/>
+                </a:p>
+              </p:txBody>
+            </p:sp>
+          </mc:Choice>
+          <mc:Fallback xmlns="">
+            <p:sp>
+              <p:nvSpPr>
+                <p:cNvPr id="11" name="テキスト ボックス 10">
+                  <a:extLst>
+                    <a:ext uri="{FF2B5EF4-FFF2-40B4-BE49-F238E27FC236}">
+                      <a16:creationId xmlns:a16="http://schemas.microsoft.com/office/drawing/2014/main" id="{F95BC0AD-D630-3B14-61A9-C401AFB30788}"/>
+                    </a:ext>
+                  </a:extLst>
+                </p:cNvPr>
+                <p:cNvSpPr txBox="1">
+                  <a:spLocks noRot="1" noChangeAspect="1" noMove="1" noResize="1" noEditPoints="1" noAdjustHandles="1" noChangeArrowheads="1" noChangeShapeType="1" noTextEdit="1"/>
+                </p:cNvSpPr>
+                <p:nvPr/>
+              </p:nvSpPr>
+              <p:spPr>
+                <a:xfrm>
+                  <a:off x="3017173" y="2903775"/>
+                  <a:ext cx="1138517" cy="369332"/>
+                </a:xfrm>
+                <a:prstGeom prst="rect">
+                  <a:avLst/>
+                </a:prstGeom>
+                <a:blipFill>
+                  <a:blip r:embed="rId7"/>
+                  <a:stretch>
+                    <a:fillRect/>
+                  </a:stretch>
+                </a:blipFill>
+              </p:spPr>
+              <p:txBody>
+                <a:bodyPr/>
+                <a:lstStyle/>
+                <a:p>
+                  <a:r>
+                    <a:rPr lang="ja-JP" altLang="en-US">
+                      <a:noFill/>
+                    </a:rPr>
+                    <a:t> </a:t>
+                  </a:r>
+                </a:p>
+              </p:txBody>
+            </p:sp>
+          </mc:Fallback>
+        </mc:AlternateContent>
+        <mc:AlternateContent xmlns:mc="http://schemas.openxmlformats.org/markup-compatibility/2006" xmlns:a14="http://schemas.microsoft.com/office/drawing/2010/main">
+          <mc:Choice Requires="a14">
+            <p:sp>
+              <p:nvSpPr>
+                <p:cNvPr id="12" name="テキスト ボックス 11">
+                  <a:extLst>
+                    <a:ext uri="{FF2B5EF4-FFF2-40B4-BE49-F238E27FC236}">
+                      <a16:creationId xmlns:a16="http://schemas.microsoft.com/office/drawing/2014/main" id="{480C84AD-5B34-4449-2903-771F46884B0A}"/>
+                    </a:ext>
+                  </a:extLst>
+                </p:cNvPr>
+                <p:cNvSpPr txBox="1"/>
+                <p:nvPr/>
+              </p:nvSpPr>
+              <p:spPr>
+                <a:xfrm>
+                  <a:off x="5813609" y="2858015"/>
+                  <a:ext cx="1138517" cy="369332"/>
+                </a:xfrm>
+                <a:prstGeom prst="rect">
+                  <a:avLst/>
+                </a:prstGeom>
+                <a:noFill/>
+              </p:spPr>
+              <p:txBody>
+                <a:bodyPr wrap="square" rtlCol="0">
+                  <a:spAutoFit/>
+                </a:bodyPr>
+                <a:lstStyle/>
+                <a:p>
+                  <a:pPr algn="l"/>
+                  <a14:m>
+                    <m:oMathPara xmlns:m="http://schemas.openxmlformats.org/officeDocument/2006/math">
+                      <m:oMathParaPr>
+                        <m:jc m:val="centerGroup"/>
+                      </m:oMathParaPr>
+                      <m:oMath xmlns:m="http://schemas.openxmlformats.org/officeDocument/2006/math">
+                        <m:r>
+                          <a:rPr kumimoji="1" lang="en-US" altLang="ja-JP" b="0" i="1" smtClean="0">
+                            <a:latin typeface="Cambria Math" panose="02040503050406030204" pitchFamily="18" charset="0"/>
+                          </a:rPr>
+                          <m:t>1.2 </m:t>
+                        </m:r>
+                        <m:r>
+                          <m:rPr>
+                            <m:sty m:val="p"/>
+                          </m:rPr>
+                          <a:rPr kumimoji="1" lang="en-US" altLang="ja-JP" b="0" i="0" smtClean="0">
+                            <a:latin typeface="Cambria Math" panose="02040503050406030204" pitchFamily="18" charset="0"/>
+                          </a:rPr>
+                          <m:t>V</m:t>
+                        </m:r>
+                      </m:oMath>
+                    </m:oMathPara>
+                  </a14:m>
+                  <a:endParaRPr kumimoji="1" lang="ja-JP" altLang="en-US" dirty="0"/>
+                </a:p>
+              </p:txBody>
+            </p:sp>
+          </mc:Choice>
+          <mc:Fallback xmlns="">
+            <p:sp>
+              <p:nvSpPr>
+                <p:cNvPr id="12" name="テキスト ボックス 11">
+                  <a:extLst>
+                    <a:ext uri="{FF2B5EF4-FFF2-40B4-BE49-F238E27FC236}">
+                      <a16:creationId xmlns:a16="http://schemas.microsoft.com/office/drawing/2014/main" id="{B0A3484E-929A-193A-763B-C890F8EE26D4}"/>
+                    </a:ext>
+                  </a:extLst>
+                </p:cNvPr>
+                <p:cNvSpPr txBox="1">
+                  <a:spLocks noRot="1" noChangeAspect="1" noMove="1" noResize="1" noEditPoints="1" noAdjustHandles="1" noChangeArrowheads="1" noChangeShapeType="1" noTextEdit="1"/>
+                </p:cNvSpPr>
+                <p:nvPr/>
+              </p:nvSpPr>
+              <p:spPr>
+                <a:xfrm>
+                  <a:off x="5813609" y="2858015"/>
+                  <a:ext cx="1138517" cy="369332"/>
+                </a:xfrm>
+                <a:prstGeom prst="rect">
+                  <a:avLst/>
+                </a:prstGeom>
+                <a:blipFill>
+                  <a:blip r:embed="rId8"/>
+                  <a:stretch>
+                    <a:fillRect/>
+                  </a:stretch>
+                </a:blipFill>
+              </p:spPr>
+              <p:txBody>
+                <a:bodyPr/>
+                <a:lstStyle/>
+                <a:p>
+                  <a:r>
+                    <a:rPr lang="ja-JP" altLang="en-US">
+                      <a:noFill/>
+                    </a:rPr>
+                    <a:t> </a:t>
+                  </a:r>
+                </a:p>
+              </p:txBody>
+            </p:sp>
+          </mc:Fallback>
+        </mc:AlternateContent>
+        <mc:AlternateContent xmlns:mc="http://schemas.openxmlformats.org/markup-compatibility/2006" xmlns:a14="http://schemas.microsoft.com/office/drawing/2010/main">
+          <mc:Choice Requires="a14">
+            <p:sp>
+              <p:nvSpPr>
+                <p:cNvPr id="13" name="テキスト ボックス 12">
+                  <a:extLst>
+                    <a:ext uri="{FF2B5EF4-FFF2-40B4-BE49-F238E27FC236}">
+                      <a16:creationId xmlns:a16="http://schemas.microsoft.com/office/drawing/2014/main" id="{8543BD6D-3B86-2AEB-3EA8-FF0F15EB3783}"/>
+                    </a:ext>
+                  </a:extLst>
+                </p:cNvPr>
+                <p:cNvSpPr txBox="1"/>
+                <p:nvPr/>
+              </p:nvSpPr>
+              <p:spPr>
+                <a:xfrm>
+                  <a:off x="490211" y="3335860"/>
+                  <a:ext cx="1138517" cy="369332"/>
+                </a:xfrm>
+                <a:prstGeom prst="rect">
+                  <a:avLst/>
+                </a:prstGeom>
+                <a:noFill/>
+              </p:spPr>
+              <p:txBody>
+                <a:bodyPr wrap="square" rtlCol="0">
+                  <a:spAutoFit/>
+                </a:bodyPr>
+                <a:lstStyle/>
+                <a:p>
+                  <a:pPr algn="l"/>
+                  <a14:m>
+                    <m:oMathPara xmlns:m="http://schemas.openxmlformats.org/officeDocument/2006/math">
+                      <m:oMathParaPr>
+                        <m:jc m:val="centerGroup"/>
+                      </m:oMathParaPr>
+                      <m:oMath xmlns:m="http://schemas.openxmlformats.org/officeDocument/2006/math">
+                        <m:r>
+                          <a:rPr kumimoji="1" lang="en-US" altLang="ja-JP" b="0" i="1" smtClean="0">
+                            <a:latin typeface="Cambria Math" panose="02040503050406030204" pitchFamily="18" charset="0"/>
+                          </a:rPr>
+                          <m:t>1.5 </m:t>
+                        </m:r>
+                        <m:r>
+                          <m:rPr>
+                            <m:sty m:val="p"/>
+                          </m:rPr>
+                          <a:rPr kumimoji="1" lang="en-US" altLang="ja-JP" b="0" i="0" smtClean="0">
+                            <a:latin typeface="Cambria Math" panose="02040503050406030204" pitchFamily="18" charset="0"/>
+                          </a:rPr>
+                          <m:t>V</m:t>
+                        </m:r>
+                      </m:oMath>
+                    </m:oMathPara>
+                  </a14:m>
+                  <a:endParaRPr kumimoji="1" lang="ja-JP" altLang="en-US" dirty="0"/>
+                </a:p>
+              </p:txBody>
+            </p:sp>
+          </mc:Choice>
+          <mc:Fallback xmlns="">
+            <p:sp>
+              <p:nvSpPr>
+                <p:cNvPr id="13" name="テキスト ボックス 12">
+                  <a:extLst>
+                    <a:ext uri="{FF2B5EF4-FFF2-40B4-BE49-F238E27FC236}">
+                      <a16:creationId xmlns:a16="http://schemas.microsoft.com/office/drawing/2014/main" id="{CA5DDE1E-E061-4338-BCA6-A582A8B9E7A8}"/>
+                    </a:ext>
+                  </a:extLst>
+                </p:cNvPr>
+                <p:cNvSpPr txBox="1">
+                  <a:spLocks noRot="1" noChangeAspect="1" noMove="1" noResize="1" noEditPoints="1" noAdjustHandles="1" noChangeArrowheads="1" noChangeShapeType="1" noTextEdit="1"/>
+                </p:cNvSpPr>
+                <p:nvPr/>
+              </p:nvSpPr>
+              <p:spPr>
+                <a:xfrm>
+                  <a:off x="490211" y="3335860"/>
+                  <a:ext cx="1138517" cy="369332"/>
+                </a:xfrm>
+                <a:prstGeom prst="rect">
+                  <a:avLst/>
+                </a:prstGeom>
+                <a:blipFill>
+                  <a:blip r:embed="rId9"/>
+                  <a:stretch>
+                    <a:fillRect/>
+                  </a:stretch>
+                </a:blipFill>
+              </p:spPr>
+              <p:txBody>
+                <a:bodyPr/>
+                <a:lstStyle/>
+                <a:p>
+                  <a:r>
+                    <a:rPr lang="ja-JP" altLang="en-US">
+                      <a:noFill/>
+                    </a:rPr>
+                    <a:t> </a:t>
+                  </a:r>
+                </a:p>
+              </p:txBody>
+            </p:sp>
+          </mc:Fallback>
+        </mc:AlternateContent>
+        <mc:AlternateContent xmlns:mc="http://schemas.openxmlformats.org/markup-compatibility/2006" xmlns:a14="http://schemas.microsoft.com/office/drawing/2010/main">
+          <mc:Choice Requires="a14">
+            <p:sp>
+              <p:nvSpPr>
+                <p:cNvPr id="14" name="テキスト ボックス 13">
+                  <a:extLst>
+                    <a:ext uri="{FF2B5EF4-FFF2-40B4-BE49-F238E27FC236}">
+                      <a16:creationId xmlns:a16="http://schemas.microsoft.com/office/drawing/2014/main" id="{6A55C2DC-0D07-34E1-FA1B-7A37CA5AE053}"/>
+                    </a:ext>
+                  </a:extLst>
+                </p:cNvPr>
+                <p:cNvSpPr txBox="1"/>
+                <p:nvPr/>
+              </p:nvSpPr>
+              <p:spPr>
+                <a:xfrm>
+                  <a:off x="2510667" y="4097785"/>
+                  <a:ext cx="1138517" cy="369332"/>
+                </a:xfrm>
+                <a:prstGeom prst="rect">
+                  <a:avLst/>
+                </a:prstGeom>
+                <a:noFill/>
+              </p:spPr>
+              <p:txBody>
+                <a:bodyPr wrap="square" rtlCol="0">
+                  <a:spAutoFit/>
+                </a:bodyPr>
+                <a:lstStyle/>
+                <a:p>
+                  <a:pPr algn="l"/>
+                  <a14:m>
+                    <m:oMathPara xmlns:m="http://schemas.openxmlformats.org/officeDocument/2006/math">
+                      <m:oMathParaPr>
+                        <m:jc m:val="centerGroup"/>
+                      </m:oMathParaPr>
+                      <m:oMath xmlns:m="http://schemas.openxmlformats.org/officeDocument/2006/math">
+                        <m:r>
+                          <a:rPr kumimoji="1" lang="en-US" altLang="ja-JP" b="0" i="1" smtClean="0">
+                            <a:latin typeface="Cambria Math" panose="02040503050406030204" pitchFamily="18" charset="0"/>
+                          </a:rPr>
+                          <m:t>0.6 </m:t>
+                        </m:r>
+                        <m:r>
+                          <m:rPr>
+                            <m:sty m:val="p"/>
+                          </m:rPr>
+                          <a:rPr kumimoji="1" lang="en-US" altLang="ja-JP" b="0" i="0" smtClean="0">
+                            <a:latin typeface="Cambria Math" panose="02040503050406030204" pitchFamily="18" charset="0"/>
+                          </a:rPr>
+                          <m:t>V</m:t>
+                        </m:r>
+                      </m:oMath>
+                    </m:oMathPara>
+                  </a14:m>
+                  <a:endParaRPr kumimoji="1" lang="ja-JP" altLang="en-US" dirty="0"/>
+                </a:p>
+              </p:txBody>
+            </p:sp>
+          </mc:Choice>
+          <mc:Fallback xmlns="">
+            <p:sp>
+              <p:nvSpPr>
+                <p:cNvPr id="14" name="テキスト ボックス 13">
+                  <a:extLst>
+                    <a:ext uri="{FF2B5EF4-FFF2-40B4-BE49-F238E27FC236}">
+                      <a16:creationId xmlns:a16="http://schemas.microsoft.com/office/drawing/2014/main" id="{A954DEBC-BFF6-6C24-ED26-78AE8F735DA1}"/>
+                    </a:ext>
+                  </a:extLst>
+                </p:cNvPr>
+                <p:cNvSpPr txBox="1">
+                  <a:spLocks noRot="1" noChangeAspect="1" noMove="1" noResize="1" noEditPoints="1" noAdjustHandles="1" noChangeArrowheads="1" noChangeShapeType="1" noTextEdit="1"/>
+                </p:cNvSpPr>
+                <p:nvPr/>
+              </p:nvSpPr>
+              <p:spPr>
+                <a:xfrm>
+                  <a:off x="2510667" y="4097785"/>
+                  <a:ext cx="1138517" cy="369332"/>
+                </a:xfrm>
+                <a:prstGeom prst="rect">
+                  <a:avLst/>
+                </a:prstGeom>
+                <a:blipFill>
+                  <a:blip r:embed="rId10"/>
+                  <a:stretch>
+                    <a:fillRect/>
+                  </a:stretch>
+                </a:blipFill>
+              </p:spPr>
+              <p:txBody>
+                <a:bodyPr/>
+                <a:lstStyle/>
+                <a:p>
+                  <a:r>
+                    <a:rPr lang="ja-JP" altLang="en-US">
+                      <a:noFill/>
+                    </a:rPr>
+                    <a:t> </a:t>
+                  </a:r>
+                </a:p>
+              </p:txBody>
+            </p:sp>
+          </mc:Fallback>
+        </mc:AlternateContent>
+      </p:grpSp>
+      <p:pic>
+        <p:nvPicPr>
+          <p:cNvPr id="15" name="図 14" descr="グラフ&#10;&#10;自動的に生成された説明">
+            <a:extLst>
+              <a:ext uri="{FF2B5EF4-FFF2-40B4-BE49-F238E27FC236}">
+                <a16:creationId xmlns:a16="http://schemas.microsoft.com/office/drawing/2014/main" id="{998FD0CF-CB77-BBD2-C552-B791C1E25595}"/>
+              </a:ext>
+            </a:extLst>
+          </p:cNvPr>
+          <p:cNvPicPr>
+            <a:picLocks noChangeAspect="1"/>
+          </p:cNvPicPr>
+          <p:nvPr/>
+        </p:nvPicPr>
+        <p:blipFill>
+          <a:blip r:embed="rId11">
+            <a:extLst>
+              <a:ext uri="{28A0092B-C50C-407E-A947-70E740481C1C}">
+                <a14:useLocalDpi xmlns:a14="http://schemas.microsoft.com/office/drawing/2010/main" val="0"/>
+              </a:ext>
+            </a:extLst>
+          </a:blip>
+          <a:stretch>
+            <a:fillRect/>
+          </a:stretch>
+        </p:blipFill>
+        <p:spPr>
+          <a:xfrm>
+            <a:off x="6481696" y="1406865"/>
+            <a:ext cx="5643984" cy="3950789"/>
+          </a:xfrm>
+          <a:prstGeom prst="rect">
+            <a:avLst/>
+          </a:prstGeom>
+        </p:spPr>
+      </p:pic>
+      <p:sp>
+        <p:nvSpPr>
+          <p:cNvPr id="16" name="テキスト ボックス 15">
+            <a:extLst>
+              <a:ext uri="{FF2B5EF4-FFF2-40B4-BE49-F238E27FC236}">
+                <a16:creationId xmlns:a16="http://schemas.microsoft.com/office/drawing/2014/main" id="{F34DD6E9-F0BB-069A-1612-36FF48581C44}"/>
+              </a:ext>
+            </a:extLst>
+          </p:cNvPr>
+          <p:cNvSpPr txBox="1"/>
+          <p:nvPr/>
+        </p:nvSpPr>
+        <p:spPr>
+          <a:xfrm>
+            <a:off x="1573093" y="5458887"/>
+            <a:ext cx="9063232" cy="830997"/>
+          </a:xfrm>
+          <a:prstGeom prst="rect">
+            <a:avLst/>
+          </a:prstGeom>
+          <a:noFill/>
+        </p:spPr>
+        <p:txBody>
+          <a:bodyPr wrap="square" rtlCol="0">
+            <a:spAutoFit/>
+          </a:bodyPr>
+          <a:lstStyle/>
+          <a:p>
+            <a:pPr algn="ctr"/>
+            <a:r>
+              <a:rPr lang="en-US" altLang="ja-JP" sz="2400" dirty="0">
+                <a:latin typeface="Times Newer Roman" panose="00000500000000000000" pitchFamily="50" charset="0"/>
+              </a:rPr>
+              <a:t>C</a:t>
+            </a:r>
+            <a:r>
+              <a:rPr kumimoji="1" lang="en-US" altLang="ja-JP" sz="2400" dirty="0">
+                <a:latin typeface="Times Newer Roman" panose="00000500000000000000" pitchFamily="50" charset="0"/>
+              </a:rPr>
+              <a:t>onnected two stage of frequency characteristic.</a:t>
+            </a:r>
+          </a:p>
+          <a:p>
+            <a:pPr algn="ctr"/>
+            <a:r>
+              <a:rPr lang="en-US" altLang="ja-JP" sz="2400" dirty="0">
+                <a:latin typeface="Times Newer Roman" panose="00000500000000000000" pitchFamily="50" charset="0"/>
+              </a:rPr>
+              <a:t>This cutoff frequency is limited to a GHz ordered.</a:t>
+            </a:r>
+            <a:endParaRPr kumimoji="1" lang="ja-JP" altLang="en-US" sz="2400" dirty="0">
+              <a:latin typeface="Times Newer Roman" panose="00000500000000000000" pitchFamily="50" charset="0"/>
+            </a:endParaRPr>
+          </a:p>
+        </p:txBody>
+      </p:sp>
+    </p:spTree>
+    <p:extLst>
+      <p:ext uri="{BB962C8B-B14F-4D97-AF65-F5344CB8AC3E}">
+        <p14:creationId xmlns:p14="http://schemas.microsoft.com/office/powerpoint/2010/main" val="1490028626"/>
+      </p:ext>
+    </p:extLst>
+  </p:cSld>
+  <p:clrMapOvr>
+    <a:masterClrMapping/>
+  </p:clrMapOvr>
+</p:sld>
+</file>
+
+<file path=ppt/slides/slide12.xml><?xml version="1.0" encoding="utf-8"?>
+<p:sld xmlns:a="http://schemas.openxmlformats.org/drawingml/2006/main" xmlns:r="http://schemas.openxmlformats.org/officeDocument/2006/relationships" xmlns:p="http://schemas.openxmlformats.org/presentationml/2006/main">
+  <p:cSld>
+    <p:spTree>
+      <p:nvGrpSpPr>
+        <p:cNvPr id="1" name=""/>
+        <p:cNvGrpSpPr/>
+        <p:nvPr/>
+      </p:nvGrpSpPr>
+      <p:grpSpPr>
+        <a:xfrm>
+          <a:off x="0" y="0"/>
+          <a:ext cx="0" cy="0"/>
+          <a:chOff x="0" y="0"/>
+          <a:chExt cx="0" cy="0"/>
+        </a:xfrm>
+      </p:grpSpPr>
+      <p:sp>
+        <p:nvSpPr>
+          <p:cNvPr id="2" name="タイトル 1">
+            <a:extLst>
+              <a:ext uri="{FF2B5EF4-FFF2-40B4-BE49-F238E27FC236}">
+                <a16:creationId xmlns:a16="http://schemas.microsoft.com/office/drawing/2014/main" id="{21CEA0F3-B545-ED2F-6076-AB6ECE0AC0AA}"/>
+              </a:ext>
+            </a:extLst>
+          </p:cNvPr>
+          <p:cNvSpPr>
+            <a:spLocks noGrp="1"/>
+          </p:cNvSpPr>
+          <p:nvPr>
+            <p:ph type="title"/>
+          </p:nvPr>
+        </p:nvSpPr>
+        <p:spPr/>
+        <p:txBody>
+          <a:bodyPr>
+            <a:normAutofit/>
+          </a:bodyPr>
+          <a:lstStyle/>
+          <a:p>
+            <a:r>
+              <a:rPr kumimoji="1" lang="en-US" altLang="ja-JP" dirty="0"/>
+              <a:t>Small-signal analysis</a:t>
+            </a:r>
+            <a:endParaRPr kumimoji="1" lang="ja-JP" altLang="en-US" dirty="0"/>
+          </a:p>
+        </p:txBody>
+      </p:sp>
+      <p:sp>
+        <p:nvSpPr>
+          <p:cNvPr id="3" name="日付プレースホルダー 2">
+            <a:extLst>
+              <a:ext uri="{FF2B5EF4-FFF2-40B4-BE49-F238E27FC236}">
+                <a16:creationId xmlns:a16="http://schemas.microsoft.com/office/drawing/2014/main" id="{94F183F6-B000-F038-652F-70EEB9542D75}"/>
+              </a:ext>
+            </a:extLst>
+          </p:cNvPr>
+          <p:cNvSpPr>
+            <a:spLocks noGrp="1"/>
+          </p:cNvSpPr>
+          <p:nvPr>
+            <p:ph type="dt" sz="half" idx="10"/>
+          </p:nvPr>
+        </p:nvSpPr>
+        <p:spPr/>
+        <p:txBody>
+          <a:bodyPr/>
+          <a:lstStyle/>
+          <a:p>
+            <a:fld id="{E2F04EE6-E3D0-4480-949E-059427D7388D}" type="datetime1">
+              <a:rPr lang="ja-JP" altLang="en-US" smtClean="0"/>
+              <a:pPr/>
+              <a:t>2024/6/4</a:t>
+            </a:fld>
+            <a:endParaRPr lang="ja-JP" altLang="en-US"/>
+          </a:p>
+        </p:txBody>
+      </p:sp>
+      <p:sp>
+        <p:nvSpPr>
+          <p:cNvPr id="4" name="スライド番号プレースホルダー 3">
+            <a:extLst>
+              <a:ext uri="{FF2B5EF4-FFF2-40B4-BE49-F238E27FC236}">
+                <a16:creationId xmlns:a16="http://schemas.microsoft.com/office/drawing/2014/main" id="{C089C5B5-FB37-DE48-0B29-AEA7CD9E03B7}"/>
+              </a:ext>
+            </a:extLst>
+          </p:cNvPr>
+          <p:cNvSpPr>
+            <a:spLocks noGrp="1"/>
+          </p:cNvSpPr>
+          <p:nvPr>
+            <p:ph type="sldNum" sz="quarter" idx="12"/>
+          </p:nvPr>
+        </p:nvSpPr>
+        <p:spPr/>
+        <p:txBody>
+          <a:bodyPr/>
+          <a:lstStyle/>
+          <a:p>
+            <a:fld id="{6294761A-CFE9-4878-87A7-90ECABD59CE5}" type="slidenum">
+              <a:rPr lang="ja-JP" altLang="en-US" smtClean="0"/>
+              <a:pPr/>
+              <a:t>12</a:t>
+            </a:fld>
+            <a:endParaRPr lang="ja-JP" altLang="en-US"/>
+          </a:p>
+        </p:txBody>
+      </p:sp>
+      <p:sp>
+        <p:nvSpPr>
+          <p:cNvPr id="5" name="フッター プレースホルダー 4">
+            <a:extLst>
+              <a:ext uri="{FF2B5EF4-FFF2-40B4-BE49-F238E27FC236}">
+                <a16:creationId xmlns:a16="http://schemas.microsoft.com/office/drawing/2014/main" id="{22DCC66D-C6A2-E10B-02C9-4A701B925CDF}"/>
+              </a:ext>
+            </a:extLst>
+          </p:cNvPr>
+          <p:cNvSpPr>
+            <a:spLocks noGrp="1"/>
+          </p:cNvSpPr>
+          <p:nvPr>
+            <p:ph type="ftr" sz="quarter" idx="3"/>
+          </p:nvPr>
+        </p:nvSpPr>
+        <p:spPr/>
+        <p:txBody>
+          <a:bodyPr/>
+          <a:lstStyle/>
+          <a:p>
+            <a:r>
+              <a:rPr lang="en-US" altLang="ja-JP"/>
+              <a:t>Wave Signal Processing Circuit Laboratory,  Meiji University</a:t>
+            </a:r>
+            <a:endParaRPr lang="en-US" altLang="ja-JP" dirty="0"/>
+          </a:p>
+        </p:txBody>
+      </p:sp>
+      <p:pic>
+        <p:nvPicPr>
+          <p:cNvPr id="6" name="図 5" descr="ダイアグラム&#10;&#10;自動的に生成された説明">
+            <a:extLst>
+              <a:ext uri="{FF2B5EF4-FFF2-40B4-BE49-F238E27FC236}">
+                <a16:creationId xmlns:a16="http://schemas.microsoft.com/office/drawing/2014/main" id="{342B550B-3E92-AE13-F533-C67A46652999}"/>
+              </a:ext>
+            </a:extLst>
+          </p:cNvPr>
+          <p:cNvPicPr>
+            <a:picLocks noChangeAspect="1"/>
+          </p:cNvPicPr>
+          <p:nvPr/>
+        </p:nvPicPr>
+        <p:blipFill>
+          <a:blip r:embed="rId2">
+            <a:extLst>
+              <a:ext uri="{28A0092B-C50C-407E-A947-70E740481C1C}">
+                <a14:useLocalDpi xmlns:a14="http://schemas.microsoft.com/office/drawing/2010/main" val="0"/>
+              </a:ext>
+            </a:extLst>
+          </a:blip>
+          <a:stretch>
+            <a:fillRect/>
+          </a:stretch>
+        </p:blipFill>
+        <p:spPr>
+          <a:xfrm>
+            <a:off x="571150" y="1525505"/>
+            <a:ext cx="7830072" cy="4030562"/>
+          </a:xfrm>
+          <a:prstGeom prst="rect">
+            <a:avLst/>
+          </a:prstGeom>
+        </p:spPr>
+      </p:pic>
+      <p:sp>
+        <p:nvSpPr>
+          <p:cNvPr id="7" name="テキスト ボックス 6">
+            <a:extLst>
+              <a:ext uri="{FF2B5EF4-FFF2-40B4-BE49-F238E27FC236}">
+                <a16:creationId xmlns:a16="http://schemas.microsoft.com/office/drawing/2014/main" id="{C1599CC9-D4EE-0DD1-504F-76F58B6338BD}"/>
+              </a:ext>
+            </a:extLst>
+          </p:cNvPr>
+          <p:cNvSpPr txBox="1"/>
+          <p:nvPr/>
+        </p:nvSpPr>
+        <p:spPr>
+          <a:xfrm>
+            <a:off x="5103223" y="4732330"/>
+            <a:ext cx="6796301" cy="1200329"/>
+          </a:xfrm>
+          <a:prstGeom prst="rect">
+            <a:avLst/>
+          </a:prstGeom>
+          <a:noFill/>
+        </p:spPr>
+        <p:txBody>
+          <a:bodyPr wrap="square" rtlCol="0">
+            <a:spAutoFit/>
+          </a:bodyPr>
+          <a:lstStyle/>
+          <a:p>
+            <a:pPr algn="l"/>
+            <a:r>
+              <a:rPr kumimoji="1" lang="en-US" altLang="ja-JP" sz="2400" dirty="0">
+                <a:latin typeface="Times Newer Roman" panose="00000500000000000000" pitchFamily="50" charset="0"/>
+              </a:rPr>
+              <a:t>This small-signal equivalent circuit is </a:t>
+            </a:r>
+            <a:r>
+              <a:rPr lang="en-US" altLang="ja-JP" sz="2400" dirty="0">
+                <a:latin typeface="Times Newer Roman" panose="00000500000000000000" pitchFamily="50" charset="0"/>
+              </a:rPr>
+              <a:t>containing base-emitter and base-collector junction capacitance for high frequency response.</a:t>
+            </a:r>
+            <a:endParaRPr kumimoji="1" lang="ja-JP" altLang="en-US" sz="2400" dirty="0">
+              <a:latin typeface="Times Newer Roman" panose="00000500000000000000" pitchFamily="50" charset="0"/>
+            </a:endParaRPr>
+          </a:p>
+        </p:txBody>
+      </p:sp>
+    </p:spTree>
+    <p:extLst>
+      <p:ext uri="{BB962C8B-B14F-4D97-AF65-F5344CB8AC3E}">
+        <p14:creationId xmlns:p14="http://schemas.microsoft.com/office/powerpoint/2010/main" val="2432786505"/>
+      </p:ext>
+    </p:extLst>
+  </p:cSld>
+  <p:clrMapOvr>
+    <a:masterClrMapping/>
+  </p:clrMapOvr>
+</p:sld>
+</file>
+
+<file path=ppt/slides/slide13.xml><?xml version="1.0" encoding="utf-8"?>
+<p:sld xmlns:a="http://schemas.openxmlformats.org/drawingml/2006/main" xmlns:r="http://schemas.openxmlformats.org/officeDocument/2006/relationships" xmlns:p="http://schemas.openxmlformats.org/presentationml/2006/main">
+  <p:cSld>
+    <p:spTree>
+      <p:nvGrpSpPr>
+        <p:cNvPr id="1" name=""/>
+        <p:cNvGrpSpPr/>
+        <p:nvPr/>
+      </p:nvGrpSpPr>
+      <p:grpSpPr>
+        <a:xfrm>
+          <a:off x="0" y="0"/>
+          <a:ext cx="0" cy="0"/>
+          <a:chOff x="0" y="0"/>
+          <a:chExt cx="0" cy="0"/>
+        </a:xfrm>
+      </p:grpSpPr>
+      <p:sp>
+        <p:nvSpPr>
+          <p:cNvPr id="2" name="タイトル 1">
+            <a:extLst>
+              <a:ext uri="{FF2B5EF4-FFF2-40B4-BE49-F238E27FC236}">
+                <a16:creationId xmlns:a16="http://schemas.microsoft.com/office/drawing/2014/main" id="{FEF07E17-F04E-0625-1F43-E97981AF949E}"/>
+              </a:ext>
+            </a:extLst>
+          </p:cNvPr>
+          <p:cNvSpPr>
+            <a:spLocks noGrp="1"/>
+          </p:cNvSpPr>
+          <p:nvPr>
+            <p:ph type="title"/>
+          </p:nvPr>
+        </p:nvSpPr>
+        <p:spPr/>
+        <p:txBody>
+          <a:bodyPr/>
+          <a:lstStyle/>
+          <a:p>
+            <a:r>
+              <a:rPr kumimoji="1" lang="en-US" altLang="ja-JP" dirty="0"/>
+              <a:t>Small-signal analysis</a:t>
+            </a:r>
+            <a:endParaRPr kumimoji="1" lang="ja-JP" altLang="en-US" dirty="0"/>
+          </a:p>
+        </p:txBody>
+      </p:sp>
+      <p:sp>
+        <p:nvSpPr>
+          <p:cNvPr id="3" name="日付プレースホルダー 2">
+            <a:extLst>
+              <a:ext uri="{FF2B5EF4-FFF2-40B4-BE49-F238E27FC236}">
+                <a16:creationId xmlns:a16="http://schemas.microsoft.com/office/drawing/2014/main" id="{76ABA05B-3564-1708-B3BE-4C46914EE334}"/>
+              </a:ext>
+            </a:extLst>
+          </p:cNvPr>
+          <p:cNvSpPr>
+            <a:spLocks noGrp="1"/>
+          </p:cNvSpPr>
+          <p:nvPr>
+            <p:ph type="dt" sz="half" idx="10"/>
+          </p:nvPr>
+        </p:nvSpPr>
+        <p:spPr/>
+        <p:txBody>
+          <a:bodyPr/>
+          <a:lstStyle/>
+          <a:p>
+            <a:fld id="{E2F04EE6-E3D0-4480-949E-059427D7388D}" type="datetime1">
+              <a:rPr lang="ja-JP" altLang="en-US" smtClean="0"/>
+              <a:pPr/>
+              <a:t>2024/6/4</a:t>
+            </a:fld>
+            <a:endParaRPr lang="ja-JP" altLang="en-US"/>
+          </a:p>
+        </p:txBody>
+      </p:sp>
+      <p:sp>
+        <p:nvSpPr>
+          <p:cNvPr id="4" name="スライド番号プレースホルダー 3">
+            <a:extLst>
+              <a:ext uri="{FF2B5EF4-FFF2-40B4-BE49-F238E27FC236}">
+                <a16:creationId xmlns:a16="http://schemas.microsoft.com/office/drawing/2014/main" id="{41B4684D-24E2-74A0-1DE7-C68622F4A67B}"/>
+              </a:ext>
+            </a:extLst>
+          </p:cNvPr>
+          <p:cNvSpPr>
+            <a:spLocks noGrp="1"/>
+          </p:cNvSpPr>
+          <p:nvPr>
+            <p:ph type="sldNum" sz="quarter" idx="12"/>
+          </p:nvPr>
+        </p:nvSpPr>
+        <p:spPr/>
+        <p:txBody>
+          <a:bodyPr/>
+          <a:lstStyle/>
+          <a:p>
+            <a:fld id="{6294761A-CFE9-4878-87A7-90ECABD59CE5}" type="slidenum">
+              <a:rPr lang="ja-JP" altLang="en-US" smtClean="0"/>
+              <a:pPr/>
+              <a:t>13</a:t>
+            </a:fld>
+            <a:endParaRPr lang="ja-JP" altLang="en-US"/>
+          </a:p>
+        </p:txBody>
+      </p:sp>
+      <p:sp>
+        <p:nvSpPr>
+          <p:cNvPr id="5" name="フッター プレースホルダー 4">
+            <a:extLst>
+              <a:ext uri="{FF2B5EF4-FFF2-40B4-BE49-F238E27FC236}">
+                <a16:creationId xmlns:a16="http://schemas.microsoft.com/office/drawing/2014/main" id="{2A537AB4-B31A-0426-10E8-10DE04D65CC1}"/>
+              </a:ext>
+            </a:extLst>
+          </p:cNvPr>
+          <p:cNvSpPr>
+            <a:spLocks noGrp="1"/>
+          </p:cNvSpPr>
+          <p:nvPr>
+            <p:ph type="ftr" sz="quarter" idx="3"/>
+          </p:nvPr>
+        </p:nvSpPr>
+        <p:spPr/>
+        <p:txBody>
+          <a:bodyPr/>
+          <a:lstStyle/>
+          <a:p>
+            <a:r>
+              <a:rPr lang="en-US" altLang="ja-JP"/>
+              <a:t>Wave Signal Processing Circuit Laboratory,  Meiji University</a:t>
+            </a:r>
+            <a:endParaRPr lang="en-US" altLang="ja-JP" dirty="0"/>
+          </a:p>
+        </p:txBody>
+      </p:sp>
+      <p:pic>
+        <p:nvPicPr>
+          <p:cNvPr id="6" name="図 5" descr="グラフィカル ユーザー インターフェイス&#10;&#10;自動的に生成された説明">
+            <a:extLst>
+              <a:ext uri="{FF2B5EF4-FFF2-40B4-BE49-F238E27FC236}">
+                <a16:creationId xmlns:a16="http://schemas.microsoft.com/office/drawing/2014/main" id="{56A6DA13-56AE-5809-E353-05981D48EA12}"/>
+              </a:ext>
+            </a:extLst>
+          </p:cNvPr>
+          <p:cNvPicPr>
+            <a:picLocks noChangeAspect="1"/>
+          </p:cNvPicPr>
+          <p:nvPr/>
+        </p:nvPicPr>
+        <p:blipFill>
+          <a:blip r:embed="rId2">
+            <a:extLst>
+              <a:ext uri="{28A0092B-C50C-407E-A947-70E740481C1C}">
+                <a14:useLocalDpi xmlns:a14="http://schemas.microsoft.com/office/drawing/2010/main" val="0"/>
+              </a:ext>
+            </a:extLst>
+          </a:blip>
+          <a:stretch>
+            <a:fillRect/>
+          </a:stretch>
+        </p:blipFill>
+        <p:spPr>
+          <a:xfrm>
+            <a:off x="1661770" y="2923491"/>
+            <a:ext cx="7933765" cy="3115098"/>
+          </a:xfrm>
+          <a:prstGeom prst="rect">
+            <a:avLst/>
+          </a:prstGeom>
+        </p:spPr>
+      </p:pic>
+      <p:grpSp>
+        <p:nvGrpSpPr>
+          <p:cNvPr id="7" name="グループ化 6">
+            <a:extLst>
+              <a:ext uri="{FF2B5EF4-FFF2-40B4-BE49-F238E27FC236}">
+                <a16:creationId xmlns:a16="http://schemas.microsoft.com/office/drawing/2014/main" id="{182DC3E7-BF49-98E1-7D68-AB26A0878906}"/>
+              </a:ext>
+            </a:extLst>
+          </p:cNvPr>
+          <p:cNvGrpSpPr/>
+          <p:nvPr/>
+        </p:nvGrpSpPr>
+        <p:grpSpPr>
+          <a:xfrm>
+            <a:off x="531224" y="1494127"/>
+            <a:ext cx="10593975" cy="1029769"/>
+            <a:chOff x="1051177" y="1374086"/>
+            <a:chExt cx="10593975" cy="1029769"/>
+          </a:xfrm>
+        </p:grpSpPr>
+        <p:grpSp>
+          <p:nvGrpSpPr>
+            <p:cNvPr id="8" name="グループ化 7">
+              <a:extLst>
+                <a:ext uri="{FF2B5EF4-FFF2-40B4-BE49-F238E27FC236}">
+                  <a16:creationId xmlns:a16="http://schemas.microsoft.com/office/drawing/2014/main" id="{6925BFD3-BB61-FAA9-326A-18E7598B0EF9}"/>
+                </a:ext>
+              </a:extLst>
+            </p:cNvPr>
+            <p:cNvGrpSpPr/>
+            <p:nvPr/>
+          </p:nvGrpSpPr>
+          <p:grpSpPr>
+            <a:xfrm>
+              <a:off x="2626657" y="1374086"/>
+              <a:ext cx="9018495" cy="1029769"/>
+              <a:chOff x="1586752" y="1311333"/>
+              <a:chExt cx="9018495" cy="1029769"/>
+            </a:xfrm>
+          </p:grpSpPr>
+          <mc:AlternateContent xmlns:mc="http://schemas.openxmlformats.org/markup-compatibility/2006" xmlns:a14="http://schemas.microsoft.com/office/drawing/2010/main">
+            <mc:Choice Requires="a14">
+              <p:sp>
+                <p:nvSpPr>
+                  <p:cNvPr id="10" name="テキスト ボックス 9">
+                    <a:extLst>
+                      <a:ext uri="{FF2B5EF4-FFF2-40B4-BE49-F238E27FC236}">
+                        <a16:creationId xmlns:a16="http://schemas.microsoft.com/office/drawing/2014/main" id="{5201D8A6-25A5-BCE3-71A5-100F912E8224}"/>
+                      </a:ext>
+                    </a:extLst>
+                  </p:cNvPr>
+                  <p:cNvSpPr txBox="1"/>
+                  <p:nvPr/>
+                </p:nvSpPr>
+                <p:spPr>
+                  <a:xfrm>
+                    <a:off x="1586752" y="1311333"/>
+                    <a:ext cx="9018495" cy="1029769"/>
+                  </a:xfrm>
+                  <a:prstGeom prst="rect">
+                    <a:avLst/>
+                  </a:prstGeom>
+                  <a:noFill/>
+                </p:spPr>
+                <p:txBody>
+                  <a:bodyPr wrap="square" rtlCol="0">
+                    <a:spAutoFit/>
+                  </a:bodyPr>
+                  <a:lstStyle/>
+                  <a:p>
+                    <a:pPr algn="l"/>
+                    <a14:m>
+                      <m:oMathPara xmlns:m="http://schemas.openxmlformats.org/officeDocument/2006/math">
+                        <m:oMathParaPr>
+                          <m:jc m:val="centerGroup"/>
+                        </m:oMathParaPr>
+                        <m:oMath xmlns:m="http://schemas.openxmlformats.org/officeDocument/2006/math">
+                          <m:sSub>
+                            <m:sSubPr>
+                              <m:ctrlPr>
+                                <a:rPr kumimoji="1" lang="en-US" altLang="ja-JP" b="0" i="1" smtClean="0">
+                                  <a:latin typeface="Cambria Math" panose="02040503050406030204" pitchFamily="18" charset="0"/>
+                                </a:rPr>
+                              </m:ctrlPr>
+                            </m:sSubPr>
+                            <m:e>
+                              <m:sSub>
+                                <m:sSubPr>
+                                  <m:ctrlPr>
+                                    <a:rPr kumimoji="1" lang="en-US" altLang="ja-JP" b="0" i="1" smtClean="0">
+                                      <a:latin typeface="Cambria Math" panose="02040503050406030204" pitchFamily="18" charset="0"/>
+                                    </a:rPr>
+                                  </m:ctrlPr>
+                                </m:sSubPr>
+                                <m:e>
+                                  <m:r>
+                                    <a:rPr kumimoji="1" lang="en-US" altLang="ja-JP" b="0" i="1" smtClean="0">
+                                      <a:latin typeface="Cambria Math" panose="02040503050406030204" pitchFamily="18" charset="0"/>
+                                    </a:rPr>
+                                    <m:t>𝑔</m:t>
+                                  </m:r>
+                                </m:e>
+                                <m:sub>
+                                  <m:r>
+                                    <a:rPr kumimoji="1" lang="en-US" altLang="ja-JP" b="0" i="1" smtClean="0">
+                                      <a:latin typeface="Cambria Math" panose="02040503050406030204" pitchFamily="18" charset="0"/>
+                                    </a:rPr>
+                                    <m:t>𝑐𝑒</m:t>
+                                  </m:r>
+                                  <m:r>
+                                    <a:rPr kumimoji="1" lang="en-US" altLang="ja-JP" b="0" i="1" smtClean="0">
+                                      <a:latin typeface="Cambria Math" panose="02040503050406030204" pitchFamily="18" charset="0"/>
+                                    </a:rPr>
+                                    <m:t>1</m:t>
+                                  </m:r>
+                                </m:sub>
+                              </m:sSub>
+                              <m:d>
+                                <m:dPr>
+                                  <m:ctrlPr>
+                                    <a:rPr kumimoji="1" lang="en-US" altLang="ja-JP" b="0" i="1" smtClean="0">
+                                      <a:latin typeface="Cambria Math" panose="02040503050406030204" pitchFamily="18" charset="0"/>
+                                    </a:rPr>
+                                  </m:ctrlPr>
+                                </m:dPr>
+                                <m:e>
+                                  <m:sSub>
+                                    <m:sSubPr>
+                                      <m:ctrlPr>
+                                        <a:rPr kumimoji="1" lang="en-US" altLang="ja-JP" b="0" i="1" smtClean="0">
+                                          <a:latin typeface="Cambria Math" panose="02040503050406030204" pitchFamily="18" charset="0"/>
+                                        </a:rPr>
+                                      </m:ctrlPr>
+                                    </m:sSubPr>
+                                    <m:e>
+                                      <m:r>
+                                        <a:rPr kumimoji="1" lang="en-US" altLang="ja-JP" b="0" i="1" smtClean="0">
+                                          <a:latin typeface="Cambria Math" panose="02040503050406030204" pitchFamily="18" charset="0"/>
+                                        </a:rPr>
+                                        <m:t>𝑣</m:t>
+                                      </m:r>
+                                    </m:e>
+                                    <m:sub>
+                                      <m:r>
+                                        <a:rPr kumimoji="1" lang="en-US" altLang="ja-JP" b="0" i="1" smtClean="0">
+                                          <a:latin typeface="Cambria Math" panose="02040503050406030204" pitchFamily="18" charset="0"/>
+                                        </a:rPr>
+                                        <m:t>𝑚</m:t>
+                                      </m:r>
+                                    </m:sub>
+                                  </m:sSub>
+                                  <m:r>
+                                    <a:rPr kumimoji="1" lang="en-US" altLang="ja-JP" b="0" i="1" smtClean="0">
+                                      <a:latin typeface="Cambria Math" panose="02040503050406030204" pitchFamily="18" charset="0"/>
+                                    </a:rPr>
+                                    <m:t>−</m:t>
+                                  </m:r>
+                                  <m:sSub>
+                                    <m:sSubPr>
+                                      <m:ctrlPr>
+                                        <a:rPr kumimoji="1" lang="en-US" altLang="ja-JP" b="0" i="1" smtClean="0">
+                                          <a:latin typeface="Cambria Math" panose="02040503050406030204" pitchFamily="18" charset="0"/>
+                                        </a:rPr>
+                                      </m:ctrlPr>
+                                    </m:sSubPr>
+                                    <m:e>
+                                      <m:r>
+                                        <a:rPr kumimoji="1" lang="en-US" altLang="ja-JP" b="0" i="1" smtClean="0">
+                                          <a:latin typeface="Cambria Math" panose="02040503050406030204" pitchFamily="18" charset="0"/>
+                                        </a:rPr>
+                                        <m:t>𝑣</m:t>
+                                      </m:r>
+                                    </m:e>
+                                    <m:sub>
+                                      <m:r>
+                                        <a:rPr kumimoji="1" lang="en-US" altLang="ja-JP" b="0" i="1" smtClean="0">
+                                          <a:latin typeface="Cambria Math" panose="02040503050406030204" pitchFamily="18" charset="0"/>
+                                        </a:rPr>
+                                        <m:t>𝑒</m:t>
+                                      </m:r>
+                                    </m:sub>
+                                  </m:sSub>
+                                </m:e>
+                              </m:d>
+                              <m:r>
+                                <a:rPr kumimoji="1" lang="en-US" altLang="ja-JP" b="0" i="1" smtClean="0">
+                                  <a:latin typeface="Cambria Math" panose="02040503050406030204" pitchFamily="18" charset="0"/>
+                                </a:rPr>
+                                <m:t>−</m:t>
+                              </m:r>
+                              <m:sSub>
+                                <m:sSubPr>
+                                  <m:ctrlPr>
+                                    <a:rPr kumimoji="1" lang="en-US" altLang="ja-JP" b="0" i="1" smtClean="0">
+                                      <a:latin typeface="Cambria Math" panose="02040503050406030204" pitchFamily="18" charset="0"/>
+                                    </a:rPr>
+                                  </m:ctrlPr>
+                                </m:sSubPr>
+                                <m:e>
+                                  <m:r>
+                                    <a:rPr kumimoji="1" lang="en-US" altLang="ja-JP" b="0" i="1" smtClean="0">
+                                      <a:latin typeface="Cambria Math" panose="02040503050406030204" pitchFamily="18" charset="0"/>
+                                    </a:rPr>
+                                    <m:t>𝑔</m:t>
+                                  </m:r>
+                                </m:e>
+                                <m:sub>
+                                  <m:r>
+                                    <a:rPr kumimoji="1" lang="en-US" altLang="ja-JP" b="0" i="1" smtClean="0">
+                                      <a:latin typeface="Cambria Math" panose="02040503050406030204" pitchFamily="18" charset="0"/>
+                                    </a:rPr>
+                                    <m:t>𝑚</m:t>
+                                  </m:r>
+                                  <m:r>
+                                    <a:rPr kumimoji="1" lang="en-US" altLang="ja-JP" b="0" i="1" smtClean="0">
+                                      <a:latin typeface="Cambria Math" panose="02040503050406030204" pitchFamily="18" charset="0"/>
+                                    </a:rPr>
+                                    <m:t>1</m:t>
+                                  </m:r>
+                                </m:sub>
+                              </m:sSub>
+                              <m:sSub>
+                                <m:sSubPr>
+                                  <m:ctrlPr>
+                                    <a:rPr kumimoji="1" lang="en-US" altLang="ja-JP" b="0" i="1" smtClean="0">
+                                      <a:latin typeface="Cambria Math" panose="02040503050406030204" pitchFamily="18" charset="0"/>
+                                    </a:rPr>
+                                  </m:ctrlPr>
+                                </m:sSubPr>
+                                <m:e>
+                                  <m:r>
+                                    <a:rPr kumimoji="1" lang="en-US" altLang="ja-JP" b="0" i="1" smtClean="0">
+                                      <a:latin typeface="Cambria Math" panose="02040503050406030204" pitchFamily="18" charset="0"/>
+                                    </a:rPr>
+                                    <m:t>𝑣</m:t>
+                                  </m:r>
+                                </m:e>
+                                <m:sub>
+                                  <m:r>
+                                    <a:rPr kumimoji="1" lang="en-US" altLang="ja-JP" b="0" i="1" smtClean="0">
+                                      <a:latin typeface="Cambria Math" panose="02040503050406030204" pitchFamily="18" charset="0"/>
+                                    </a:rPr>
+                                    <m:t>𝑒</m:t>
+                                  </m:r>
+                                </m:sub>
+                              </m:sSub>
+                              <m:r>
+                                <a:rPr kumimoji="1" lang="en-US" altLang="ja-JP" b="0" i="1" smtClean="0">
+                                  <a:latin typeface="Cambria Math" panose="02040503050406030204" pitchFamily="18" charset="0"/>
+                                </a:rPr>
+                                <m:t>=</m:t>
+                              </m:r>
+                              <m:r>
+                                <a:rPr kumimoji="1" lang="en-US" altLang="ja-JP" b="0" i="1" smtClean="0">
+                                  <a:latin typeface="Cambria Math" panose="02040503050406030204" pitchFamily="18" charset="0"/>
+                                </a:rPr>
+                                <m:t>𝑖</m:t>
+                              </m:r>
+                            </m:e>
+                            <m:sub>
+                              <m:r>
+                                <a:rPr kumimoji="1" lang="en-US" altLang="ja-JP" b="0" i="1" smtClean="0">
+                                  <a:latin typeface="Cambria Math" panose="02040503050406030204" pitchFamily="18" charset="0"/>
+                                </a:rPr>
+                                <m:t>𝑖𝑛</m:t>
+                              </m:r>
+                            </m:sub>
+                          </m:sSub>
+                          <m:r>
+                            <a:rPr kumimoji="1" lang="en-US" altLang="ja-JP" b="0" i="1" smtClean="0">
+                              <a:latin typeface="Cambria Math" panose="02040503050406030204" pitchFamily="18" charset="0"/>
+                            </a:rPr>
+                            <m:t>+</m:t>
+                          </m:r>
+                          <m:d>
+                            <m:dPr>
+                              <m:begChr m:val=""/>
+                              <m:endChr m:val="}"/>
+                              <m:ctrlPr>
+                                <a:rPr kumimoji="1" lang="en-US" altLang="ja-JP" b="0" i="1" smtClean="0">
+                                  <a:latin typeface="Cambria Math" panose="02040503050406030204" pitchFamily="18" charset="0"/>
+                                </a:rPr>
+                              </m:ctrlPr>
+                            </m:dPr>
+                            <m:e>
+                              <m:d>
+                                <m:dPr>
+                                  <m:begChr m:val="{"/>
+                                  <m:endChr m:val=""/>
+                                  <m:ctrlPr>
+                                    <a:rPr kumimoji="1" lang="en-US" altLang="ja-JP" b="0" i="1" smtClean="0">
+                                      <a:latin typeface="Cambria Math" panose="02040503050406030204" pitchFamily="18" charset="0"/>
+                                    </a:rPr>
+                                  </m:ctrlPr>
+                                </m:dPr>
+                                <m:e>
+                                  <m:sSub>
+                                    <m:sSubPr>
+                                      <m:ctrlPr>
+                                        <a:rPr kumimoji="1" lang="en-US" altLang="ja-JP" b="0" i="1" smtClean="0">
+                                          <a:latin typeface="Cambria Math" panose="02040503050406030204" pitchFamily="18" charset="0"/>
+                                        </a:rPr>
+                                      </m:ctrlPr>
+                                    </m:sSubPr>
+                                    <m:e>
+                                      <m:r>
+                                        <a:rPr kumimoji="1" lang="en-US" altLang="ja-JP" b="0" i="1" smtClean="0">
+                                          <a:latin typeface="Cambria Math" panose="02040503050406030204" pitchFamily="18" charset="0"/>
+                                        </a:rPr>
+                                        <m:t>𝐺</m:t>
+                                      </m:r>
+                                    </m:e>
+                                    <m:sub>
+                                      <m:r>
+                                        <a:rPr kumimoji="1" lang="en-US" altLang="ja-JP" b="0" i="1" smtClean="0">
+                                          <a:latin typeface="Cambria Math" panose="02040503050406030204" pitchFamily="18" charset="0"/>
+                                        </a:rPr>
+                                        <m:t>𝐸</m:t>
+                                      </m:r>
+                                      <m:r>
+                                        <a:rPr kumimoji="1" lang="en-US" altLang="ja-JP" b="0" i="1" smtClean="0">
+                                          <a:latin typeface="Cambria Math" panose="02040503050406030204" pitchFamily="18" charset="0"/>
+                                        </a:rPr>
+                                        <m:t>1</m:t>
+                                      </m:r>
+                                    </m:sub>
+                                  </m:sSub>
+                                  <m:r>
+                                    <a:rPr kumimoji="1" lang="en-US" altLang="ja-JP" b="0" i="1" smtClean="0">
+                                      <a:latin typeface="Cambria Math" panose="02040503050406030204" pitchFamily="18" charset="0"/>
+                                    </a:rPr>
+                                    <m:t>+</m:t>
+                                  </m:r>
+                                  <m:sSub>
+                                    <m:sSubPr>
+                                      <m:ctrlPr>
+                                        <a:rPr kumimoji="1" lang="en-US" altLang="ja-JP" b="0" i="1" smtClean="0">
+                                          <a:latin typeface="Cambria Math" panose="02040503050406030204" pitchFamily="18" charset="0"/>
+                                        </a:rPr>
+                                      </m:ctrlPr>
+                                    </m:sSubPr>
+                                    <m:e>
+                                      <m:r>
+                                        <a:rPr kumimoji="1" lang="en-US" altLang="ja-JP" b="0" i="1" smtClean="0">
+                                          <a:latin typeface="Cambria Math" panose="02040503050406030204" pitchFamily="18" charset="0"/>
+                                        </a:rPr>
+                                        <m:t>𝑔</m:t>
+                                      </m:r>
+                                    </m:e>
+                                    <m:sub>
+                                      <m:r>
+                                        <a:rPr kumimoji="1" lang="en-US" altLang="ja-JP" b="0" i="1" smtClean="0">
+                                          <a:latin typeface="Cambria Math" panose="02040503050406030204" pitchFamily="18" charset="0"/>
+                                        </a:rPr>
+                                        <m:t>𝑖𝑒</m:t>
+                                      </m:r>
+                                      <m:r>
+                                        <a:rPr kumimoji="1" lang="en-US" altLang="ja-JP" b="0" i="1" smtClean="0">
+                                          <a:latin typeface="Cambria Math" panose="02040503050406030204" pitchFamily="18" charset="0"/>
+                                        </a:rPr>
+                                        <m:t>1</m:t>
+                                      </m:r>
+                                    </m:sub>
+                                  </m:sSub>
+                                  <m:r>
+                                    <a:rPr kumimoji="1" lang="en-US" altLang="ja-JP" b="0" i="1" smtClean="0">
+                                      <a:latin typeface="Cambria Math" panose="02040503050406030204" pitchFamily="18" charset="0"/>
+                                    </a:rPr>
+                                    <m:t>+</m:t>
+                                  </m:r>
+                                  <m:r>
+                                    <a:rPr kumimoji="1" lang="en-US" altLang="ja-JP" b="0" i="1" smtClean="0">
+                                      <a:latin typeface="Cambria Math" panose="02040503050406030204" pitchFamily="18" charset="0"/>
+                                    </a:rPr>
+                                    <m:t>𝑗</m:t>
+                                  </m:r>
+                                  <m:r>
+                                    <a:rPr kumimoji="1" lang="en-US" altLang="ja-JP" b="0" i="1" smtClean="0">
+                                      <a:latin typeface="Cambria Math" panose="02040503050406030204" pitchFamily="18" charset="0"/>
+                                    </a:rPr>
+                                    <m:t>𝜔</m:t>
+                                  </m:r>
+                                  <m:d>
+                                    <m:dPr>
+                                      <m:ctrlPr>
+                                        <a:rPr kumimoji="1" lang="en-US" altLang="ja-JP" b="0" i="1" smtClean="0">
+                                          <a:latin typeface="Cambria Math" panose="02040503050406030204" pitchFamily="18" charset="0"/>
+                                        </a:rPr>
+                                      </m:ctrlPr>
+                                    </m:dPr>
+                                    <m:e>
+                                      <m:sSub>
+                                        <m:sSubPr>
+                                          <m:ctrlPr>
+                                            <a:rPr kumimoji="1" lang="en-US" altLang="ja-JP" b="0" i="1" smtClean="0">
+                                              <a:latin typeface="Cambria Math" panose="02040503050406030204" pitchFamily="18" charset="0"/>
+                                            </a:rPr>
+                                          </m:ctrlPr>
+                                        </m:sSubPr>
+                                        <m:e>
+                                          <m:r>
+                                            <a:rPr kumimoji="1" lang="en-US" altLang="ja-JP" b="0" i="1" smtClean="0">
+                                              <a:latin typeface="Cambria Math" panose="02040503050406030204" pitchFamily="18" charset="0"/>
+                                            </a:rPr>
+                                            <m:t>𝐶</m:t>
+                                          </m:r>
+                                        </m:e>
+                                        <m:sub>
+                                          <m:r>
+                                            <a:rPr kumimoji="1" lang="en-US" altLang="ja-JP" b="0" i="1" smtClean="0">
+                                              <a:latin typeface="Cambria Math" panose="02040503050406030204" pitchFamily="18" charset="0"/>
+                                            </a:rPr>
+                                            <m:t>𝑃𝐷</m:t>
+                                          </m:r>
+                                        </m:sub>
+                                      </m:sSub>
+                                      <m:r>
+                                        <a:rPr kumimoji="1" lang="en-US" altLang="ja-JP" b="0" i="1" smtClean="0">
+                                          <a:latin typeface="Cambria Math" panose="02040503050406030204" pitchFamily="18" charset="0"/>
+                                        </a:rPr>
+                                        <m:t>+</m:t>
+                                      </m:r>
+                                      <m:sSub>
+                                        <m:sSubPr>
+                                          <m:ctrlPr>
+                                            <a:rPr kumimoji="1" lang="en-US" altLang="ja-JP" b="0" i="1" smtClean="0">
+                                              <a:latin typeface="Cambria Math" panose="02040503050406030204" pitchFamily="18" charset="0"/>
+                                            </a:rPr>
+                                          </m:ctrlPr>
+                                        </m:sSubPr>
+                                        <m:e>
+                                          <m:r>
+                                            <a:rPr kumimoji="1" lang="en-US" altLang="ja-JP" b="0" i="1" smtClean="0">
+                                              <a:latin typeface="Cambria Math" panose="02040503050406030204" pitchFamily="18" charset="0"/>
+                                            </a:rPr>
+                                            <m:t>𝐶</m:t>
+                                          </m:r>
+                                        </m:e>
+                                        <m:sub>
+                                          <m:r>
+                                            <a:rPr kumimoji="1" lang="en-US" altLang="ja-JP" b="0" i="1" smtClean="0">
+                                              <a:latin typeface="Cambria Math" panose="02040503050406030204" pitchFamily="18" charset="0"/>
+                                            </a:rPr>
+                                            <m:t>𝑗𝑐</m:t>
+                                          </m:r>
+                                          <m:r>
+                                            <a:rPr kumimoji="1" lang="en-US" altLang="ja-JP" b="0" i="1" smtClean="0">
+                                              <a:latin typeface="Cambria Math" panose="02040503050406030204" pitchFamily="18" charset="0"/>
+                                            </a:rPr>
+                                            <m:t>1</m:t>
+                                          </m:r>
+                                        </m:sub>
+                                      </m:sSub>
+                                    </m:e>
+                                  </m:d>
+                                </m:e>
+                              </m:d>
+                            </m:e>
+                          </m:d>
+                          <m:sSub>
+                            <m:sSubPr>
+                              <m:ctrlPr>
+                                <a:rPr kumimoji="1" lang="en-US" altLang="ja-JP" b="0" i="1" smtClean="0">
+                                  <a:latin typeface="Cambria Math" panose="02040503050406030204" pitchFamily="18" charset="0"/>
+                                </a:rPr>
+                              </m:ctrlPr>
+                            </m:sSubPr>
+                            <m:e>
+                              <m:r>
+                                <a:rPr kumimoji="1" lang="en-US" altLang="ja-JP" b="0" i="1" smtClean="0">
+                                  <a:latin typeface="Cambria Math" panose="02040503050406030204" pitchFamily="18" charset="0"/>
+                                </a:rPr>
+                                <m:t>𝑣</m:t>
+                              </m:r>
+                            </m:e>
+                            <m:sub>
+                              <m:r>
+                                <a:rPr kumimoji="1" lang="en-US" altLang="ja-JP" b="0" i="1" smtClean="0">
+                                  <a:latin typeface="Cambria Math" panose="02040503050406030204" pitchFamily="18" charset="0"/>
+                                </a:rPr>
+                                <m:t>𝑒</m:t>
+                              </m:r>
+                            </m:sub>
+                          </m:sSub>
+                        </m:oMath>
+                      </m:oMathPara>
+                    </a14:m>
+                    <a:endParaRPr kumimoji="1" lang="en-US" altLang="ja-JP" dirty="0">
+                      <a:latin typeface="Times Newer Roman" panose="00000500000000000000" pitchFamily="50" charset="0"/>
+                    </a:endParaRPr>
+                  </a:p>
+                  <a:p>
+                    <a:pPr algn="l"/>
+                    <a14:m>
+                      <m:oMathPara xmlns:m="http://schemas.openxmlformats.org/officeDocument/2006/math">
+                        <m:oMathParaPr>
+                          <m:jc m:val="centerGroup"/>
+                        </m:oMathParaPr>
+                        <m:oMath xmlns:m="http://schemas.openxmlformats.org/officeDocument/2006/math">
+                          <m:r>
+                            <a:rPr kumimoji="1" lang="en-US" altLang="ja-JP" b="0" i="1" smtClean="0">
+                              <a:latin typeface="Cambria Math" panose="02040503050406030204" pitchFamily="18" charset="0"/>
+                            </a:rPr>
+                            <m:t>𝑗</m:t>
+                          </m:r>
+                          <m:r>
+                            <a:rPr kumimoji="1" lang="en-US" altLang="ja-JP" b="0" i="1" smtClean="0">
+                              <a:latin typeface="Cambria Math" panose="02040503050406030204" pitchFamily="18" charset="0"/>
+                            </a:rPr>
+                            <m:t>𝜔</m:t>
+                          </m:r>
+                          <m:sSub>
+                            <m:sSubPr>
+                              <m:ctrlPr>
+                                <a:rPr kumimoji="1" lang="en-US" altLang="ja-JP" b="0" i="1" smtClean="0">
+                                  <a:latin typeface="Cambria Math" panose="02040503050406030204" pitchFamily="18" charset="0"/>
+                                </a:rPr>
+                              </m:ctrlPr>
+                            </m:sSubPr>
+                            <m:e>
+                              <m:r>
+                                <a:rPr kumimoji="1" lang="en-US" altLang="ja-JP" b="0" i="1" smtClean="0">
+                                  <a:latin typeface="Cambria Math" panose="02040503050406030204" pitchFamily="18" charset="0"/>
+                                </a:rPr>
+                                <m:t>𝐶</m:t>
+                              </m:r>
+                            </m:e>
+                            <m:sub>
+                              <m:r>
+                                <a:rPr kumimoji="1" lang="en-US" altLang="ja-JP" b="0" i="1" smtClean="0">
+                                  <a:latin typeface="Cambria Math" panose="02040503050406030204" pitchFamily="18" charset="0"/>
+                                </a:rPr>
+                                <m:t>𝑗𝑐</m:t>
+                              </m:r>
+                              <m:r>
+                                <a:rPr kumimoji="1" lang="en-US" altLang="ja-JP" b="0" i="1" smtClean="0">
+                                  <a:latin typeface="Cambria Math" panose="02040503050406030204" pitchFamily="18" charset="0"/>
+                                </a:rPr>
+                                <m:t>2</m:t>
+                              </m:r>
+                            </m:sub>
+                          </m:sSub>
+                          <m:d>
+                            <m:dPr>
+                              <m:ctrlPr>
+                                <a:rPr kumimoji="1" lang="en-US" altLang="ja-JP" b="0" i="1" smtClean="0">
+                                  <a:latin typeface="Cambria Math" panose="02040503050406030204" pitchFamily="18" charset="0"/>
+                                </a:rPr>
+                              </m:ctrlPr>
+                            </m:dPr>
+                            <m:e>
+                              <m:sSub>
+                                <m:sSubPr>
+                                  <m:ctrlPr>
+                                    <a:rPr kumimoji="1" lang="en-US" altLang="ja-JP" b="0" i="1" smtClean="0">
+                                      <a:latin typeface="Cambria Math" panose="02040503050406030204" pitchFamily="18" charset="0"/>
+                                    </a:rPr>
+                                  </m:ctrlPr>
+                                </m:sSubPr>
+                                <m:e>
+                                  <m:r>
+                                    <a:rPr kumimoji="1" lang="en-US" altLang="ja-JP" b="0" i="1" smtClean="0">
+                                      <a:latin typeface="Cambria Math" panose="02040503050406030204" pitchFamily="18" charset="0"/>
+                                    </a:rPr>
+                                    <m:t>𝑣</m:t>
+                                  </m:r>
+                                </m:e>
+                                <m:sub>
+                                  <m:r>
+                                    <a:rPr kumimoji="1" lang="en-US" altLang="ja-JP" b="0" i="1" smtClean="0">
+                                      <a:latin typeface="Cambria Math" panose="02040503050406030204" pitchFamily="18" charset="0"/>
+                                    </a:rPr>
+                                    <m:t>𝑚</m:t>
+                                  </m:r>
+                                </m:sub>
+                              </m:sSub>
+                              <m:r>
+                                <a:rPr kumimoji="1" lang="en-US" altLang="ja-JP" b="0" i="1" smtClean="0">
+                                  <a:latin typeface="Cambria Math" panose="02040503050406030204" pitchFamily="18" charset="0"/>
+                                </a:rPr>
+                                <m:t>−</m:t>
+                              </m:r>
+                              <m:sSub>
+                                <m:sSubPr>
+                                  <m:ctrlPr>
+                                    <a:rPr kumimoji="1" lang="en-US" altLang="ja-JP" b="0" i="1" smtClean="0">
+                                      <a:latin typeface="Cambria Math" panose="02040503050406030204" pitchFamily="18" charset="0"/>
+                                    </a:rPr>
+                                  </m:ctrlPr>
+                                </m:sSubPr>
+                                <m:e>
+                                  <m:r>
+                                    <a:rPr kumimoji="1" lang="en-US" altLang="ja-JP" b="0" i="1" smtClean="0">
+                                      <a:latin typeface="Cambria Math" panose="02040503050406030204" pitchFamily="18" charset="0"/>
+                                    </a:rPr>
+                                    <m:t>𝑣</m:t>
+                                  </m:r>
+                                </m:e>
+                                <m:sub>
+                                  <m:r>
+                                    <a:rPr kumimoji="1" lang="en-US" altLang="ja-JP" b="0" i="1" smtClean="0">
+                                      <a:latin typeface="Cambria Math" panose="02040503050406030204" pitchFamily="18" charset="0"/>
+                                    </a:rPr>
+                                    <m:t>𝑜𝑢𝑡</m:t>
+                                  </m:r>
+                                </m:sub>
+                              </m:sSub>
+                            </m:e>
+                          </m:d>
+                          <m:r>
+                            <a:rPr kumimoji="1" lang="en-US" altLang="ja-JP" b="0" i="1" smtClean="0">
+                              <a:latin typeface="Cambria Math" panose="02040503050406030204" pitchFamily="18" charset="0"/>
+                            </a:rPr>
+                            <m:t>=</m:t>
+                          </m:r>
+                          <m:sSub>
+                            <m:sSubPr>
+                              <m:ctrlPr>
+                                <a:rPr kumimoji="1" lang="en-US" altLang="ja-JP" b="0" i="1" smtClean="0">
+                                  <a:latin typeface="Cambria Math" panose="02040503050406030204" pitchFamily="18" charset="0"/>
+                                </a:rPr>
+                              </m:ctrlPr>
+                            </m:sSubPr>
+                            <m:e>
+                              <m:r>
+                                <a:rPr kumimoji="1" lang="en-US" altLang="ja-JP" b="0" i="1" smtClean="0">
+                                  <a:latin typeface="Cambria Math" panose="02040503050406030204" pitchFamily="18" charset="0"/>
+                                </a:rPr>
+                                <m:t>𝑔</m:t>
+                              </m:r>
+                            </m:e>
+                            <m:sub>
+                              <m:r>
+                                <a:rPr kumimoji="1" lang="en-US" altLang="ja-JP" b="0" i="1" smtClean="0">
+                                  <a:latin typeface="Cambria Math" panose="02040503050406030204" pitchFamily="18" charset="0"/>
+                                </a:rPr>
+                                <m:t>𝑚</m:t>
+                              </m:r>
+                              <m:r>
+                                <a:rPr kumimoji="1" lang="en-US" altLang="ja-JP" b="0" i="1" smtClean="0">
+                                  <a:latin typeface="Cambria Math" panose="02040503050406030204" pitchFamily="18" charset="0"/>
+                                </a:rPr>
+                                <m:t>2</m:t>
+                              </m:r>
+                            </m:sub>
+                          </m:sSub>
+                          <m:sSub>
+                            <m:sSubPr>
+                              <m:ctrlPr>
+                                <a:rPr kumimoji="1" lang="en-US" altLang="ja-JP" b="0" i="1" smtClean="0">
+                                  <a:latin typeface="Cambria Math" panose="02040503050406030204" pitchFamily="18" charset="0"/>
+                                </a:rPr>
+                              </m:ctrlPr>
+                            </m:sSubPr>
+                            <m:e>
+                              <m:r>
+                                <a:rPr kumimoji="1" lang="en-US" altLang="ja-JP" b="0" i="1" smtClean="0">
+                                  <a:latin typeface="Cambria Math" panose="02040503050406030204" pitchFamily="18" charset="0"/>
+                                </a:rPr>
+                                <m:t>𝑣</m:t>
+                              </m:r>
+                            </m:e>
+                            <m:sub>
+                              <m:r>
+                                <a:rPr kumimoji="1" lang="en-US" altLang="ja-JP" b="0" i="1" smtClean="0">
+                                  <a:latin typeface="Cambria Math" panose="02040503050406030204" pitchFamily="18" charset="0"/>
+                                </a:rPr>
+                                <m:t>𝑚</m:t>
+                              </m:r>
+                            </m:sub>
+                          </m:sSub>
+                          <m:r>
+                            <a:rPr kumimoji="1" lang="en-US" altLang="ja-JP" b="0" i="1" smtClean="0">
+                              <a:latin typeface="Cambria Math" panose="02040503050406030204" pitchFamily="18" charset="0"/>
+                            </a:rPr>
+                            <m:t>+</m:t>
+                          </m:r>
+                          <m:d>
+                            <m:dPr>
+                              <m:ctrlPr>
+                                <a:rPr kumimoji="1" lang="en-US" altLang="ja-JP" b="0" i="1" smtClean="0">
+                                  <a:latin typeface="Cambria Math" panose="02040503050406030204" pitchFamily="18" charset="0"/>
+                                </a:rPr>
+                              </m:ctrlPr>
+                            </m:dPr>
+                            <m:e>
+                              <m:sSub>
+                                <m:sSubPr>
+                                  <m:ctrlPr>
+                                    <a:rPr kumimoji="1" lang="en-US" altLang="ja-JP" b="0" i="1" smtClean="0">
+                                      <a:latin typeface="Cambria Math" panose="02040503050406030204" pitchFamily="18" charset="0"/>
+                                    </a:rPr>
+                                  </m:ctrlPr>
+                                </m:sSubPr>
+                                <m:e>
+                                  <m:r>
+                                    <a:rPr kumimoji="1" lang="en-US" altLang="ja-JP" b="0" i="1" smtClean="0">
+                                      <a:latin typeface="Cambria Math" panose="02040503050406030204" pitchFamily="18" charset="0"/>
+                                    </a:rPr>
+                                    <m:t>𝐺</m:t>
+                                  </m:r>
+                                </m:e>
+                                <m:sub>
+                                  <m:r>
+                                    <a:rPr kumimoji="1" lang="en-US" altLang="ja-JP" b="0" i="1" smtClean="0">
+                                      <a:latin typeface="Cambria Math" panose="02040503050406030204" pitchFamily="18" charset="0"/>
+                                    </a:rPr>
+                                    <m:t>𝐶</m:t>
+                                  </m:r>
+                                  <m:r>
+                                    <a:rPr kumimoji="1" lang="en-US" altLang="ja-JP" b="0" i="1" smtClean="0">
+                                      <a:latin typeface="Cambria Math" panose="02040503050406030204" pitchFamily="18" charset="0"/>
+                                    </a:rPr>
+                                    <m:t>2</m:t>
+                                  </m:r>
+                                </m:sub>
+                              </m:sSub>
+                              <m:r>
+                                <a:rPr kumimoji="1" lang="en-US" altLang="ja-JP" b="0" i="1" smtClean="0">
+                                  <a:latin typeface="Cambria Math" panose="02040503050406030204" pitchFamily="18" charset="0"/>
+                                </a:rPr>
+                                <m:t>+</m:t>
+                              </m:r>
+                              <m:sSub>
+                                <m:sSubPr>
+                                  <m:ctrlPr>
+                                    <a:rPr kumimoji="1" lang="en-US" altLang="ja-JP" b="0" i="1" smtClean="0">
+                                      <a:latin typeface="Cambria Math" panose="02040503050406030204" pitchFamily="18" charset="0"/>
+                                    </a:rPr>
+                                  </m:ctrlPr>
+                                </m:sSubPr>
+                                <m:e>
+                                  <m:r>
+                                    <a:rPr kumimoji="1" lang="en-US" altLang="ja-JP" b="0" i="1" smtClean="0">
+                                      <a:latin typeface="Cambria Math" panose="02040503050406030204" pitchFamily="18" charset="0"/>
+                                    </a:rPr>
+                                    <m:t>𝑔</m:t>
+                                  </m:r>
+                                </m:e>
+                                <m:sub>
+                                  <m:r>
+                                    <a:rPr kumimoji="1" lang="en-US" altLang="ja-JP" b="0" i="1" smtClean="0">
+                                      <a:latin typeface="Cambria Math" panose="02040503050406030204" pitchFamily="18" charset="0"/>
+                                    </a:rPr>
+                                    <m:t>𝑐𝑒</m:t>
+                                  </m:r>
+                                  <m:r>
+                                    <a:rPr kumimoji="1" lang="en-US" altLang="ja-JP" b="0" i="1" smtClean="0">
+                                      <a:latin typeface="Cambria Math" panose="02040503050406030204" pitchFamily="18" charset="0"/>
+                                    </a:rPr>
+                                    <m:t>2</m:t>
+                                  </m:r>
+                                </m:sub>
+                              </m:sSub>
+                            </m:e>
+                          </m:d>
+                          <m:sSub>
+                            <m:sSubPr>
+                              <m:ctrlPr>
+                                <a:rPr kumimoji="1" lang="en-US" altLang="ja-JP" b="0" i="1" smtClean="0">
+                                  <a:latin typeface="Cambria Math" panose="02040503050406030204" pitchFamily="18" charset="0"/>
+                                </a:rPr>
+                              </m:ctrlPr>
+                            </m:sSubPr>
+                            <m:e>
+                              <m:r>
+                                <a:rPr kumimoji="1" lang="en-US" altLang="ja-JP" b="0" i="1" smtClean="0">
+                                  <a:latin typeface="Cambria Math" panose="02040503050406030204" pitchFamily="18" charset="0"/>
+                                </a:rPr>
+                                <m:t>𝑣</m:t>
+                              </m:r>
+                            </m:e>
+                            <m:sub>
+                              <m:r>
+                                <a:rPr kumimoji="1" lang="en-US" altLang="ja-JP" b="0" i="1" smtClean="0">
+                                  <a:latin typeface="Cambria Math" panose="02040503050406030204" pitchFamily="18" charset="0"/>
+                                </a:rPr>
+                                <m:t>𝑜𝑢𝑡</m:t>
+                              </m:r>
+                            </m:sub>
+                          </m:sSub>
+                        </m:oMath>
+                      </m:oMathPara>
+                    </a14:m>
+                    <a:endParaRPr kumimoji="1" lang="en-US" altLang="ja-JP" dirty="0">
+                      <a:latin typeface="Times Newer Roman" panose="00000500000000000000" pitchFamily="50" charset="0"/>
+                    </a:endParaRPr>
+                  </a:p>
+                  <a:p>
+                    <a:pPr algn="l"/>
+                    <a14:m>
+                      <m:oMathPara xmlns:m="http://schemas.openxmlformats.org/officeDocument/2006/math">
+                        <m:oMathParaPr>
+                          <m:jc m:val="centerGroup"/>
+                        </m:oMathParaPr>
+                        <m:oMath xmlns:m="http://schemas.openxmlformats.org/officeDocument/2006/math">
+                          <m:sSub>
+                            <m:sSubPr>
+                              <m:ctrlPr>
+                                <a:rPr kumimoji="1" lang="en-US" altLang="ja-JP" b="0" i="1" smtClean="0">
+                                  <a:latin typeface="Cambria Math" panose="02040503050406030204" pitchFamily="18" charset="0"/>
+                                </a:rPr>
+                              </m:ctrlPr>
+                            </m:sSubPr>
+                            <m:e>
+                              <m:r>
+                                <a:rPr kumimoji="1" lang="en-US" altLang="ja-JP" b="0" i="1" smtClean="0">
+                                  <a:latin typeface="Cambria Math" panose="02040503050406030204" pitchFamily="18" charset="0"/>
+                                </a:rPr>
+                                <m:t>𝑔</m:t>
+                              </m:r>
+                            </m:e>
+                            <m:sub>
+                              <m:r>
+                                <a:rPr kumimoji="1" lang="en-US" altLang="ja-JP" b="0" i="1" smtClean="0">
+                                  <a:latin typeface="Cambria Math" panose="02040503050406030204" pitchFamily="18" charset="0"/>
+                                </a:rPr>
+                                <m:t>𝑐𝑒</m:t>
+                              </m:r>
+                              <m:r>
+                                <a:rPr kumimoji="1" lang="en-US" altLang="ja-JP" b="0" i="1" smtClean="0">
+                                  <a:latin typeface="Cambria Math" panose="02040503050406030204" pitchFamily="18" charset="0"/>
+                                </a:rPr>
+                                <m:t>1</m:t>
+                              </m:r>
+                            </m:sub>
+                          </m:sSub>
+                          <m:d>
+                            <m:dPr>
+                              <m:ctrlPr>
+                                <a:rPr kumimoji="1" lang="en-US" altLang="ja-JP" b="0" i="1" smtClean="0">
+                                  <a:latin typeface="Cambria Math" panose="02040503050406030204" pitchFamily="18" charset="0"/>
+                                </a:rPr>
+                              </m:ctrlPr>
+                            </m:dPr>
+                            <m:e>
+                              <m:sSub>
+                                <m:sSubPr>
+                                  <m:ctrlPr>
+                                    <a:rPr kumimoji="1" lang="en-US" altLang="ja-JP" b="0" i="1" smtClean="0">
+                                      <a:latin typeface="Cambria Math" panose="02040503050406030204" pitchFamily="18" charset="0"/>
+                                    </a:rPr>
+                                  </m:ctrlPr>
+                                </m:sSubPr>
+                                <m:e>
+                                  <m:r>
+                                    <a:rPr kumimoji="1" lang="en-US" altLang="ja-JP" b="0" i="1" smtClean="0">
+                                      <a:latin typeface="Cambria Math" panose="02040503050406030204" pitchFamily="18" charset="0"/>
+                                    </a:rPr>
+                                    <m:t>𝑣</m:t>
+                                  </m:r>
+                                </m:e>
+                                <m:sub>
+                                  <m:r>
+                                    <a:rPr kumimoji="1" lang="en-US" altLang="ja-JP" b="0" i="1" smtClean="0">
+                                      <a:latin typeface="Cambria Math" panose="02040503050406030204" pitchFamily="18" charset="0"/>
+                                    </a:rPr>
+                                    <m:t>𝑚</m:t>
+                                  </m:r>
+                                </m:sub>
+                              </m:sSub>
+                              <m:r>
+                                <a:rPr kumimoji="1" lang="en-US" altLang="ja-JP" b="0" i="1" smtClean="0">
+                                  <a:latin typeface="Cambria Math" panose="02040503050406030204" pitchFamily="18" charset="0"/>
+                                </a:rPr>
+                                <m:t>−</m:t>
+                              </m:r>
+                              <m:sSub>
+                                <m:sSubPr>
+                                  <m:ctrlPr>
+                                    <a:rPr kumimoji="1" lang="en-US" altLang="ja-JP" b="0" i="1" smtClean="0">
+                                      <a:latin typeface="Cambria Math" panose="02040503050406030204" pitchFamily="18" charset="0"/>
+                                    </a:rPr>
+                                  </m:ctrlPr>
+                                </m:sSubPr>
+                                <m:e>
+                                  <m:r>
+                                    <a:rPr kumimoji="1" lang="en-US" altLang="ja-JP" b="0" i="1" smtClean="0">
+                                      <a:latin typeface="Cambria Math" panose="02040503050406030204" pitchFamily="18" charset="0"/>
+                                    </a:rPr>
+                                    <m:t>𝑣</m:t>
+                                  </m:r>
+                                </m:e>
+                                <m:sub>
+                                  <m:r>
+                                    <a:rPr kumimoji="1" lang="en-US" altLang="ja-JP" b="0" i="1" smtClean="0">
+                                      <a:latin typeface="Cambria Math" panose="02040503050406030204" pitchFamily="18" charset="0"/>
+                                    </a:rPr>
+                                    <m:t>𝑒</m:t>
+                                  </m:r>
+                                </m:sub>
+                              </m:sSub>
+                            </m:e>
+                          </m:d>
+                          <m:r>
+                            <a:rPr kumimoji="1" lang="en-US" altLang="ja-JP" b="0" i="1" smtClean="0">
+                              <a:latin typeface="Cambria Math" panose="02040503050406030204" pitchFamily="18" charset="0"/>
+                            </a:rPr>
+                            <m:t>−</m:t>
+                          </m:r>
+                          <m:sSub>
+                            <m:sSubPr>
+                              <m:ctrlPr>
+                                <a:rPr kumimoji="1" lang="en-US" altLang="ja-JP" b="0" i="1" smtClean="0">
+                                  <a:latin typeface="Cambria Math" panose="02040503050406030204" pitchFamily="18" charset="0"/>
+                                </a:rPr>
+                              </m:ctrlPr>
+                            </m:sSubPr>
+                            <m:e>
+                              <m:r>
+                                <a:rPr kumimoji="1" lang="en-US" altLang="ja-JP" b="0" i="1" smtClean="0">
+                                  <a:latin typeface="Cambria Math" panose="02040503050406030204" pitchFamily="18" charset="0"/>
+                                </a:rPr>
+                                <m:t>𝑔</m:t>
+                              </m:r>
+                            </m:e>
+                            <m:sub>
+                              <m:r>
+                                <a:rPr kumimoji="1" lang="en-US" altLang="ja-JP" b="0" i="1" smtClean="0">
+                                  <a:latin typeface="Cambria Math" panose="02040503050406030204" pitchFamily="18" charset="0"/>
+                                </a:rPr>
+                                <m:t>𝑚</m:t>
+                              </m:r>
+                              <m:r>
+                                <a:rPr kumimoji="1" lang="en-US" altLang="ja-JP" b="0" i="1" smtClean="0">
+                                  <a:latin typeface="Cambria Math" panose="02040503050406030204" pitchFamily="18" charset="0"/>
+                                </a:rPr>
+                                <m:t>1</m:t>
+                              </m:r>
+                            </m:sub>
+                          </m:sSub>
+                          <m:sSub>
+                            <m:sSubPr>
+                              <m:ctrlPr>
+                                <a:rPr kumimoji="1" lang="en-US" altLang="ja-JP" b="0" i="1" smtClean="0">
+                                  <a:latin typeface="Cambria Math" panose="02040503050406030204" pitchFamily="18" charset="0"/>
+                                </a:rPr>
+                              </m:ctrlPr>
+                            </m:sSubPr>
+                            <m:e>
+                              <m:r>
+                                <a:rPr kumimoji="1" lang="en-US" altLang="ja-JP" b="0" i="1" smtClean="0">
+                                  <a:latin typeface="Cambria Math" panose="02040503050406030204" pitchFamily="18" charset="0"/>
+                                </a:rPr>
+                                <m:t>𝑣</m:t>
+                              </m:r>
+                            </m:e>
+                            <m:sub>
+                              <m:r>
+                                <a:rPr kumimoji="1" lang="en-US" altLang="ja-JP" b="0" i="1" smtClean="0">
+                                  <a:latin typeface="Cambria Math" panose="02040503050406030204" pitchFamily="18" charset="0"/>
+                                </a:rPr>
+                                <m:t>𝑒</m:t>
+                              </m:r>
+                            </m:sub>
+                          </m:sSub>
+                          <m:r>
+                            <a:rPr kumimoji="1" lang="en-US" altLang="ja-JP" b="0" i="1" smtClean="0">
+                              <a:latin typeface="Cambria Math" panose="02040503050406030204" pitchFamily="18" charset="0"/>
+                            </a:rPr>
+                            <m:t>+</m:t>
+                          </m:r>
+                          <m:d>
+                            <m:dPr>
+                              <m:begChr m:val=""/>
+                              <m:endChr m:val="}"/>
+                              <m:ctrlPr>
+                                <a:rPr kumimoji="1" lang="en-US" altLang="ja-JP" b="0" i="1" smtClean="0">
+                                  <a:latin typeface="Cambria Math" panose="02040503050406030204" pitchFamily="18" charset="0"/>
+                                </a:rPr>
+                              </m:ctrlPr>
+                            </m:dPr>
+                            <m:e>
+                              <m:d>
+                                <m:dPr>
+                                  <m:begChr m:val="{"/>
+                                  <m:endChr m:val=""/>
+                                  <m:ctrlPr>
+                                    <a:rPr kumimoji="1" lang="en-US" altLang="ja-JP" b="0" i="1" smtClean="0">
+                                      <a:latin typeface="Cambria Math" panose="02040503050406030204" pitchFamily="18" charset="0"/>
+                                    </a:rPr>
+                                  </m:ctrlPr>
+                                </m:dPr>
+                                <m:e>
+                                  <m:sSub>
+                                    <m:sSubPr>
+                                      <m:ctrlPr>
+                                        <a:rPr kumimoji="1" lang="en-US" altLang="ja-JP" b="0" i="1" smtClean="0">
+                                          <a:latin typeface="Cambria Math" panose="02040503050406030204" pitchFamily="18" charset="0"/>
+                                        </a:rPr>
+                                      </m:ctrlPr>
+                                    </m:sSubPr>
+                                    <m:e>
+                                      <m:r>
+                                        <a:rPr kumimoji="1" lang="en-US" altLang="ja-JP" b="0" i="1" smtClean="0">
+                                          <a:latin typeface="Cambria Math" panose="02040503050406030204" pitchFamily="18" charset="0"/>
+                                        </a:rPr>
+                                        <m:t>𝐺</m:t>
+                                      </m:r>
+                                    </m:e>
+                                    <m:sub>
+                                      <m:r>
+                                        <a:rPr kumimoji="1" lang="en-US" altLang="ja-JP" b="0" i="1" smtClean="0">
+                                          <a:latin typeface="Cambria Math" panose="02040503050406030204" pitchFamily="18" charset="0"/>
+                                        </a:rPr>
+                                        <m:t>𝐶</m:t>
+                                      </m:r>
+                                      <m:r>
+                                        <a:rPr kumimoji="1" lang="en-US" altLang="ja-JP" b="0" i="1" smtClean="0">
+                                          <a:latin typeface="Cambria Math" panose="02040503050406030204" pitchFamily="18" charset="0"/>
+                                        </a:rPr>
+                                        <m:t>1</m:t>
+                                      </m:r>
+                                    </m:sub>
+                                  </m:sSub>
+                                  <m:r>
+                                    <a:rPr kumimoji="1" lang="en-US" altLang="ja-JP" b="0" i="1" smtClean="0">
+                                      <a:latin typeface="Cambria Math" panose="02040503050406030204" pitchFamily="18" charset="0"/>
+                                    </a:rPr>
+                                    <m:t>+</m:t>
+                                  </m:r>
+                                  <m:sSub>
+                                    <m:sSubPr>
+                                      <m:ctrlPr>
+                                        <a:rPr kumimoji="1" lang="en-US" altLang="ja-JP" b="0" i="1" smtClean="0">
+                                          <a:latin typeface="Cambria Math" panose="02040503050406030204" pitchFamily="18" charset="0"/>
+                                        </a:rPr>
+                                      </m:ctrlPr>
+                                    </m:sSubPr>
+                                    <m:e>
+                                      <m:r>
+                                        <a:rPr kumimoji="1" lang="en-US" altLang="ja-JP" b="0" i="1" smtClean="0">
+                                          <a:latin typeface="Cambria Math" panose="02040503050406030204" pitchFamily="18" charset="0"/>
+                                        </a:rPr>
+                                        <m:t>𝑔</m:t>
+                                      </m:r>
+                                    </m:e>
+                                    <m:sub>
+                                      <m:r>
+                                        <a:rPr kumimoji="1" lang="en-US" altLang="ja-JP" b="0" i="1" smtClean="0">
+                                          <a:latin typeface="Cambria Math" panose="02040503050406030204" pitchFamily="18" charset="0"/>
+                                        </a:rPr>
+                                        <m:t>𝑖𝑒</m:t>
+                                      </m:r>
+                                      <m:r>
+                                        <a:rPr kumimoji="1" lang="en-US" altLang="ja-JP" b="0" i="1" smtClean="0">
+                                          <a:latin typeface="Cambria Math" panose="02040503050406030204" pitchFamily="18" charset="0"/>
+                                        </a:rPr>
+                                        <m:t>1</m:t>
+                                      </m:r>
+                                    </m:sub>
+                                  </m:sSub>
+                                  <m:r>
+                                    <a:rPr kumimoji="1" lang="en-US" altLang="ja-JP" b="0" i="1" smtClean="0">
+                                      <a:latin typeface="Cambria Math" panose="02040503050406030204" pitchFamily="18" charset="0"/>
+                                    </a:rPr>
+                                    <m:t>+</m:t>
+                                  </m:r>
+                                  <m:r>
+                                    <a:rPr kumimoji="1" lang="en-US" altLang="ja-JP" b="0" i="1" smtClean="0">
+                                      <a:latin typeface="Cambria Math" panose="02040503050406030204" pitchFamily="18" charset="0"/>
+                                    </a:rPr>
+                                    <m:t>𝑗</m:t>
+                                  </m:r>
+                                  <m:r>
+                                    <a:rPr kumimoji="1" lang="en-US" altLang="ja-JP" b="0" i="1" smtClean="0">
+                                      <a:latin typeface="Cambria Math" panose="02040503050406030204" pitchFamily="18" charset="0"/>
+                                    </a:rPr>
+                                    <m:t>𝜔</m:t>
+                                  </m:r>
+                                  <m:d>
+                                    <m:dPr>
+                                      <m:ctrlPr>
+                                        <a:rPr kumimoji="1" lang="en-US" altLang="ja-JP" b="0" i="1" smtClean="0">
+                                          <a:latin typeface="Cambria Math" panose="02040503050406030204" pitchFamily="18" charset="0"/>
+                                        </a:rPr>
+                                      </m:ctrlPr>
+                                    </m:dPr>
+                                    <m:e>
+                                      <m:sSub>
+                                        <m:sSubPr>
+                                          <m:ctrlPr>
+                                            <a:rPr kumimoji="1" lang="en-US" altLang="ja-JP" b="0" i="1" smtClean="0">
+                                              <a:latin typeface="Cambria Math" panose="02040503050406030204" pitchFamily="18" charset="0"/>
+                                            </a:rPr>
+                                          </m:ctrlPr>
+                                        </m:sSubPr>
+                                        <m:e>
+                                          <m:r>
+                                            <a:rPr kumimoji="1" lang="en-US" altLang="ja-JP" b="0" i="1" smtClean="0">
+                                              <a:latin typeface="Cambria Math" panose="02040503050406030204" pitchFamily="18" charset="0"/>
+                                            </a:rPr>
+                                            <m:t>𝐶</m:t>
+                                          </m:r>
+                                        </m:e>
+                                        <m:sub>
+                                          <m:r>
+                                            <a:rPr kumimoji="1" lang="en-US" altLang="ja-JP" b="0" i="1" smtClean="0">
+                                              <a:latin typeface="Cambria Math" panose="02040503050406030204" pitchFamily="18" charset="0"/>
+                                            </a:rPr>
+                                            <m:t>𝑗𝑐</m:t>
+                                          </m:r>
+                                          <m:r>
+                                            <a:rPr kumimoji="1" lang="en-US" altLang="ja-JP" b="0" i="1" smtClean="0">
+                                              <a:latin typeface="Cambria Math" panose="02040503050406030204" pitchFamily="18" charset="0"/>
+                                            </a:rPr>
+                                            <m:t>1</m:t>
+                                          </m:r>
+                                        </m:sub>
+                                      </m:sSub>
+                                      <m:r>
+                                        <a:rPr kumimoji="1" lang="en-US" altLang="ja-JP" b="0" i="1" smtClean="0">
+                                          <a:latin typeface="Cambria Math" panose="02040503050406030204" pitchFamily="18" charset="0"/>
+                                        </a:rPr>
+                                        <m:t>+</m:t>
+                                      </m:r>
+                                      <m:sSub>
+                                        <m:sSubPr>
+                                          <m:ctrlPr>
+                                            <a:rPr kumimoji="1" lang="en-US" altLang="ja-JP" b="0" i="1" smtClean="0">
+                                              <a:latin typeface="Cambria Math" panose="02040503050406030204" pitchFamily="18" charset="0"/>
+                                            </a:rPr>
+                                          </m:ctrlPr>
+                                        </m:sSubPr>
+                                        <m:e>
+                                          <m:r>
+                                            <a:rPr kumimoji="1" lang="en-US" altLang="ja-JP" b="0" i="1" smtClean="0">
+                                              <a:latin typeface="Cambria Math" panose="02040503050406030204" pitchFamily="18" charset="0"/>
+                                            </a:rPr>
+                                            <m:t>𝐶</m:t>
+                                          </m:r>
+                                        </m:e>
+                                        <m:sub>
+                                          <m:r>
+                                            <a:rPr kumimoji="1" lang="en-US" altLang="ja-JP" b="0" i="1" smtClean="0">
+                                              <a:latin typeface="Cambria Math" panose="02040503050406030204" pitchFamily="18" charset="0"/>
+                                            </a:rPr>
+                                            <m:t>𝑗𝑒</m:t>
+                                          </m:r>
+                                          <m:r>
+                                            <a:rPr kumimoji="1" lang="en-US" altLang="ja-JP" b="0" i="1" smtClean="0">
+                                              <a:latin typeface="Cambria Math" panose="02040503050406030204" pitchFamily="18" charset="0"/>
+                                            </a:rPr>
+                                            <m:t>2</m:t>
+                                          </m:r>
+                                        </m:sub>
+                                      </m:sSub>
+                                    </m:e>
+                                  </m:d>
+                                </m:e>
+                              </m:d>
+                            </m:e>
+                          </m:d>
+                          <m:sSub>
+                            <m:sSubPr>
+                              <m:ctrlPr>
+                                <a:rPr kumimoji="1" lang="en-US" altLang="ja-JP" b="0" i="1" smtClean="0">
+                                  <a:latin typeface="Cambria Math" panose="02040503050406030204" pitchFamily="18" charset="0"/>
+                                </a:rPr>
+                              </m:ctrlPr>
+                            </m:sSubPr>
+                            <m:e>
+                              <m:r>
+                                <a:rPr kumimoji="1" lang="en-US" altLang="ja-JP" b="0" i="1" smtClean="0">
+                                  <a:latin typeface="Cambria Math" panose="02040503050406030204" pitchFamily="18" charset="0"/>
+                                </a:rPr>
+                                <m:t>𝑣</m:t>
+                              </m:r>
+                            </m:e>
+                            <m:sub>
+                              <m:r>
+                                <a:rPr kumimoji="1" lang="en-US" altLang="ja-JP" b="0" i="1" smtClean="0">
+                                  <a:latin typeface="Cambria Math" panose="02040503050406030204" pitchFamily="18" charset="0"/>
+                                </a:rPr>
+                                <m:t>𝑚</m:t>
+                              </m:r>
+                            </m:sub>
+                          </m:sSub>
+                          <m:r>
+                            <a:rPr kumimoji="1" lang="en-US" altLang="ja-JP" b="0" i="1" smtClean="0">
+                              <a:latin typeface="Cambria Math" panose="02040503050406030204" pitchFamily="18" charset="0"/>
+                            </a:rPr>
+                            <m:t>+</m:t>
+                          </m:r>
+                          <m:r>
+                            <a:rPr kumimoji="1" lang="en-US" altLang="ja-JP" b="0" i="1" smtClean="0">
+                              <a:latin typeface="Cambria Math" panose="02040503050406030204" pitchFamily="18" charset="0"/>
+                            </a:rPr>
+                            <m:t>𝑗</m:t>
+                          </m:r>
+                          <m:r>
+                            <a:rPr kumimoji="1" lang="en-US" altLang="ja-JP" b="0" i="1" smtClean="0">
+                              <a:latin typeface="Cambria Math" panose="02040503050406030204" pitchFamily="18" charset="0"/>
+                            </a:rPr>
+                            <m:t>𝜔</m:t>
+                          </m:r>
+                          <m:sSub>
+                            <m:sSubPr>
+                              <m:ctrlPr>
+                                <a:rPr kumimoji="1" lang="en-US" altLang="ja-JP" b="0" i="1" smtClean="0">
+                                  <a:latin typeface="Cambria Math" panose="02040503050406030204" pitchFamily="18" charset="0"/>
+                                </a:rPr>
+                              </m:ctrlPr>
+                            </m:sSubPr>
+                            <m:e>
+                              <m:r>
+                                <a:rPr kumimoji="1" lang="en-US" altLang="ja-JP" b="0" i="1" smtClean="0">
+                                  <a:latin typeface="Cambria Math" panose="02040503050406030204" pitchFamily="18" charset="0"/>
+                                </a:rPr>
+                                <m:t>𝐶</m:t>
+                              </m:r>
+                            </m:e>
+                            <m:sub>
+                              <m:r>
+                                <a:rPr kumimoji="1" lang="en-US" altLang="ja-JP" b="0" i="1" smtClean="0">
+                                  <a:latin typeface="Cambria Math" panose="02040503050406030204" pitchFamily="18" charset="0"/>
+                                </a:rPr>
+                                <m:t>𝑗𝑐</m:t>
+                              </m:r>
+                              <m:r>
+                                <a:rPr kumimoji="1" lang="en-US" altLang="ja-JP" b="0" i="1" smtClean="0">
+                                  <a:latin typeface="Cambria Math" panose="02040503050406030204" pitchFamily="18" charset="0"/>
+                                </a:rPr>
+                                <m:t>2</m:t>
+                              </m:r>
+                            </m:sub>
+                          </m:sSub>
+                          <m:d>
+                            <m:dPr>
+                              <m:ctrlPr>
+                                <a:rPr kumimoji="1" lang="en-US" altLang="ja-JP" b="0" i="1" smtClean="0">
+                                  <a:latin typeface="Cambria Math" panose="02040503050406030204" pitchFamily="18" charset="0"/>
+                                </a:rPr>
+                              </m:ctrlPr>
+                            </m:dPr>
+                            <m:e>
+                              <m:sSub>
+                                <m:sSubPr>
+                                  <m:ctrlPr>
+                                    <a:rPr kumimoji="1" lang="en-US" altLang="ja-JP" b="0" i="1" smtClean="0">
+                                      <a:latin typeface="Cambria Math" panose="02040503050406030204" pitchFamily="18" charset="0"/>
+                                    </a:rPr>
+                                  </m:ctrlPr>
+                                </m:sSubPr>
+                                <m:e>
+                                  <m:r>
+                                    <a:rPr kumimoji="1" lang="en-US" altLang="ja-JP" b="0" i="1" smtClean="0">
+                                      <a:latin typeface="Cambria Math" panose="02040503050406030204" pitchFamily="18" charset="0"/>
+                                    </a:rPr>
+                                    <m:t>𝑣</m:t>
+                                  </m:r>
+                                </m:e>
+                                <m:sub>
+                                  <m:r>
+                                    <a:rPr kumimoji="1" lang="en-US" altLang="ja-JP" b="0" i="1" smtClean="0">
+                                      <a:latin typeface="Cambria Math" panose="02040503050406030204" pitchFamily="18" charset="0"/>
+                                    </a:rPr>
+                                    <m:t>𝑚</m:t>
+                                  </m:r>
+                                </m:sub>
+                              </m:sSub>
+                              <m:r>
+                                <a:rPr kumimoji="1" lang="en-US" altLang="ja-JP" b="0" i="1" smtClean="0">
+                                  <a:latin typeface="Cambria Math" panose="02040503050406030204" pitchFamily="18" charset="0"/>
+                                </a:rPr>
+                                <m:t>−</m:t>
+                              </m:r>
+                              <m:sSub>
+                                <m:sSubPr>
+                                  <m:ctrlPr>
+                                    <a:rPr kumimoji="1" lang="en-US" altLang="ja-JP" b="0" i="1" smtClean="0">
+                                      <a:latin typeface="Cambria Math" panose="02040503050406030204" pitchFamily="18" charset="0"/>
+                                    </a:rPr>
+                                  </m:ctrlPr>
+                                </m:sSubPr>
+                                <m:e>
+                                  <m:r>
+                                    <a:rPr kumimoji="1" lang="en-US" altLang="ja-JP" b="0" i="1" smtClean="0">
+                                      <a:latin typeface="Cambria Math" panose="02040503050406030204" pitchFamily="18" charset="0"/>
+                                    </a:rPr>
+                                    <m:t>𝑣</m:t>
+                                  </m:r>
+                                </m:e>
+                                <m:sub>
+                                  <m:r>
+                                    <a:rPr kumimoji="1" lang="en-US" altLang="ja-JP" b="0" i="1" smtClean="0">
+                                      <a:latin typeface="Cambria Math" panose="02040503050406030204" pitchFamily="18" charset="0"/>
+                                    </a:rPr>
+                                    <m:t>𝑜𝑢𝑡</m:t>
+                                  </m:r>
+                                </m:sub>
+                              </m:sSub>
+                            </m:e>
+                          </m:d>
+                          <m:r>
+                            <a:rPr kumimoji="1" lang="en-US" altLang="ja-JP" b="0" i="1" smtClean="0">
+                              <a:latin typeface="Cambria Math" panose="02040503050406030204" pitchFamily="18" charset="0"/>
+                            </a:rPr>
+                            <m:t>=0</m:t>
+                          </m:r>
+                        </m:oMath>
+                      </m:oMathPara>
+                    </a14:m>
+                    <a:endParaRPr kumimoji="1" lang="ja-JP" altLang="en-US" dirty="0">
+                      <a:latin typeface="Times Newer Roman" panose="00000500000000000000" pitchFamily="50" charset="0"/>
+                    </a:endParaRPr>
+                  </a:p>
+                </p:txBody>
+              </p:sp>
+            </mc:Choice>
+            <mc:Fallback xmlns="">
+              <p:sp>
+                <p:nvSpPr>
+                  <p:cNvPr id="7" name="テキスト ボックス 6">
+                    <a:extLst>
+                      <a:ext uri="{FF2B5EF4-FFF2-40B4-BE49-F238E27FC236}">
+                        <a16:creationId xmlns:a16="http://schemas.microsoft.com/office/drawing/2014/main" id="{EF382724-3DB5-B571-FFB7-2202C6C0438A}"/>
+                      </a:ext>
+                    </a:extLst>
+                  </p:cNvPr>
+                  <p:cNvSpPr txBox="1">
+                    <a:spLocks noRot="1" noChangeAspect="1" noMove="1" noResize="1" noEditPoints="1" noAdjustHandles="1" noChangeArrowheads="1" noChangeShapeType="1" noTextEdit="1"/>
+                  </p:cNvSpPr>
+                  <p:nvPr/>
+                </p:nvSpPr>
+                <p:spPr>
+                  <a:xfrm>
+                    <a:off x="1586752" y="1311333"/>
+                    <a:ext cx="9018495" cy="1029769"/>
+                  </a:xfrm>
+                  <a:prstGeom prst="rect">
+                    <a:avLst/>
+                  </a:prstGeom>
+                  <a:blipFill>
+                    <a:blip r:embed="rId3"/>
+                    <a:stretch>
+                      <a:fillRect t="-60947" b="-89349"/>
+                    </a:stretch>
+                  </a:blipFill>
+                </p:spPr>
+                <p:txBody>
+                  <a:bodyPr/>
+                  <a:lstStyle/>
+                  <a:p>
+                    <a:r>
+                      <a:rPr lang="ja-JP" altLang="en-US">
+                        <a:noFill/>
+                      </a:rPr>
+                      <a:t> </a:t>
+                    </a:r>
+                  </a:p>
+                </p:txBody>
+              </p:sp>
+            </mc:Fallback>
+          </mc:AlternateContent>
+          <p:sp>
+            <p:nvSpPr>
+              <p:cNvPr id="11" name="左中かっこ 10">
+                <a:extLst>
+                  <a:ext uri="{FF2B5EF4-FFF2-40B4-BE49-F238E27FC236}">
+                    <a16:creationId xmlns:a16="http://schemas.microsoft.com/office/drawing/2014/main" id="{E336D540-91CA-B1DB-44C3-DB828AB6DB7E}"/>
+                  </a:ext>
+                </a:extLst>
+              </p:cNvPr>
+              <p:cNvSpPr/>
+              <p:nvPr/>
+            </p:nvSpPr>
+            <p:spPr>
+              <a:xfrm>
+                <a:off x="1766047" y="1311333"/>
+                <a:ext cx="233082" cy="1029769"/>
+              </a:xfrm>
+              <a:prstGeom prst="leftBrace">
+                <a:avLst/>
+              </a:prstGeom>
+              <a:ln w="19050">
+                <a:solidFill>
+                  <a:schemeClr val="tx1"/>
+                </a:solidFill>
+              </a:ln>
+            </p:spPr>
+            <p:style>
+              <a:lnRef idx="1">
+                <a:schemeClr val="accent1"/>
+              </a:lnRef>
+              <a:fillRef idx="0">
+                <a:schemeClr val="accent1"/>
+              </a:fillRef>
+              <a:effectRef idx="0">
+                <a:schemeClr val="accent1"/>
+              </a:effectRef>
+              <a:fontRef idx="minor">
+                <a:schemeClr val="tx1"/>
+              </a:fontRef>
+            </p:style>
+            <p:txBody>
+              <a:bodyPr rtlCol="0" anchor="ctr"/>
+              <a:lstStyle/>
+              <a:p>
+                <a:pPr algn="ctr"/>
+                <a:endParaRPr kumimoji="1" lang="ja-JP" altLang="en-US"/>
+              </a:p>
+            </p:txBody>
+          </p:sp>
+        </p:grpSp>
+        <p:sp>
+          <p:nvSpPr>
+            <p:cNvPr id="9" name="テキスト ボックス 8">
+              <a:extLst>
+                <a:ext uri="{FF2B5EF4-FFF2-40B4-BE49-F238E27FC236}">
+                  <a16:creationId xmlns:a16="http://schemas.microsoft.com/office/drawing/2014/main" id="{55B3AEEE-7507-065C-AE5E-B4CB708F918A}"/>
+                </a:ext>
+              </a:extLst>
+            </p:cNvPr>
+            <p:cNvSpPr txBox="1"/>
+            <p:nvPr/>
+          </p:nvSpPr>
+          <p:spPr>
+            <a:xfrm>
+              <a:off x="1051177" y="1719511"/>
+              <a:ext cx="1692024" cy="369332"/>
+            </a:xfrm>
+            <a:prstGeom prst="rect">
+              <a:avLst/>
+            </a:prstGeom>
+            <a:noFill/>
+          </p:spPr>
+          <p:txBody>
+            <a:bodyPr wrap="square" rtlCol="0">
+              <a:spAutoFit/>
+            </a:bodyPr>
+            <a:lstStyle/>
+            <a:p>
+              <a:pPr algn="l"/>
+              <a:r>
+                <a:rPr lang="en-US" altLang="ja-JP" dirty="0">
+                  <a:latin typeface="Times Newer Roman" panose="00000500000000000000" pitchFamily="50" charset="0"/>
+                </a:rPr>
+                <a:t>Given by </a:t>
+              </a:r>
+              <a:r>
+                <a:rPr kumimoji="1" lang="en-US" altLang="ja-JP" dirty="0">
+                  <a:latin typeface="Times Newer Roman" panose="00000500000000000000" pitchFamily="50" charset="0"/>
+                </a:rPr>
+                <a:t>KCL</a:t>
+              </a:r>
+              <a:endParaRPr kumimoji="1" lang="ja-JP" altLang="en-US" dirty="0">
+                <a:latin typeface="Times Newer Roman" panose="00000500000000000000" pitchFamily="50" charset="0"/>
+              </a:endParaRPr>
+            </a:p>
+          </p:txBody>
+        </p:sp>
+      </p:grpSp>
+    </p:spTree>
+    <p:extLst>
+      <p:ext uri="{BB962C8B-B14F-4D97-AF65-F5344CB8AC3E}">
+        <p14:creationId xmlns:p14="http://schemas.microsoft.com/office/powerpoint/2010/main" val="2674871496"/>
+      </p:ext>
+    </p:extLst>
+  </p:cSld>
+  <p:clrMapOvr>
+    <a:masterClrMapping/>
+  </p:clrMapOvr>
+</p:sld>
+</file>
+
+<file path=ppt/slides/slide14.xml><?xml version="1.0" encoding="utf-8"?>
+<p:sld xmlns:a="http://schemas.openxmlformats.org/drawingml/2006/main" xmlns:r="http://schemas.openxmlformats.org/officeDocument/2006/relationships" xmlns:p="http://schemas.openxmlformats.org/presentationml/2006/main">
+  <p:cSld>
+    <p:spTree>
+      <p:nvGrpSpPr>
+        <p:cNvPr id="1" name=""/>
+        <p:cNvGrpSpPr/>
+        <p:nvPr/>
+      </p:nvGrpSpPr>
+      <p:grpSpPr>
+        <a:xfrm>
+          <a:off x="0" y="0"/>
+          <a:ext cx="0" cy="0"/>
+          <a:chOff x="0" y="0"/>
+          <a:chExt cx="0" cy="0"/>
+        </a:xfrm>
+      </p:grpSpPr>
+      <p:sp>
+        <p:nvSpPr>
+          <p:cNvPr id="2" name="タイトル 1">
+            <a:extLst>
+              <a:ext uri="{FF2B5EF4-FFF2-40B4-BE49-F238E27FC236}">
+                <a16:creationId xmlns:a16="http://schemas.microsoft.com/office/drawing/2014/main" id="{F9124163-F8AC-8A4C-D50C-94658E892590}"/>
+              </a:ext>
+            </a:extLst>
+          </p:cNvPr>
+          <p:cNvSpPr>
+            <a:spLocks noGrp="1"/>
+          </p:cNvSpPr>
+          <p:nvPr>
+            <p:ph type="title"/>
+          </p:nvPr>
+        </p:nvSpPr>
+        <p:spPr/>
+        <p:txBody>
+          <a:bodyPr/>
+          <a:lstStyle/>
+          <a:p>
+            <a:r>
+              <a:rPr kumimoji="1" lang="en-US" altLang="ja-JP" dirty="0"/>
+              <a:t>Small-signal analysis</a:t>
+            </a:r>
+            <a:endParaRPr kumimoji="1" lang="ja-JP" altLang="en-US" dirty="0"/>
+          </a:p>
+        </p:txBody>
+      </p:sp>
+      <p:sp>
+        <p:nvSpPr>
+          <p:cNvPr id="3" name="日付プレースホルダー 2">
+            <a:extLst>
+              <a:ext uri="{FF2B5EF4-FFF2-40B4-BE49-F238E27FC236}">
+                <a16:creationId xmlns:a16="http://schemas.microsoft.com/office/drawing/2014/main" id="{E3B7E95D-AE7A-3A4B-3D5D-66A4F3DD3016}"/>
+              </a:ext>
+            </a:extLst>
+          </p:cNvPr>
+          <p:cNvSpPr>
+            <a:spLocks noGrp="1"/>
+          </p:cNvSpPr>
+          <p:nvPr>
+            <p:ph type="dt" sz="half" idx="10"/>
+          </p:nvPr>
+        </p:nvSpPr>
+        <p:spPr/>
+        <p:txBody>
+          <a:bodyPr/>
+          <a:lstStyle/>
+          <a:p>
+            <a:fld id="{E2F04EE6-E3D0-4480-949E-059427D7388D}" type="datetime1">
+              <a:rPr lang="ja-JP" altLang="en-US" smtClean="0"/>
+              <a:pPr/>
+              <a:t>2024/6/4</a:t>
+            </a:fld>
+            <a:endParaRPr lang="ja-JP" altLang="en-US"/>
+          </a:p>
+        </p:txBody>
+      </p:sp>
+      <p:sp>
+        <p:nvSpPr>
+          <p:cNvPr id="4" name="スライド番号プレースホルダー 3">
+            <a:extLst>
+              <a:ext uri="{FF2B5EF4-FFF2-40B4-BE49-F238E27FC236}">
+                <a16:creationId xmlns:a16="http://schemas.microsoft.com/office/drawing/2014/main" id="{32E1CFC5-2B43-0A78-8713-92648782F2BA}"/>
+              </a:ext>
+            </a:extLst>
+          </p:cNvPr>
+          <p:cNvSpPr>
+            <a:spLocks noGrp="1"/>
+          </p:cNvSpPr>
+          <p:nvPr>
+            <p:ph type="sldNum" sz="quarter" idx="12"/>
+          </p:nvPr>
+        </p:nvSpPr>
+        <p:spPr/>
+        <p:txBody>
+          <a:bodyPr/>
+          <a:lstStyle/>
+          <a:p>
+            <a:fld id="{6294761A-CFE9-4878-87A7-90ECABD59CE5}" type="slidenum">
+              <a:rPr lang="ja-JP" altLang="en-US" smtClean="0"/>
+              <a:pPr/>
+              <a:t>14</a:t>
+            </a:fld>
+            <a:endParaRPr lang="ja-JP" altLang="en-US"/>
+          </a:p>
+        </p:txBody>
+      </p:sp>
+      <p:sp>
+        <p:nvSpPr>
+          <p:cNvPr id="5" name="フッター プレースホルダー 4">
+            <a:extLst>
+              <a:ext uri="{FF2B5EF4-FFF2-40B4-BE49-F238E27FC236}">
+                <a16:creationId xmlns:a16="http://schemas.microsoft.com/office/drawing/2014/main" id="{85B103D4-B50B-AF88-F204-6424722AF443}"/>
+              </a:ext>
+            </a:extLst>
+          </p:cNvPr>
+          <p:cNvSpPr>
+            <a:spLocks noGrp="1"/>
+          </p:cNvSpPr>
+          <p:nvPr>
+            <p:ph type="ftr" sz="quarter" idx="3"/>
+          </p:nvPr>
+        </p:nvSpPr>
+        <p:spPr/>
+        <p:txBody>
+          <a:bodyPr/>
+          <a:lstStyle/>
+          <a:p>
+            <a:r>
+              <a:rPr lang="en-US" altLang="ja-JP"/>
+              <a:t>Wave Signal Processing Circuit Laboratory,  Meiji University</a:t>
+            </a:r>
+            <a:endParaRPr lang="en-US" altLang="ja-JP" dirty="0"/>
+          </a:p>
+        </p:txBody>
+      </p:sp>
+      <p:sp>
+        <p:nvSpPr>
+          <p:cNvPr id="6" name="テキスト ボックス 5">
+            <a:extLst>
+              <a:ext uri="{FF2B5EF4-FFF2-40B4-BE49-F238E27FC236}">
+                <a16:creationId xmlns:a16="http://schemas.microsoft.com/office/drawing/2014/main" id="{263D1A90-72F1-570A-F780-ADB807728ADB}"/>
+              </a:ext>
+            </a:extLst>
+          </p:cNvPr>
+          <p:cNvSpPr txBox="1"/>
+          <p:nvPr/>
+        </p:nvSpPr>
+        <p:spPr>
+          <a:xfrm>
+            <a:off x="1510937" y="1457213"/>
+            <a:ext cx="9170126" cy="830997"/>
+          </a:xfrm>
+          <a:prstGeom prst="rect">
+            <a:avLst/>
+          </a:prstGeom>
+          <a:noFill/>
+        </p:spPr>
+        <p:txBody>
+          <a:bodyPr wrap="square" rtlCol="0">
+            <a:spAutoFit/>
+          </a:bodyPr>
+          <a:lstStyle/>
+          <a:p>
+            <a:pPr algn="l"/>
+            <a:r>
+              <a:rPr kumimoji="1" lang="en-US" altLang="ja-JP" sz="2400" dirty="0">
+                <a:latin typeface="Times Newer Roman" panose="00000500000000000000" pitchFamily="50" charset="0"/>
+              </a:rPr>
+              <a:t>Low degree of omega </a:t>
+            </a:r>
+            <a:r>
+              <a:rPr lang="en-US" altLang="ja-JP" sz="2400" dirty="0">
+                <a:latin typeface="Times Newer Roman" panose="00000500000000000000" pitchFamily="50" charset="0"/>
+              </a:rPr>
+              <a:t>is higher effect to trans-impedance.</a:t>
+            </a:r>
+          </a:p>
+          <a:p>
+            <a:pPr algn="l"/>
+            <a:r>
+              <a:rPr lang="en-US" altLang="ja-JP" sz="2400" dirty="0">
+                <a:latin typeface="Times Newer Roman" panose="00000500000000000000" pitchFamily="50" charset="0"/>
+              </a:rPr>
+              <a:t>So that, disregard arguments that have 3 or higher degree of omega.</a:t>
+            </a:r>
+          </a:p>
+        </p:txBody>
+      </p:sp>
+      <mc:AlternateContent xmlns:mc="http://schemas.openxmlformats.org/markup-compatibility/2006">
+        <mc:Choice xmlns:a14="http://schemas.microsoft.com/office/drawing/2010/main" Requires="a14">
+          <p:sp>
+            <p:nvSpPr>
+              <p:cNvPr id="7" name="テキスト ボックス 6">
+                <a:extLst>
+                  <a:ext uri="{FF2B5EF4-FFF2-40B4-BE49-F238E27FC236}">
+                    <a16:creationId xmlns:a16="http://schemas.microsoft.com/office/drawing/2014/main" id="{17E6201A-3631-8200-9BCF-CE5058E1A6FD}"/>
+                  </a:ext>
+                </a:extLst>
+              </p:cNvPr>
+              <p:cNvSpPr txBox="1"/>
+              <p:nvPr/>
+            </p:nvSpPr>
+            <p:spPr>
+              <a:xfrm>
+                <a:off x="838200" y="2432990"/>
+                <a:ext cx="10515600" cy="2258054"/>
+              </a:xfrm>
+              <a:prstGeom prst="rect">
+                <a:avLst/>
+              </a:prstGeom>
+              <a:noFill/>
+            </p:spPr>
+            <p:txBody>
+              <a:bodyPr wrap="square" rtlCol="0">
+                <a:spAutoFit/>
+              </a:bodyPr>
+              <a:lstStyle/>
+              <a:p>
+                <a14:m>
+                  <m:oMathPara xmlns:m="http://schemas.openxmlformats.org/officeDocument/2006/math">
+                    <m:oMathParaPr>
+                      <m:jc m:val="centerGroup"/>
+                    </m:oMathParaPr>
+                    <m:oMath xmlns:m="http://schemas.openxmlformats.org/officeDocument/2006/math">
+                      <m:sSub>
+                        <m:sSubPr>
+                          <m:ctrlPr>
+                            <a:rPr kumimoji="1" lang="en-US" altLang="ja-JP" sz="1600" b="0" i="1" smtClean="0">
+                              <a:latin typeface="Cambria Math" panose="02040503050406030204" pitchFamily="18" charset="0"/>
+                            </a:rPr>
+                          </m:ctrlPr>
+                        </m:sSubPr>
+                        <m:e>
+                          <m:r>
+                            <a:rPr kumimoji="1" lang="en-US" altLang="ja-JP" sz="1600" b="0" i="1" smtClean="0">
+                              <a:latin typeface="Cambria Math" panose="02040503050406030204" pitchFamily="18" charset="0"/>
+                            </a:rPr>
+                            <m:t>𝑋</m:t>
+                          </m:r>
+                        </m:e>
+                        <m:sub>
+                          <m:r>
+                            <a:rPr kumimoji="1" lang="en-US" altLang="ja-JP" sz="1600" b="0" i="1" smtClean="0">
+                              <a:latin typeface="Cambria Math" panose="02040503050406030204" pitchFamily="18" charset="0"/>
+                            </a:rPr>
+                            <m:t>𝑡</m:t>
+                          </m:r>
+                        </m:sub>
+                      </m:sSub>
+                      <m:r>
+                        <a:rPr kumimoji="1" lang="en-US" altLang="ja-JP" sz="1600" b="0" i="1" smtClean="0">
+                          <a:latin typeface="Cambria Math" panose="02040503050406030204" pitchFamily="18" charset="0"/>
+                        </a:rPr>
+                        <m:t>=</m:t>
+                      </m:r>
+                      <m:f>
+                        <m:fPr>
+                          <m:ctrlPr>
+                            <a:rPr kumimoji="1" lang="en-US" altLang="ja-JP" sz="1600" b="0" i="1" smtClean="0">
+                              <a:latin typeface="Cambria Math" panose="02040503050406030204" pitchFamily="18" charset="0"/>
+                            </a:rPr>
+                          </m:ctrlPr>
+                        </m:fPr>
+                        <m:num>
+                          <m:sSubSup>
+                            <m:sSubSupPr>
+                              <m:ctrlPr>
+                                <a:rPr kumimoji="1" lang="en-US" altLang="ja-JP" sz="1600" b="0" i="1" smtClean="0">
+                                  <a:latin typeface="Cambria Math" panose="02040503050406030204" pitchFamily="18" charset="0"/>
+                                </a:rPr>
+                              </m:ctrlPr>
+                            </m:sSubSupPr>
+                            <m:e>
+                              <m:r>
+                                <a:rPr kumimoji="1" lang="en-US" altLang="ja-JP" sz="1600" b="0" i="1" smtClean="0">
+                                  <a:latin typeface="Cambria Math" panose="02040503050406030204" pitchFamily="18" charset="0"/>
+                                </a:rPr>
+                                <m:t>∑</m:t>
+                              </m:r>
+                            </m:e>
+                            <m:sub>
+                              <m:r>
+                                <a:rPr kumimoji="1" lang="en-US" altLang="ja-JP" sz="1600" b="0" i="1" smtClean="0">
+                                  <a:latin typeface="Cambria Math" panose="02040503050406030204" pitchFamily="18" charset="0"/>
+                                </a:rPr>
+                                <m:t>𝑖</m:t>
+                              </m:r>
+                              <m:r>
+                                <a:rPr kumimoji="1" lang="en-US" altLang="ja-JP" sz="1600" b="0" i="1" smtClean="0">
+                                  <a:latin typeface="Cambria Math" panose="02040503050406030204" pitchFamily="18" charset="0"/>
+                                </a:rPr>
+                                <m:t>=0</m:t>
+                              </m:r>
+                            </m:sub>
+                            <m:sup>
+                              <m:r>
+                                <a:rPr kumimoji="1" lang="en-US" altLang="ja-JP" sz="1600" b="0" i="1" smtClean="0">
+                                  <a:latin typeface="Cambria Math" panose="02040503050406030204" pitchFamily="18" charset="0"/>
+                                </a:rPr>
+                                <m:t>2</m:t>
+                              </m:r>
+                            </m:sup>
+                          </m:sSubSup>
+                          <m:r>
+                            <a:rPr kumimoji="1" lang="en-US" altLang="ja-JP" sz="1600" b="0" i="1" smtClean="0">
+                              <a:latin typeface="Cambria Math" panose="02040503050406030204" pitchFamily="18" charset="0"/>
+                            </a:rPr>
+                            <m:t> </m:t>
+                          </m:r>
+                          <m:sSub>
+                            <m:sSubPr>
+                              <m:ctrlPr>
+                                <a:rPr kumimoji="1" lang="en-US" altLang="ja-JP" sz="1600" b="0" i="1" smtClean="0">
+                                  <a:latin typeface="Cambria Math" panose="02040503050406030204" pitchFamily="18" charset="0"/>
+                                </a:rPr>
+                              </m:ctrlPr>
+                            </m:sSubPr>
+                            <m:e>
+                              <m:r>
+                                <a:rPr kumimoji="1" lang="en-US" altLang="ja-JP" sz="1600" b="0" i="1" smtClean="0">
+                                  <a:latin typeface="Cambria Math" panose="02040503050406030204" pitchFamily="18" charset="0"/>
+                                </a:rPr>
+                                <m:t>𝐶</m:t>
+                              </m:r>
+                            </m:e>
+                            <m:sub>
+                              <m:r>
+                                <a:rPr kumimoji="1" lang="en-US" altLang="ja-JP" sz="1600" b="0" i="1" smtClean="0">
+                                  <a:latin typeface="Cambria Math" panose="02040503050406030204" pitchFamily="18" charset="0"/>
+                                </a:rPr>
+                                <m:t>1</m:t>
+                              </m:r>
+                              <m:r>
+                                <a:rPr kumimoji="1" lang="en-US" altLang="ja-JP" sz="1600" b="0" i="1" smtClean="0">
+                                  <a:latin typeface="Cambria Math" panose="02040503050406030204" pitchFamily="18" charset="0"/>
+                                </a:rPr>
+                                <m:t>𝑖</m:t>
+                              </m:r>
+                            </m:sub>
+                          </m:sSub>
+                          <m:r>
+                            <a:rPr kumimoji="1" lang="en-US" altLang="ja-JP" sz="1600" b="0" i="1" smtClean="0">
+                              <a:latin typeface="Cambria Math" panose="02040503050406030204" pitchFamily="18" charset="0"/>
+                            </a:rPr>
+                            <m:t>⋅</m:t>
+                          </m:r>
+                          <m:sSup>
+                            <m:sSupPr>
+                              <m:ctrlPr>
+                                <a:rPr kumimoji="1" lang="en-US" altLang="ja-JP" sz="1600" b="0" i="1" smtClean="0">
+                                  <a:latin typeface="Cambria Math" panose="02040503050406030204" pitchFamily="18" charset="0"/>
+                                </a:rPr>
+                              </m:ctrlPr>
+                            </m:sSupPr>
+                            <m:e>
+                              <m:r>
+                                <a:rPr kumimoji="1" lang="en-US" altLang="ja-JP" sz="1600" b="0" i="1" smtClean="0">
+                                  <a:latin typeface="Cambria Math" panose="02040503050406030204" pitchFamily="18" charset="0"/>
+                                </a:rPr>
+                                <m:t>𝜔</m:t>
+                              </m:r>
+                            </m:e>
+                            <m:sup>
+                              <m:r>
+                                <a:rPr kumimoji="1" lang="en-US" altLang="ja-JP" sz="1600" b="0" i="1" smtClean="0">
+                                  <a:latin typeface="Cambria Math" panose="02040503050406030204" pitchFamily="18" charset="0"/>
+                                </a:rPr>
+                                <m:t>𝑖</m:t>
+                              </m:r>
+                            </m:sup>
+                          </m:sSup>
+                        </m:num>
+                        <m:den>
+                          <m:sSubSup>
+                            <m:sSubSupPr>
+                              <m:ctrlPr>
+                                <a:rPr lang="en-US" altLang="ja-JP" sz="1600" i="1">
+                                  <a:latin typeface="Cambria Math" panose="02040503050406030204" pitchFamily="18" charset="0"/>
+                                </a:rPr>
+                              </m:ctrlPr>
+                            </m:sSubSupPr>
+                            <m:e>
+                              <m:r>
+                                <a:rPr lang="en-US" altLang="ja-JP" sz="1600" i="1">
+                                  <a:latin typeface="Cambria Math" panose="02040503050406030204" pitchFamily="18" charset="0"/>
+                                </a:rPr>
+                                <m:t>∑</m:t>
+                              </m:r>
+                            </m:e>
+                            <m:sub>
+                              <m:r>
+                                <a:rPr lang="en-US" altLang="ja-JP" sz="1600" i="1">
+                                  <a:latin typeface="Cambria Math" panose="02040503050406030204" pitchFamily="18" charset="0"/>
+                                </a:rPr>
+                                <m:t>𝑖</m:t>
+                              </m:r>
+                              <m:r>
+                                <a:rPr lang="en-US" altLang="ja-JP" sz="1600" i="1">
+                                  <a:latin typeface="Cambria Math" panose="02040503050406030204" pitchFamily="18" charset="0"/>
+                                </a:rPr>
+                                <m:t>=0</m:t>
+                              </m:r>
+                            </m:sub>
+                            <m:sup>
+                              <m:r>
+                                <a:rPr lang="en-US" altLang="ja-JP" sz="1600" i="1">
+                                  <a:latin typeface="Cambria Math" panose="02040503050406030204" pitchFamily="18" charset="0"/>
+                                </a:rPr>
+                                <m:t>2</m:t>
+                              </m:r>
+                            </m:sup>
+                          </m:sSubSup>
+                          <m:r>
+                            <a:rPr lang="en-US" altLang="ja-JP" sz="1600" i="1">
+                              <a:latin typeface="Cambria Math" panose="02040503050406030204" pitchFamily="18" charset="0"/>
+                            </a:rPr>
+                            <m:t> </m:t>
+                          </m:r>
+                          <m:sSub>
+                            <m:sSubPr>
+                              <m:ctrlPr>
+                                <a:rPr lang="en-US" altLang="ja-JP" sz="1600" i="1">
+                                  <a:latin typeface="Cambria Math" panose="02040503050406030204" pitchFamily="18" charset="0"/>
+                                </a:rPr>
+                              </m:ctrlPr>
+                            </m:sSubPr>
+                            <m:e>
+                              <m:r>
+                                <a:rPr lang="en-US" altLang="ja-JP" sz="1600" i="1">
+                                  <a:latin typeface="Cambria Math" panose="02040503050406030204" pitchFamily="18" charset="0"/>
+                                </a:rPr>
+                                <m:t>𝐶</m:t>
+                              </m:r>
+                            </m:e>
+                            <m:sub>
+                              <m:r>
+                                <a:rPr lang="en-US" altLang="ja-JP" sz="1600" b="0" i="1" smtClean="0">
+                                  <a:latin typeface="Cambria Math" panose="02040503050406030204" pitchFamily="18" charset="0"/>
+                                </a:rPr>
+                                <m:t>2</m:t>
+                              </m:r>
+                              <m:r>
+                                <a:rPr lang="en-US" altLang="ja-JP" sz="1600" i="1">
+                                  <a:latin typeface="Cambria Math" panose="02040503050406030204" pitchFamily="18" charset="0"/>
+                                </a:rPr>
+                                <m:t>𝑖</m:t>
+                              </m:r>
+                            </m:sub>
+                          </m:sSub>
+                          <m:r>
+                            <a:rPr lang="en-US" altLang="ja-JP" sz="1600" i="1">
+                              <a:latin typeface="Cambria Math" panose="02040503050406030204" pitchFamily="18" charset="0"/>
+                            </a:rPr>
+                            <m:t>⋅</m:t>
+                          </m:r>
+                          <m:sSup>
+                            <m:sSupPr>
+                              <m:ctrlPr>
+                                <a:rPr lang="en-US" altLang="ja-JP" sz="1600" i="1">
+                                  <a:latin typeface="Cambria Math" panose="02040503050406030204" pitchFamily="18" charset="0"/>
+                                </a:rPr>
+                              </m:ctrlPr>
+                            </m:sSupPr>
+                            <m:e>
+                              <m:r>
+                                <a:rPr lang="en-US" altLang="ja-JP" sz="1600" i="1">
+                                  <a:latin typeface="Cambria Math" panose="02040503050406030204" pitchFamily="18" charset="0"/>
+                                </a:rPr>
+                                <m:t>𝜔</m:t>
+                              </m:r>
+                            </m:e>
+                            <m:sup>
+                              <m:r>
+                                <a:rPr lang="en-US" altLang="ja-JP" sz="1600" i="1">
+                                  <a:latin typeface="Cambria Math" panose="02040503050406030204" pitchFamily="18" charset="0"/>
+                                </a:rPr>
+                                <m:t>𝑖</m:t>
+                              </m:r>
+                            </m:sup>
+                          </m:sSup>
+                        </m:den>
+                      </m:f>
+                      <m:r>
+                        <a:rPr kumimoji="1" lang="en-US" altLang="ja-JP" sz="1600" b="0" i="1" smtClean="0">
+                          <a:latin typeface="Cambria Math" panose="02040503050406030204" pitchFamily="18" charset="0"/>
+                        </a:rPr>
+                        <m:t>=</m:t>
+                      </m:r>
+                      <m:f>
+                        <m:fPr>
+                          <m:ctrlPr>
+                            <a:rPr kumimoji="1" lang="en-US" altLang="ja-JP" sz="1600" b="0" i="1" smtClean="0">
+                              <a:latin typeface="Cambria Math" panose="02040503050406030204" pitchFamily="18" charset="0"/>
+                            </a:rPr>
+                          </m:ctrlPr>
+                        </m:fPr>
+                        <m:num>
+                          <m:d>
+                            <m:dPr>
+                              <m:begChr m:val=""/>
+                              <m:endChr m:val="}"/>
+                              <m:ctrlPr>
+                                <a:rPr kumimoji="1" lang="en-US" altLang="ja-JP" sz="1600" b="0" i="1" smtClean="0">
+                                  <a:latin typeface="Cambria Math" panose="02040503050406030204" pitchFamily="18" charset="0"/>
+                                </a:rPr>
+                              </m:ctrlPr>
+                            </m:dPr>
+                            <m:e>
+                              <m:d>
+                                <m:dPr>
+                                  <m:begChr m:val="{"/>
+                                  <m:endChr m:val=""/>
+                                  <m:ctrlPr>
+                                    <a:rPr kumimoji="1" lang="en-US" altLang="ja-JP" sz="1600" b="0" i="1" smtClean="0">
+                                      <a:latin typeface="Cambria Math" panose="02040503050406030204" pitchFamily="18" charset="0"/>
+                                    </a:rPr>
+                                  </m:ctrlPr>
+                                </m:dPr>
+                                <m:e>
+                                  <m:d>
+                                    <m:dPr>
+                                      <m:ctrlPr>
+                                        <a:rPr kumimoji="1" lang="en-US" altLang="ja-JP" sz="1600" b="0" i="1" smtClean="0">
+                                          <a:latin typeface="Cambria Math" panose="02040503050406030204" pitchFamily="18" charset="0"/>
+                                        </a:rPr>
+                                      </m:ctrlPr>
+                                    </m:dPr>
+                                    <m:e>
+                                      <m:sSub>
+                                        <m:sSubPr>
+                                          <m:ctrlPr>
+                                            <a:rPr kumimoji="1" lang="en-US" altLang="ja-JP" sz="1600" b="0" i="1" smtClean="0">
+                                              <a:latin typeface="Cambria Math" panose="02040503050406030204" pitchFamily="18" charset="0"/>
+                                            </a:rPr>
+                                          </m:ctrlPr>
+                                        </m:sSubPr>
+                                        <m:e>
+                                          <m:r>
+                                            <a:rPr kumimoji="1" lang="en-US" altLang="ja-JP" sz="1600" b="0" i="1" smtClean="0">
+                                              <a:latin typeface="Cambria Math" panose="02040503050406030204" pitchFamily="18" charset="0"/>
+                                            </a:rPr>
+                                            <m:t>𝐺</m:t>
+                                          </m:r>
+                                        </m:e>
+                                        <m:sub>
+                                          <m:r>
+                                            <a:rPr kumimoji="1" lang="en-US" altLang="ja-JP" sz="1600" b="0" i="1" smtClean="0">
+                                              <a:latin typeface="Cambria Math" panose="02040503050406030204" pitchFamily="18" charset="0"/>
+                                            </a:rPr>
+                                            <m:t>𝑐</m:t>
+                                          </m:r>
+                                          <m:r>
+                                            <a:rPr kumimoji="1" lang="en-US" altLang="ja-JP" sz="1600" b="0" i="1" smtClean="0">
+                                              <a:latin typeface="Cambria Math" panose="02040503050406030204" pitchFamily="18" charset="0"/>
+                                            </a:rPr>
+                                            <m:t>2</m:t>
+                                          </m:r>
+                                        </m:sub>
+                                      </m:sSub>
+                                      <m:r>
+                                        <a:rPr kumimoji="1" lang="en-US" altLang="ja-JP" sz="1600" b="0" i="1" smtClean="0">
+                                          <a:latin typeface="Cambria Math" panose="02040503050406030204" pitchFamily="18" charset="0"/>
+                                        </a:rPr>
+                                        <m:t>+</m:t>
+                                      </m:r>
+                                      <m:sSub>
+                                        <m:sSubPr>
+                                          <m:ctrlPr>
+                                            <a:rPr kumimoji="1" lang="en-US" altLang="ja-JP" sz="1600" b="0" i="1" smtClean="0">
+                                              <a:latin typeface="Cambria Math" panose="02040503050406030204" pitchFamily="18" charset="0"/>
+                                            </a:rPr>
+                                          </m:ctrlPr>
+                                        </m:sSubPr>
+                                        <m:e>
+                                          <m:r>
+                                            <a:rPr kumimoji="1" lang="en-US" altLang="ja-JP" sz="1600" b="0" i="1" smtClean="0">
+                                              <a:latin typeface="Cambria Math" panose="02040503050406030204" pitchFamily="18" charset="0"/>
+                                            </a:rPr>
+                                            <m:t>𝑔</m:t>
+                                          </m:r>
+                                        </m:e>
+                                        <m:sub>
+                                          <m:r>
+                                            <a:rPr kumimoji="1" lang="en-US" altLang="ja-JP" sz="1600" b="0" i="1" smtClean="0">
+                                              <a:latin typeface="Cambria Math" panose="02040503050406030204" pitchFamily="18" charset="0"/>
+                                            </a:rPr>
+                                            <m:t>𝑐𝑒</m:t>
+                                          </m:r>
+                                          <m:r>
+                                            <a:rPr kumimoji="1" lang="en-US" altLang="ja-JP" sz="1600" b="0" i="1" smtClean="0">
+                                              <a:latin typeface="Cambria Math" panose="02040503050406030204" pitchFamily="18" charset="0"/>
+                                            </a:rPr>
+                                            <m:t>2</m:t>
+                                          </m:r>
+                                        </m:sub>
+                                      </m:sSub>
+                                    </m:e>
+                                  </m:d>
+                                  <m:d>
+                                    <m:dPr>
+                                      <m:ctrlPr>
+                                        <a:rPr kumimoji="1" lang="en-US" altLang="ja-JP" sz="1600" b="0" i="1" smtClean="0">
+                                          <a:latin typeface="Cambria Math" panose="02040503050406030204" pitchFamily="18" charset="0"/>
+                                        </a:rPr>
+                                      </m:ctrlPr>
+                                    </m:dPr>
+                                    <m:e>
+                                      <m:sSub>
+                                        <m:sSubPr>
+                                          <m:ctrlPr>
+                                            <a:rPr kumimoji="1" lang="en-US" altLang="ja-JP" sz="1600" b="0" i="1" smtClean="0">
+                                              <a:latin typeface="Cambria Math" panose="02040503050406030204" pitchFamily="18" charset="0"/>
+                                            </a:rPr>
+                                          </m:ctrlPr>
+                                        </m:sSubPr>
+                                        <m:e>
+                                          <m:r>
+                                            <a:rPr kumimoji="1" lang="en-US" altLang="ja-JP" sz="1600" b="0" i="1" smtClean="0">
+                                              <a:latin typeface="Cambria Math" panose="02040503050406030204" pitchFamily="18" charset="0"/>
+                                            </a:rPr>
+                                            <m:t>𝐺</m:t>
+                                          </m:r>
+                                        </m:e>
+                                        <m:sub>
+                                          <m:r>
+                                            <a:rPr kumimoji="1" lang="en-US" altLang="ja-JP" sz="1600" b="0" i="1" smtClean="0">
+                                              <a:latin typeface="Cambria Math" panose="02040503050406030204" pitchFamily="18" charset="0"/>
+                                            </a:rPr>
+                                            <m:t>1</m:t>
+                                          </m:r>
+                                        </m:sub>
+                                      </m:sSub>
+                                      <m:sSub>
+                                        <m:sSubPr>
+                                          <m:ctrlPr>
+                                            <a:rPr kumimoji="1" lang="en-US" altLang="ja-JP" sz="1600" b="0" i="1" smtClean="0">
+                                              <a:latin typeface="Cambria Math" panose="02040503050406030204" pitchFamily="18" charset="0"/>
+                                            </a:rPr>
+                                          </m:ctrlPr>
+                                        </m:sSubPr>
+                                        <m:e>
+                                          <m:r>
+                                            <a:rPr kumimoji="1" lang="en-US" altLang="ja-JP" sz="1600" b="0" i="1" smtClean="0">
+                                              <a:latin typeface="Cambria Math" panose="02040503050406030204" pitchFamily="18" charset="0"/>
+                                            </a:rPr>
+                                            <m:t>𝐺</m:t>
+                                          </m:r>
+                                        </m:e>
+                                        <m:sub>
+                                          <m:r>
+                                            <a:rPr kumimoji="1" lang="en-US" altLang="ja-JP" sz="1600" b="0" i="1" smtClean="0">
+                                              <a:latin typeface="Cambria Math" panose="02040503050406030204" pitchFamily="18" charset="0"/>
+                                            </a:rPr>
+                                            <m:t>2</m:t>
+                                          </m:r>
+                                        </m:sub>
+                                      </m:sSub>
+                                      <m:r>
+                                        <a:rPr kumimoji="1" lang="en-US" altLang="ja-JP" sz="1600" b="0" i="1" smtClean="0">
+                                          <a:latin typeface="Cambria Math" panose="02040503050406030204" pitchFamily="18" charset="0"/>
+                                        </a:rPr>
+                                        <m:t>−</m:t>
+                                      </m:r>
+                                      <m:sSub>
+                                        <m:sSubPr>
+                                          <m:ctrlPr>
+                                            <a:rPr kumimoji="1" lang="en-US" altLang="ja-JP" sz="1600" b="0" i="1" smtClean="0">
+                                              <a:latin typeface="Cambria Math" panose="02040503050406030204" pitchFamily="18" charset="0"/>
+                                            </a:rPr>
+                                          </m:ctrlPr>
+                                        </m:sSubPr>
+                                        <m:e>
+                                          <m:r>
+                                            <a:rPr kumimoji="1" lang="en-US" altLang="ja-JP" sz="1600" b="0" i="1" smtClean="0">
+                                              <a:latin typeface="Cambria Math" panose="02040503050406030204" pitchFamily="18" charset="0"/>
+                                            </a:rPr>
+                                            <m:t>𝑔</m:t>
+                                          </m:r>
+                                        </m:e>
+                                        <m:sub>
+                                          <m:r>
+                                            <a:rPr kumimoji="1" lang="en-US" altLang="ja-JP" sz="1600" b="0" i="1" smtClean="0">
+                                              <a:latin typeface="Cambria Math" panose="02040503050406030204" pitchFamily="18" charset="0"/>
+                                            </a:rPr>
+                                            <m:t>𝑐𝑒</m:t>
+                                          </m:r>
+                                          <m:r>
+                                            <a:rPr kumimoji="1" lang="en-US" altLang="ja-JP" sz="1600" b="0" i="1" smtClean="0">
+                                              <a:latin typeface="Cambria Math" panose="02040503050406030204" pitchFamily="18" charset="0"/>
+                                            </a:rPr>
+                                            <m:t>1</m:t>
+                                          </m:r>
+                                        </m:sub>
+                                      </m:sSub>
+                                      <m:sSub>
+                                        <m:sSubPr>
+                                          <m:ctrlPr>
+                                            <a:rPr kumimoji="1" lang="en-US" altLang="ja-JP" sz="1600" b="0" i="1" smtClean="0">
+                                              <a:latin typeface="Cambria Math" panose="02040503050406030204" pitchFamily="18" charset="0"/>
+                                            </a:rPr>
+                                          </m:ctrlPr>
+                                        </m:sSubPr>
+                                        <m:e>
+                                          <m:r>
+                                            <a:rPr kumimoji="1" lang="en-US" altLang="ja-JP" sz="1600" b="0" i="1" smtClean="0">
+                                              <a:latin typeface="Cambria Math" panose="02040503050406030204" pitchFamily="18" charset="0"/>
+                                            </a:rPr>
+                                            <m:t>𝐺</m:t>
+                                          </m:r>
+                                        </m:e>
+                                        <m:sub>
+                                          <m:r>
+                                            <a:rPr kumimoji="1" lang="en-US" altLang="ja-JP" sz="1600" b="0" i="1" smtClean="0">
+                                              <a:latin typeface="Cambria Math" panose="02040503050406030204" pitchFamily="18" charset="0"/>
+                                            </a:rPr>
+                                            <m:t>2</m:t>
+                                          </m:r>
+                                        </m:sub>
+                                      </m:sSub>
+                                    </m:e>
+                                  </m:d>
+                                </m:e>
+                              </m:d>
+                            </m:e>
+                          </m:d>
+                          <m:r>
+                            <a:rPr kumimoji="1" lang="en-US" altLang="ja-JP" sz="1600" b="0" i="1" smtClean="0">
+                              <a:latin typeface="Cambria Math" panose="02040503050406030204" pitchFamily="18" charset="0"/>
+                            </a:rPr>
+                            <m:t>+</m:t>
+                          </m:r>
+                          <m:r>
+                            <a:rPr kumimoji="1" lang="en-US" altLang="ja-JP" sz="1600" b="0" i="1" smtClean="0">
+                              <a:latin typeface="Cambria Math" panose="02040503050406030204" pitchFamily="18" charset="0"/>
+                            </a:rPr>
+                            <m:t>𝑗</m:t>
+                          </m:r>
+                          <m:r>
+                            <a:rPr kumimoji="1" lang="en-US" altLang="ja-JP" sz="1600" b="0" i="1" smtClean="0">
+                              <a:latin typeface="Cambria Math" panose="02040503050406030204" pitchFamily="18" charset="0"/>
+                            </a:rPr>
+                            <m:t>𝜔</m:t>
+                          </m:r>
+                          <m:d>
+                            <m:dPr>
+                              <m:begChr m:val=""/>
+                              <m:endChr m:val="}"/>
+                              <m:ctrlPr>
+                                <a:rPr kumimoji="1" lang="en-US" altLang="ja-JP" sz="1600" b="0" i="1" smtClean="0">
+                                  <a:latin typeface="Cambria Math" panose="02040503050406030204" pitchFamily="18" charset="0"/>
+                                </a:rPr>
+                              </m:ctrlPr>
+                            </m:dPr>
+                            <m:e>
+                              <m:d>
+                                <m:dPr>
+                                  <m:begChr m:val="{"/>
+                                  <m:endChr m:val=""/>
+                                  <m:ctrlPr>
+                                    <a:rPr kumimoji="1" lang="en-US" altLang="ja-JP" sz="1600" b="0" i="1" smtClean="0">
+                                      <a:latin typeface="Cambria Math" panose="02040503050406030204" pitchFamily="18" charset="0"/>
+                                    </a:rPr>
+                                  </m:ctrlPr>
+                                </m:dPr>
+                                <m:e>
+                                  <m:sSub>
+                                    <m:sSubPr>
+                                      <m:ctrlPr>
+                                        <a:rPr kumimoji="1" lang="en-US" altLang="ja-JP" sz="1600" b="0" i="1" smtClean="0">
+                                          <a:latin typeface="Cambria Math" panose="02040503050406030204" pitchFamily="18" charset="0"/>
+                                        </a:rPr>
+                                      </m:ctrlPr>
+                                    </m:sSubPr>
+                                    <m:e>
+                                      <m:r>
+                                        <a:rPr kumimoji="1" lang="en-US" altLang="ja-JP" sz="1600" b="0" i="1" smtClean="0">
+                                          <a:latin typeface="Cambria Math" panose="02040503050406030204" pitchFamily="18" charset="0"/>
+                                        </a:rPr>
+                                        <m:t>𝐶</m:t>
+                                      </m:r>
+                                    </m:e>
+                                    <m:sub>
+                                      <m:r>
+                                        <a:rPr kumimoji="1" lang="en-US" altLang="ja-JP" sz="1600" b="0" i="1" smtClean="0">
+                                          <a:latin typeface="Cambria Math" panose="02040503050406030204" pitchFamily="18" charset="0"/>
+                                        </a:rPr>
+                                        <m:t>𝑗𝑐</m:t>
+                                      </m:r>
+                                      <m:r>
+                                        <a:rPr kumimoji="1" lang="en-US" altLang="ja-JP" sz="1600" b="0" i="1" smtClean="0">
+                                          <a:latin typeface="Cambria Math" panose="02040503050406030204" pitchFamily="18" charset="0"/>
+                                        </a:rPr>
+                                        <m:t>2</m:t>
+                                      </m:r>
+                                    </m:sub>
+                                  </m:sSub>
+                                  <m:d>
+                                    <m:dPr>
+                                      <m:ctrlPr>
+                                        <a:rPr kumimoji="1" lang="en-US" altLang="ja-JP" sz="1600" b="0" i="1" smtClean="0">
+                                          <a:latin typeface="Cambria Math" panose="02040503050406030204" pitchFamily="18" charset="0"/>
+                                        </a:rPr>
+                                      </m:ctrlPr>
+                                    </m:dPr>
+                                    <m:e>
+                                      <m:sSub>
+                                        <m:sSubPr>
+                                          <m:ctrlPr>
+                                            <a:rPr kumimoji="1" lang="en-US" altLang="ja-JP" sz="1600" b="0" i="1" smtClean="0">
+                                              <a:latin typeface="Cambria Math" panose="02040503050406030204" pitchFamily="18" charset="0"/>
+                                            </a:rPr>
+                                          </m:ctrlPr>
+                                        </m:sSubPr>
+                                        <m:e>
+                                          <m:r>
+                                            <a:rPr kumimoji="1" lang="en-US" altLang="ja-JP" sz="1600" b="0" i="1" smtClean="0">
+                                              <a:latin typeface="Cambria Math" panose="02040503050406030204" pitchFamily="18" charset="0"/>
+                                            </a:rPr>
+                                            <m:t>𝐺</m:t>
+                                          </m:r>
+                                        </m:e>
+                                        <m:sub>
+                                          <m:r>
+                                            <a:rPr kumimoji="1" lang="en-US" altLang="ja-JP" sz="1600" b="0" i="1" smtClean="0">
+                                              <a:latin typeface="Cambria Math" panose="02040503050406030204" pitchFamily="18" charset="0"/>
+                                            </a:rPr>
+                                            <m:t>1</m:t>
+                                          </m:r>
+                                        </m:sub>
+                                      </m:sSub>
+                                      <m:sSub>
+                                        <m:sSubPr>
+                                          <m:ctrlPr>
+                                            <a:rPr kumimoji="1" lang="en-US" altLang="ja-JP" sz="1600" b="0" i="1" smtClean="0">
+                                              <a:latin typeface="Cambria Math" panose="02040503050406030204" pitchFamily="18" charset="0"/>
+                                            </a:rPr>
+                                          </m:ctrlPr>
+                                        </m:sSubPr>
+                                        <m:e>
+                                          <m:r>
+                                            <a:rPr kumimoji="1" lang="en-US" altLang="ja-JP" sz="1600" b="0" i="1" smtClean="0">
+                                              <a:latin typeface="Cambria Math" panose="02040503050406030204" pitchFamily="18" charset="0"/>
+                                            </a:rPr>
+                                            <m:t>𝐺</m:t>
+                                          </m:r>
+                                        </m:e>
+                                        <m:sub>
+                                          <m:r>
+                                            <a:rPr kumimoji="1" lang="en-US" altLang="ja-JP" sz="1600" b="0" i="1" smtClean="0">
+                                              <a:latin typeface="Cambria Math" panose="02040503050406030204" pitchFamily="18" charset="0"/>
+                                            </a:rPr>
+                                            <m:t>2</m:t>
+                                          </m:r>
+                                        </m:sub>
+                                      </m:sSub>
+                                      <m:r>
+                                        <a:rPr kumimoji="1" lang="en-US" altLang="ja-JP" sz="1600" b="0" i="1" smtClean="0">
+                                          <a:latin typeface="Cambria Math" panose="02040503050406030204" pitchFamily="18" charset="0"/>
+                                        </a:rPr>
+                                        <m:t>−</m:t>
+                                      </m:r>
+                                      <m:sSub>
+                                        <m:sSubPr>
+                                          <m:ctrlPr>
+                                            <a:rPr kumimoji="1" lang="en-US" altLang="ja-JP" sz="1600" b="0" i="1" smtClean="0">
+                                              <a:latin typeface="Cambria Math" panose="02040503050406030204" pitchFamily="18" charset="0"/>
+                                            </a:rPr>
+                                          </m:ctrlPr>
+                                        </m:sSubPr>
+                                        <m:e>
+                                          <m:r>
+                                            <a:rPr kumimoji="1" lang="en-US" altLang="ja-JP" sz="1600" b="0" i="1" smtClean="0">
+                                              <a:latin typeface="Cambria Math" panose="02040503050406030204" pitchFamily="18" charset="0"/>
+                                            </a:rPr>
+                                            <m:t>𝑔</m:t>
+                                          </m:r>
+                                        </m:e>
+                                        <m:sub>
+                                          <m:r>
+                                            <a:rPr kumimoji="1" lang="en-US" altLang="ja-JP" sz="1600" b="0" i="1" smtClean="0">
+                                              <a:latin typeface="Cambria Math" panose="02040503050406030204" pitchFamily="18" charset="0"/>
+                                            </a:rPr>
+                                            <m:t>𝑐𝑒</m:t>
+                                          </m:r>
+                                          <m:r>
+                                            <a:rPr kumimoji="1" lang="en-US" altLang="ja-JP" sz="1600" b="0" i="1" smtClean="0">
+                                              <a:latin typeface="Cambria Math" panose="02040503050406030204" pitchFamily="18" charset="0"/>
+                                            </a:rPr>
+                                            <m:t>1</m:t>
+                                          </m:r>
+                                        </m:sub>
+                                      </m:sSub>
+                                      <m:sSub>
+                                        <m:sSubPr>
+                                          <m:ctrlPr>
+                                            <a:rPr kumimoji="1" lang="en-US" altLang="ja-JP" sz="1600" b="0" i="1" smtClean="0">
+                                              <a:latin typeface="Cambria Math" panose="02040503050406030204" pitchFamily="18" charset="0"/>
+                                            </a:rPr>
+                                          </m:ctrlPr>
+                                        </m:sSubPr>
+                                        <m:e>
+                                          <m:r>
+                                            <a:rPr kumimoji="1" lang="en-US" altLang="ja-JP" sz="1600" b="0" i="1" smtClean="0">
+                                              <a:latin typeface="Cambria Math" panose="02040503050406030204" pitchFamily="18" charset="0"/>
+                                            </a:rPr>
+                                            <m:t>𝐺</m:t>
+                                          </m:r>
+                                        </m:e>
+                                        <m:sub>
+                                          <m:r>
+                                            <a:rPr kumimoji="1" lang="en-US" altLang="ja-JP" sz="1600" b="0" i="1" smtClean="0">
+                                              <a:latin typeface="Cambria Math" panose="02040503050406030204" pitchFamily="18" charset="0"/>
+                                            </a:rPr>
+                                            <m:t>2</m:t>
+                                          </m:r>
+                                        </m:sub>
+                                      </m:sSub>
+                                    </m:e>
+                                  </m:d>
+                                  <m:r>
+                                    <a:rPr kumimoji="1" lang="en-US" altLang="ja-JP" sz="1600" b="0" i="1" smtClean="0">
+                                      <a:latin typeface="Cambria Math" panose="02040503050406030204" pitchFamily="18" charset="0"/>
+                                    </a:rPr>
+                                    <m:t>+</m:t>
+                                  </m:r>
+                                  <m:d>
+                                    <m:dPr>
+                                      <m:ctrlPr>
+                                        <a:rPr kumimoji="1" lang="en-US" altLang="ja-JP" sz="1600" b="0" i="1" smtClean="0">
+                                          <a:latin typeface="Cambria Math" panose="02040503050406030204" pitchFamily="18" charset="0"/>
+                                        </a:rPr>
+                                      </m:ctrlPr>
+                                    </m:dPr>
+                                    <m:e>
+                                      <m:sSub>
+                                        <m:sSubPr>
+                                          <m:ctrlPr>
+                                            <a:rPr kumimoji="1" lang="en-US" altLang="ja-JP" sz="1600" b="0" i="1" smtClean="0">
+                                              <a:latin typeface="Cambria Math" panose="02040503050406030204" pitchFamily="18" charset="0"/>
+                                            </a:rPr>
+                                          </m:ctrlPr>
+                                        </m:sSubPr>
+                                        <m:e>
+                                          <m:r>
+                                            <a:rPr kumimoji="1" lang="en-US" altLang="ja-JP" sz="1600" b="0" i="1" smtClean="0">
+                                              <a:latin typeface="Cambria Math" panose="02040503050406030204" pitchFamily="18" charset="0"/>
+                                            </a:rPr>
+                                            <m:t>𝐺</m:t>
+                                          </m:r>
+                                        </m:e>
+                                        <m:sub>
+                                          <m:r>
+                                            <a:rPr kumimoji="1" lang="en-US" altLang="ja-JP" sz="1600" b="0" i="1" smtClean="0">
+                                              <a:latin typeface="Cambria Math" panose="02040503050406030204" pitchFamily="18" charset="0"/>
+                                            </a:rPr>
+                                            <m:t>𝑐</m:t>
+                                          </m:r>
+                                          <m:r>
+                                            <a:rPr kumimoji="1" lang="en-US" altLang="ja-JP" sz="1600" b="0" i="1" smtClean="0">
+                                              <a:latin typeface="Cambria Math" panose="02040503050406030204" pitchFamily="18" charset="0"/>
+                                            </a:rPr>
+                                            <m:t>2</m:t>
+                                          </m:r>
+                                        </m:sub>
+                                      </m:sSub>
+                                      <m:r>
+                                        <a:rPr kumimoji="1" lang="en-US" altLang="ja-JP" sz="1600" b="0" i="1" smtClean="0">
+                                          <a:latin typeface="Cambria Math" panose="02040503050406030204" pitchFamily="18" charset="0"/>
+                                        </a:rPr>
+                                        <m:t>+</m:t>
+                                      </m:r>
+                                      <m:sSub>
+                                        <m:sSubPr>
+                                          <m:ctrlPr>
+                                            <a:rPr kumimoji="1" lang="en-US" altLang="ja-JP" sz="1600" b="0" i="1" smtClean="0">
+                                              <a:latin typeface="Cambria Math" panose="02040503050406030204" pitchFamily="18" charset="0"/>
+                                            </a:rPr>
+                                          </m:ctrlPr>
+                                        </m:sSubPr>
+                                        <m:e>
+                                          <m:r>
+                                            <a:rPr kumimoji="1" lang="en-US" altLang="ja-JP" sz="1600" b="0" i="1" smtClean="0">
+                                              <a:latin typeface="Cambria Math" panose="02040503050406030204" pitchFamily="18" charset="0"/>
+                                            </a:rPr>
+                                            <m:t>𝑔</m:t>
+                                          </m:r>
+                                        </m:e>
+                                        <m:sub>
+                                          <m:r>
+                                            <a:rPr kumimoji="1" lang="en-US" altLang="ja-JP" sz="1600" b="0" i="1" smtClean="0">
+                                              <a:latin typeface="Cambria Math" panose="02040503050406030204" pitchFamily="18" charset="0"/>
+                                            </a:rPr>
+                                            <m:t>𝑐𝑒</m:t>
+                                          </m:r>
+                                          <m:r>
+                                            <a:rPr kumimoji="1" lang="en-US" altLang="ja-JP" sz="1600" b="0" i="1" smtClean="0">
+                                              <a:latin typeface="Cambria Math" panose="02040503050406030204" pitchFamily="18" charset="0"/>
+                                            </a:rPr>
+                                            <m:t>2</m:t>
+                                          </m:r>
+                                        </m:sub>
+                                      </m:sSub>
+                                    </m:e>
+                                  </m:d>
+                                  <m:d>
+                                    <m:dPr>
+                                      <m:ctrlPr>
+                                        <a:rPr kumimoji="1" lang="en-US" altLang="ja-JP" sz="1600" b="0" i="1" smtClean="0">
+                                          <a:latin typeface="Cambria Math" panose="02040503050406030204" pitchFamily="18" charset="0"/>
+                                        </a:rPr>
+                                      </m:ctrlPr>
+                                    </m:dPr>
+                                    <m:e>
+                                      <m:sSub>
+                                        <m:sSubPr>
+                                          <m:ctrlPr>
+                                            <a:rPr kumimoji="1" lang="en-US" altLang="ja-JP" sz="1600" b="0" i="1" smtClean="0">
+                                              <a:latin typeface="Cambria Math" panose="02040503050406030204" pitchFamily="18" charset="0"/>
+                                            </a:rPr>
+                                          </m:ctrlPr>
+                                        </m:sSubPr>
+                                        <m:e>
+                                          <m:r>
+                                            <a:rPr kumimoji="1" lang="en-US" altLang="ja-JP" sz="1600" b="0" i="1" smtClean="0">
+                                              <a:latin typeface="Cambria Math" panose="02040503050406030204" pitchFamily="18" charset="0"/>
+                                            </a:rPr>
+                                            <m:t>𝐺</m:t>
+                                          </m:r>
+                                        </m:e>
+                                        <m:sub>
+                                          <m:r>
+                                            <a:rPr kumimoji="1" lang="en-US" altLang="ja-JP" sz="1600" b="0" i="1" smtClean="0">
+                                              <a:latin typeface="Cambria Math" panose="02040503050406030204" pitchFamily="18" charset="0"/>
+                                            </a:rPr>
+                                            <m:t>1</m:t>
+                                          </m:r>
+                                        </m:sub>
+                                      </m:sSub>
+                                      <m:sSub>
+                                        <m:sSubPr>
+                                          <m:ctrlPr>
+                                            <a:rPr kumimoji="1" lang="en-US" altLang="ja-JP" sz="1600" b="0" i="1" smtClean="0">
+                                              <a:latin typeface="Cambria Math" panose="02040503050406030204" pitchFamily="18" charset="0"/>
+                                            </a:rPr>
+                                          </m:ctrlPr>
+                                        </m:sSubPr>
+                                        <m:e>
+                                          <m:r>
+                                            <a:rPr kumimoji="1" lang="en-US" altLang="ja-JP" sz="1600" b="0" i="1" smtClean="0">
+                                              <a:latin typeface="Cambria Math" panose="02040503050406030204" pitchFamily="18" charset="0"/>
+                                            </a:rPr>
+                                            <m:t>𝐶</m:t>
+                                          </m:r>
+                                        </m:e>
+                                        <m:sub>
+                                          <m:r>
+                                            <a:rPr kumimoji="1" lang="en-US" altLang="ja-JP" sz="1600" b="0" i="1" smtClean="0">
+                                              <a:latin typeface="Cambria Math" panose="02040503050406030204" pitchFamily="18" charset="0"/>
+                                            </a:rPr>
+                                            <m:t>2</m:t>
+                                          </m:r>
+                                        </m:sub>
+                                      </m:sSub>
+                                      <m:r>
+                                        <a:rPr kumimoji="1" lang="en-US" altLang="ja-JP" sz="1600" b="0" i="1" smtClean="0">
+                                          <a:latin typeface="Cambria Math" panose="02040503050406030204" pitchFamily="18" charset="0"/>
+                                        </a:rPr>
+                                        <m:t>+</m:t>
+                                      </m:r>
+                                      <m:sSub>
+                                        <m:sSubPr>
+                                          <m:ctrlPr>
+                                            <a:rPr kumimoji="1" lang="en-US" altLang="ja-JP" sz="1600" b="0" i="1" smtClean="0">
+                                              <a:latin typeface="Cambria Math" panose="02040503050406030204" pitchFamily="18" charset="0"/>
+                                            </a:rPr>
+                                          </m:ctrlPr>
+                                        </m:sSubPr>
+                                        <m:e>
+                                          <m:r>
+                                            <a:rPr kumimoji="1" lang="en-US" altLang="ja-JP" sz="1600" b="0" i="1" smtClean="0">
+                                              <a:latin typeface="Cambria Math" panose="02040503050406030204" pitchFamily="18" charset="0"/>
+                                            </a:rPr>
+                                            <m:t>𝐺</m:t>
+                                          </m:r>
+                                        </m:e>
+                                        <m:sub>
+                                          <m:r>
+                                            <a:rPr kumimoji="1" lang="en-US" altLang="ja-JP" sz="1600" b="0" i="1" smtClean="0">
+                                              <a:latin typeface="Cambria Math" panose="02040503050406030204" pitchFamily="18" charset="0"/>
+                                            </a:rPr>
+                                            <m:t>2</m:t>
+                                          </m:r>
+                                        </m:sub>
+                                      </m:sSub>
+                                      <m:sSub>
+                                        <m:sSubPr>
+                                          <m:ctrlPr>
+                                            <a:rPr kumimoji="1" lang="en-US" altLang="ja-JP" sz="1600" b="0" i="1" smtClean="0">
+                                              <a:latin typeface="Cambria Math" panose="02040503050406030204" pitchFamily="18" charset="0"/>
+                                            </a:rPr>
+                                          </m:ctrlPr>
+                                        </m:sSubPr>
+                                        <m:e>
+                                          <m:r>
+                                            <a:rPr kumimoji="1" lang="en-US" altLang="ja-JP" sz="1600" b="0" i="1" smtClean="0">
+                                              <a:latin typeface="Cambria Math" panose="02040503050406030204" pitchFamily="18" charset="0"/>
+                                            </a:rPr>
+                                            <m:t>𝐶</m:t>
+                                          </m:r>
+                                        </m:e>
+                                        <m:sub>
+                                          <m:r>
+                                            <a:rPr kumimoji="1" lang="en-US" altLang="ja-JP" sz="1600" b="0" i="1" smtClean="0">
+                                              <a:latin typeface="Cambria Math" panose="02040503050406030204" pitchFamily="18" charset="0"/>
+                                            </a:rPr>
+                                            <m:t>1</m:t>
+                                          </m:r>
+                                        </m:sub>
+                                      </m:sSub>
+                                      <m:r>
+                                        <a:rPr kumimoji="1" lang="en-US" altLang="ja-JP" sz="1600" b="0" i="1" smtClean="0">
+                                          <a:latin typeface="Cambria Math" panose="02040503050406030204" pitchFamily="18" charset="0"/>
+                                        </a:rPr>
+                                        <m:t>−</m:t>
+                                      </m:r>
+                                      <m:sSub>
+                                        <m:sSubPr>
+                                          <m:ctrlPr>
+                                            <a:rPr kumimoji="1" lang="en-US" altLang="ja-JP" sz="1600" b="0" i="1" smtClean="0">
+                                              <a:latin typeface="Cambria Math" panose="02040503050406030204" pitchFamily="18" charset="0"/>
+                                            </a:rPr>
+                                          </m:ctrlPr>
+                                        </m:sSubPr>
+                                        <m:e>
+                                          <m:r>
+                                            <a:rPr kumimoji="1" lang="en-US" altLang="ja-JP" sz="1600" b="0" i="1" smtClean="0">
+                                              <a:latin typeface="Cambria Math" panose="02040503050406030204" pitchFamily="18" charset="0"/>
+                                            </a:rPr>
+                                            <m:t>𝐶</m:t>
+                                          </m:r>
+                                        </m:e>
+                                        <m:sub>
+                                          <m:r>
+                                            <a:rPr kumimoji="1" lang="en-US" altLang="ja-JP" sz="1600" b="0" i="1" smtClean="0">
+                                              <a:latin typeface="Cambria Math" panose="02040503050406030204" pitchFamily="18" charset="0"/>
+                                            </a:rPr>
+                                            <m:t>2</m:t>
+                                          </m:r>
+                                        </m:sub>
+                                      </m:sSub>
+                                      <m:r>
+                                        <a:rPr kumimoji="1" lang="en-US" altLang="ja-JP" sz="1600" b="0" i="1" smtClean="0">
+                                          <a:latin typeface="Cambria Math" panose="02040503050406030204" pitchFamily="18" charset="0"/>
+                                        </a:rPr>
+                                        <m:t>𝑔𝑐𝑒</m:t>
+                                      </m:r>
+                                      <m:r>
+                                        <a:rPr kumimoji="1" lang="en-US" altLang="ja-JP" sz="1600" b="0" i="1" smtClean="0">
+                                          <a:latin typeface="Cambria Math" panose="02040503050406030204" pitchFamily="18" charset="0"/>
+                                        </a:rPr>
+                                        <m:t>1 </m:t>
+                                      </m:r>
+                                    </m:e>
+                                  </m:d>
+                                  <m:r>
+                                    <a:rPr kumimoji="1" lang="en-US" altLang="ja-JP" sz="1600" b="0" i="1" smtClean="0">
+                                      <a:latin typeface="Cambria Math" panose="02040503050406030204" pitchFamily="18" charset="0"/>
+                                    </a:rPr>
+                                    <m:t>+</m:t>
+                                  </m:r>
+                                  <m:sSub>
+                                    <m:sSubPr>
+                                      <m:ctrlPr>
+                                        <a:rPr kumimoji="1" lang="en-US" altLang="ja-JP" sz="1600" b="0" i="1" smtClean="0">
+                                          <a:latin typeface="Cambria Math" panose="02040503050406030204" pitchFamily="18" charset="0"/>
+                                        </a:rPr>
+                                      </m:ctrlPr>
+                                    </m:sSubPr>
+                                    <m:e>
+                                      <m:r>
+                                        <a:rPr kumimoji="1" lang="en-US" altLang="ja-JP" sz="1600" b="0" i="1" smtClean="0">
+                                          <a:latin typeface="Cambria Math" panose="02040503050406030204" pitchFamily="18" charset="0"/>
+                                        </a:rPr>
+                                        <m:t>𝐺</m:t>
+                                      </m:r>
+                                    </m:e>
+                                    <m:sub>
+                                      <m:r>
+                                        <a:rPr kumimoji="1" lang="en-US" altLang="ja-JP" sz="1600" b="0" i="1" smtClean="0">
+                                          <a:latin typeface="Cambria Math" panose="02040503050406030204" pitchFamily="18" charset="0"/>
+                                        </a:rPr>
+                                        <m:t>1</m:t>
+                                      </m:r>
+                                    </m:sub>
+                                  </m:sSub>
+                                  <m:sSub>
+                                    <m:sSubPr>
+                                      <m:ctrlPr>
+                                        <a:rPr kumimoji="1" lang="en-US" altLang="ja-JP" sz="1600" b="0" i="1" smtClean="0">
+                                          <a:latin typeface="Cambria Math" panose="02040503050406030204" pitchFamily="18" charset="0"/>
+                                        </a:rPr>
+                                      </m:ctrlPr>
+                                    </m:sSubPr>
+                                    <m:e>
+                                      <m:r>
+                                        <a:rPr kumimoji="1" lang="en-US" altLang="ja-JP" sz="1600" b="0" i="1" smtClean="0">
+                                          <a:latin typeface="Cambria Math" panose="02040503050406030204" pitchFamily="18" charset="0"/>
+                                        </a:rPr>
+                                        <m:t>𝐶</m:t>
+                                      </m:r>
+                                    </m:e>
+                                    <m:sub>
+                                      <m:r>
+                                        <a:rPr kumimoji="1" lang="en-US" altLang="ja-JP" sz="1600" b="0" i="1" smtClean="0">
+                                          <a:latin typeface="Cambria Math" panose="02040503050406030204" pitchFamily="18" charset="0"/>
+                                        </a:rPr>
+                                        <m:t>𝑗𝑐</m:t>
+                                      </m:r>
+                                      <m:r>
+                                        <a:rPr kumimoji="1" lang="en-US" altLang="ja-JP" sz="1600" b="0" i="1" smtClean="0">
+                                          <a:latin typeface="Cambria Math" panose="02040503050406030204" pitchFamily="18" charset="0"/>
+                                        </a:rPr>
+                                        <m:t>2</m:t>
+                                      </m:r>
+                                    </m:sub>
+                                  </m:sSub>
+                                  <m:sSub>
+                                    <m:sSubPr>
+                                      <m:ctrlPr>
+                                        <a:rPr kumimoji="1" lang="en-US" altLang="ja-JP" sz="1600" b="0" i="1" smtClean="0">
+                                          <a:latin typeface="Cambria Math" panose="02040503050406030204" pitchFamily="18" charset="0"/>
+                                        </a:rPr>
+                                      </m:ctrlPr>
+                                    </m:sSubPr>
+                                    <m:e>
+                                      <m:r>
+                                        <a:rPr kumimoji="1" lang="en-US" altLang="ja-JP" sz="1600" b="0" i="1" smtClean="0">
+                                          <a:latin typeface="Cambria Math" panose="02040503050406030204" pitchFamily="18" charset="0"/>
+                                        </a:rPr>
+                                        <m:t>𝑔</m:t>
+                                      </m:r>
+                                    </m:e>
+                                    <m:sub>
+                                      <m:r>
+                                        <a:rPr kumimoji="1" lang="en-US" altLang="ja-JP" sz="1600" b="0" i="1" smtClean="0">
+                                          <a:latin typeface="Cambria Math" panose="02040503050406030204" pitchFamily="18" charset="0"/>
+                                        </a:rPr>
+                                        <m:t>𝑚</m:t>
+                                      </m:r>
+                                      <m:r>
+                                        <a:rPr kumimoji="1" lang="en-US" altLang="ja-JP" sz="1600" b="0" i="1" smtClean="0">
+                                          <a:latin typeface="Cambria Math" panose="02040503050406030204" pitchFamily="18" charset="0"/>
+                                        </a:rPr>
+                                        <m:t>2</m:t>
+                                      </m:r>
+                                    </m:sub>
+                                  </m:sSub>
+                                </m:e>
+                              </m:d>
+                            </m:e>
+                          </m:d>
+                        </m:num>
+                        <m:den>
+                          <m:sSub>
+                            <m:sSubPr>
+                              <m:ctrlPr>
+                                <a:rPr kumimoji="1" lang="en-US" altLang="ja-JP" sz="1600" b="0" i="1" smtClean="0">
+                                  <a:latin typeface="Cambria Math" panose="02040503050406030204" pitchFamily="18" charset="0"/>
+                                </a:rPr>
+                              </m:ctrlPr>
+                            </m:sSubPr>
+                            <m:e>
+                              <m:r>
+                                <a:rPr kumimoji="1" lang="en-US" altLang="ja-JP" sz="1600" b="0" i="1" smtClean="0">
+                                  <a:latin typeface="Cambria Math" panose="02040503050406030204" pitchFamily="18" charset="0"/>
+                                </a:rPr>
+                                <m:t>𝑔</m:t>
+                              </m:r>
+                            </m:e>
+                            <m:sub>
+                              <m:r>
+                                <a:rPr kumimoji="1" lang="en-US" altLang="ja-JP" sz="1600" b="0" i="1" smtClean="0">
+                                  <a:latin typeface="Cambria Math" panose="02040503050406030204" pitchFamily="18" charset="0"/>
+                                </a:rPr>
+                                <m:t>𝑚</m:t>
+                              </m:r>
+                              <m:r>
+                                <a:rPr kumimoji="1" lang="en-US" altLang="ja-JP" sz="1600" b="0" i="1" smtClean="0">
+                                  <a:latin typeface="Cambria Math" panose="02040503050406030204" pitchFamily="18" charset="0"/>
+                                </a:rPr>
+                                <m:t>1</m:t>
+                              </m:r>
+                            </m:sub>
+                          </m:sSub>
+                          <m:sSub>
+                            <m:sSubPr>
+                              <m:ctrlPr>
+                                <a:rPr kumimoji="1" lang="en-US" altLang="ja-JP" sz="1600" b="0" i="1" smtClean="0">
+                                  <a:latin typeface="Cambria Math" panose="02040503050406030204" pitchFamily="18" charset="0"/>
+                                </a:rPr>
+                              </m:ctrlPr>
+                            </m:sSubPr>
+                            <m:e>
+                              <m:r>
+                                <a:rPr kumimoji="1" lang="en-US" altLang="ja-JP" sz="1600" b="0" i="1" smtClean="0">
+                                  <a:latin typeface="Cambria Math" panose="02040503050406030204" pitchFamily="18" charset="0"/>
+                                </a:rPr>
+                                <m:t>𝑔</m:t>
+                              </m:r>
+                            </m:e>
+                            <m:sub>
+                              <m:r>
+                                <a:rPr kumimoji="1" lang="en-US" altLang="ja-JP" sz="1600" b="0" i="1" smtClean="0">
+                                  <a:latin typeface="Cambria Math" panose="02040503050406030204" pitchFamily="18" charset="0"/>
+                                </a:rPr>
+                                <m:t>𝑐𝑒</m:t>
+                              </m:r>
+                              <m:r>
+                                <a:rPr kumimoji="1" lang="en-US" altLang="ja-JP" sz="1600" b="0" i="1" smtClean="0">
+                                  <a:latin typeface="Cambria Math" panose="02040503050406030204" pitchFamily="18" charset="0"/>
+                                </a:rPr>
+                                <m:t>1</m:t>
+                              </m:r>
+                            </m:sub>
+                          </m:sSub>
+                          <m:d>
+                            <m:dPr>
+                              <m:ctrlPr>
+                                <a:rPr kumimoji="1" lang="en-US" altLang="ja-JP" sz="1600" b="0" i="1" smtClean="0">
+                                  <a:latin typeface="Cambria Math" panose="02040503050406030204" pitchFamily="18" charset="0"/>
+                                </a:rPr>
+                              </m:ctrlPr>
+                            </m:dPr>
+                            <m:e>
+                              <m:sSub>
+                                <m:sSubPr>
+                                  <m:ctrlPr>
+                                    <a:rPr kumimoji="1" lang="en-US" altLang="ja-JP" sz="1600" b="0" i="1" smtClean="0">
+                                      <a:latin typeface="Cambria Math" panose="02040503050406030204" pitchFamily="18" charset="0"/>
+                                    </a:rPr>
+                                  </m:ctrlPr>
+                                </m:sSubPr>
+                                <m:e>
+                                  <m:r>
+                                    <a:rPr kumimoji="1" lang="en-US" altLang="ja-JP" sz="1600" b="0" i="1" smtClean="0">
+                                      <a:latin typeface="Cambria Math" panose="02040503050406030204" pitchFamily="18" charset="0"/>
+                                    </a:rPr>
+                                    <m:t>𝐺</m:t>
+                                  </m:r>
+                                </m:e>
+                                <m:sub>
+                                  <m:r>
+                                    <a:rPr kumimoji="1" lang="en-US" altLang="ja-JP" sz="1600" b="0" i="1" smtClean="0">
+                                      <a:latin typeface="Cambria Math" panose="02040503050406030204" pitchFamily="18" charset="0"/>
+                                    </a:rPr>
+                                    <m:t>𝐶</m:t>
+                                  </m:r>
+                                  <m:r>
+                                    <a:rPr kumimoji="1" lang="en-US" altLang="ja-JP" sz="1600" b="0" i="1" smtClean="0">
+                                      <a:latin typeface="Cambria Math" panose="02040503050406030204" pitchFamily="18" charset="0"/>
+                                    </a:rPr>
+                                    <m:t>2</m:t>
+                                  </m:r>
+                                </m:sub>
+                              </m:sSub>
+                              <m:r>
+                                <a:rPr kumimoji="1" lang="en-US" altLang="ja-JP" sz="1600" b="0" i="1" smtClean="0">
+                                  <a:latin typeface="Cambria Math" panose="02040503050406030204" pitchFamily="18" charset="0"/>
+                                </a:rPr>
+                                <m:t>+</m:t>
+                              </m:r>
+                              <m:sSub>
+                                <m:sSubPr>
+                                  <m:ctrlPr>
+                                    <a:rPr kumimoji="1" lang="en-US" altLang="ja-JP" sz="1600" b="0" i="1" smtClean="0">
+                                      <a:latin typeface="Cambria Math" panose="02040503050406030204" pitchFamily="18" charset="0"/>
+                                    </a:rPr>
+                                  </m:ctrlPr>
+                                </m:sSubPr>
+                                <m:e>
+                                  <m:r>
+                                    <a:rPr kumimoji="1" lang="en-US" altLang="ja-JP" sz="1600" b="0" i="1" smtClean="0">
+                                      <a:latin typeface="Cambria Math" panose="02040503050406030204" pitchFamily="18" charset="0"/>
+                                    </a:rPr>
+                                    <m:t>𝑔</m:t>
+                                  </m:r>
+                                </m:e>
+                                <m:sub>
+                                  <m:r>
+                                    <a:rPr kumimoji="1" lang="en-US" altLang="ja-JP" sz="1600" b="0" i="1" smtClean="0">
+                                      <a:latin typeface="Cambria Math" panose="02040503050406030204" pitchFamily="18" charset="0"/>
+                                    </a:rPr>
+                                    <m:t>𝑐𝑒</m:t>
+                                  </m:r>
+                                  <m:r>
+                                    <a:rPr kumimoji="1" lang="en-US" altLang="ja-JP" sz="1600" b="0" i="1" smtClean="0">
+                                      <a:latin typeface="Cambria Math" panose="02040503050406030204" pitchFamily="18" charset="0"/>
+                                    </a:rPr>
+                                    <m:t>2</m:t>
+                                  </m:r>
+                                </m:sub>
+                              </m:sSub>
+                            </m:e>
+                          </m:d>
+                          <m:r>
+                            <a:rPr kumimoji="1" lang="en-US" altLang="ja-JP" sz="1600" b="0" i="1" smtClean="0">
+                              <a:latin typeface="Cambria Math" panose="02040503050406030204" pitchFamily="18" charset="0"/>
+                            </a:rPr>
+                            <m:t>+</m:t>
+                          </m:r>
+                          <m:r>
+                            <a:rPr kumimoji="1" lang="en-US" altLang="ja-JP" sz="1600" b="0" i="1" smtClean="0">
+                              <a:latin typeface="Cambria Math" panose="02040503050406030204" pitchFamily="18" charset="0"/>
+                            </a:rPr>
+                            <m:t>𝑗</m:t>
+                          </m:r>
+                          <m:r>
+                            <a:rPr kumimoji="1" lang="en-US" altLang="ja-JP" sz="1600" b="0" i="1" smtClean="0">
+                              <a:latin typeface="Cambria Math" panose="02040503050406030204" pitchFamily="18" charset="0"/>
+                            </a:rPr>
+                            <m:t>𝜔</m:t>
+                          </m:r>
+                          <m:sSub>
+                            <m:sSubPr>
+                              <m:ctrlPr>
+                                <a:rPr kumimoji="1" lang="en-US" altLang="ja-JP" sz="1600" b="0" i="1" smtClean="0">
+                                  <a:latin typeface="Cambria Math" panose="02040503050406030204" pitchFamily="18" charset="0"/>
+                                </a:rPr>
+                              </m:ctrlPr>
+                            </m:sSubPr>
+                            <m:e>
+                              <m:r>
+                                <a:rPr kumimoji="1" lang="en-US" altLang="ja-JP" sz="1600" b="0" i="1" smtClean="0">
+                                  <a:latin typeface="Cambria Math" panose="02040503050406030204" pitchFamily="18" charset="0"/>
+                                </a:rPr>
+                                <m:t>𝐶</m:t>
+                              </m:r>
+                            </m:e>
+                            <m:sub>
+                              <m:r>
+                                <a:rPr kumimoji="1" lang="en-US" altLang="ja-JP" sz="1600" b="0" i="1" smtClean="0">
+                                  <a:latin typeface="Cambria Math" panose="02040503050406030204" pitchFamily="18" charset="0"/>
+                                </a:rPr>
+                                <m:t>𝑗𝑐</m:t>
+                              </m:r>
+                              <m:r>
+                                <a:rPr kumimoji="1" lang="en-US" altLang="ja-JP" sz="1600" b="0" i="1" smtClean="0">
+                                  <a:latin typeface="Cambria Math" panose="02040503050406030204" pitchFamily="18" charset="0"/>
+                                </a:rPr>
+                                <m:t>2</m:t>
+                              </m:r>
+                            </m:sub>
+                          </m:sSub>
+                          <m:sSub>
+                            <m:sSubPr>
+                              <m:ctrlPr>
+                                <a:rPr kumimoji="1" lang="en-US" altLang="ja-JP" sz="1600" b="0" i="1" smtClean="0">
+                                  <a:latin typeface="Cambria Math" panose="02040503050406030204" pitchFamily="18" charset="0"/>
+                                </a:rPr>
+                              </m:ctrlPr>
+                            </m:sSubPr>
+                            <m:e>
+                              <m:r>
+                                <a:rPr kumimoji="1" lang="en-US" altLang="ja-JP" sz="1600" b="0" i="1" smtClean="0">
+                                  <a:latin typeface="Cambria Math" panose="02040503050406030204" pitchFamily="18" charset="0"/>
+                                </a:rPr>
+                                <m:t>𝑔</m:t>
+                              </m:r>
+                            </m:e>
+                            <m:sub>
+                              <m:r>
+                                <a:rPr kumimoji="1" lang="en-US" altLang="ja-JP" sz="1600" b="0" i="1" smtClean="0">
+                                  <a:latin typeface="Cambria Math" panose="02040503050406030204" pitchFamily="18" charset="0"/>
+                                </a:rPr>
+                                <m:t>𝑚</m:t>
+                              </m:r>
+                              <m:r>
+                                <a:rPr kumimoji="1" lang="en-US" altLang="ja-JP" sz="1600" b="0" i="1" smtClean="0">
+                                  <a:latin typeface="Cambria Math" panose="02040503050406030204" pitchFamily="18" charset="0"/>
+                                </a:rPr>
+                                <m:t>1</m:t>
+                              </m:r>
+                            </m:sub>
+                          </m:sSub>
+                          <m:sSub>
+                            <m:sSubPr>
+                              <m:ctrlPr>
+                                <a:rPr kumimoji="1" lang="en-US" altLang="ja-JP" sz="1600" b="0" i="1" smtClean="0">
+                                  <a:latin typeface="Cambria Math" panose="02040503050406030204" pitchFamily="18" charset="0"/>
+                                </a:rPr>
+                              </m:ctrlPr>
+                            </m:sSubPr>
+                            <m:e>
+                              <m:r>
+                                <a:rPr kumimoji="1" lang="en-US" altLang="ja-JP" sz="1600" b="0" i="1" smtClean="0">
+                                  <a:latin typeface="Cambria Math" panose="02040503050406030204" pitchFamily="18" charset="0"/>
+                                </a:rPr>
+                                <m:t>𝑔</m:t>
+                              </m:r>
+                            </m:e>
+                            <m:sub>
+                              <m:r>
+                                <a:rPr kumimoji="1" lang="en-US" altLang="ja-JP" sz="1600" b="0" i="1" smtClean="0">
+                                  <a:latin typeface="Cambria Math" panose="02040503050406030204" pitchFamily="18" charset="0"/>
+                                </a:rPr>
+                                <m:t>𝑐𝑒</m:t>
+                              </m:r>
+                              <m:r>
+                                <a:rPr kumimoji="1" lang="en-US" altLang="ja-JP" sz="1600" b="0" i="1" smtClean="0">
+                                  <a:latin typeface="Cambria Math" panose="02040503050406030204" pitchFamily="18" charset="0"/>
+                                </a:rPr>
+                                <m:t>1</m:t>
+                              </m:r>
+                            </m:sub>
+                          </m:sSub>
+                        </m:den>
+                      </m:f>
+                    </m:oMath>
+                  </m:oMathPara>
+                </a14:m>
+                <a:endParaRPr kumimoji="1" lang="en-US" altLang="ja-JP" sz="1600" dirty="0">
+                  <a:latin typeface="Times Newer Roman" panose="00000500000000000000" pitchFamily="50" charset="0"/>
+                </a:endParaRPr>
+              </a:p>
+              <a:p>
+                <a14:m>
+                  <m:oMathPara xmlns:m="http://schemas.openxmlformats.org/officeDocument/2006/math">
+                    <m:oMathParaPr>
+                      <m:jc m:val="centerGroup"/>
+                    </m:oMathParaPr>
+                    <m:oMath xmlns:m="http://schemas.openxmlformats.org/officeDocument/2006/math">
+                      <m:r>
+                        <a:rPr kumimoji="1" lang="en-US" altLang="ja-JP" sz="1600" b="0" i="1" smtClean="0">
+                          <a:latin typeface="Cambria Math" panose="02040503050406030204" pitchFamily="18" charset="0"/>
+                        </a:rPr>
+                        <m:t>                                                                −</m:t>
+                      </m:r>
+                      <m:f>
+                        <m:fPr>
+                          <m:ctrlPr>
+                            <a:rPr kumimoji="1" lang="en-US" altLang="ja-JP" sz="1600" b="0" i="1" smtClean="0">
+                              <a:latin typeface="Cambria Math" panose="02040503050406030204" pitchFamily="18" charset="0"/>
+                            </a:rPr>
+                          </m:ctrlPr>
+                        </m:fPr>
+                        <m:num>
+                          <m:sSup>
+                            <m:sSupPr>
+                              <m:ctrlPr>
+                                <a:rPr lang="en-US" altLang="ja-JP" sz="1600" i="1">
+                                  <a:latin typeface="Cambria Math" panose="02040503050406030204" pitchFamily="18" charset="0"/>
+                                </a:rPr>
+                              </m:ctrlPr>
+                            </m:sSupPr>
+                            <m:e>
+                              <m:r>
+                                <a:rPr lang="en-US" altLang="ja-JP" sz="1600" i="1">
+                                  <a:latin typeface="Cambria Math" panose="02040503050406030204" pitchFamily="18" charset="0"/>
+                                </a:rPr>
+                                <m:t>𝜔</m:t>
+                              </m:r>
+                            </m:e>
+                            <m:sup>
+                              <m:r>
+                                <a:rPr lang="en-US" altLang="ja-JP" sz="1600" i="1">
+                                  <a:latin typeface="Cambria Math" panose="02040503050406030204" pitchFamily="18" charset="0"/>
+                                </a:rPr>
+                                <m:t>2</m:t>
+                              </m:r>
+                            </m:sup>
+                          </m:sSup>
+                          <m:d>
+                            <m:dPr>
+                              <m:begChr m:val=""/>
+                              <m:endChr m:val="}"/>
+                              <m:ctrlPr>
+                                <a:rPr lang="en-US" altLang="ja-JP" sz="1600" i="1">
+                                  <a:latin typeface="Cambria Math" panose="02040503050406030204" pitchFamily="18" charset="0"/>
+                                </a:rPr>
+                              </m:ctrlPr>
+                            </m:dPr>
+                            <m:e>
+                              <m:d>
+                                <m:dPr>
+                                  <m:begChr m:val="{"/>
+                                  <m:endChr m:val=""/>
+                                  <m:ctrlPr>
+                                    <a:rPr lang="en-US" altLang="ja-JP" sz="1600" i="1">
+                                      <a:latin typeface="Cambria Math" panose="02040503050406030204" pitchFamily="18" charset="0"/>
+                                    </a:rPr>
+                                  </m:ctrlPr>
+                                </m:dPr>
+                                <m:e>
+                                  <m:sSub>
+                                    <m:sSubPr>
+                                      <m:ctrlPr>
+                                        <a:rPr lang="en-US" altLang="ja-JP" sz="1600" i="1">
+                                          <a:latin typeface="Cambria Math" panose="02040503050406030204" pitchFamily="18" charset="0"/>
+                                        </a:rPr>
+                                      </m:ctrlPr>
+                                    </m:sSubPr>
+                                    <m:e>
+                                      <m:r>
+                                        <a:rPr lang="en-US" altLang="ja-JP" sz="1600" i="1">
+                                          <a:latin typeface="Cambria Math" panose="02040503050406030204" pitchFamily="18" charset="0"/>
+                                        </a:rPr>
+                                        <m:t>𝐶</m:t>
+                                      </m:r>
+                                    </m:e>
+                                    <m:sub>
+                                      <m:r>
+                                        <a:rPr lang="en-US" altLang="ja-JP" sz="1600" i="1">
+                                          <a:latin typeface="Cambria Math" panose="02040503050406030204" pitchFamily="18" charset="0"/>
+                                        </a:rPr>
+                                        <m:t>𝑗𝑐</m:t>
+                                      </m:r>
+                                      <m:r>
+                                        <a:rPr lang="en-US" altLang="ja-JP" sz="1600" i="1">
+                                          <a:latin typeface="Cambria Math" panose="02040503050406030204" pitchFamily="18" charset="0"/>
+                                        </a:rPr>
+                                        <m:t>2</m:t>
+                                      </m:r>
+                                    </m:sub>
+                                  </m:sSub>
+                                  <m:d>
+                                    <m:dPr>
+                                      <m:ctrlPr>
+                                        <a:rPr lang="en-US" altLang="ja-JP" sz="1600" i="1">
+                                          <a:latin typeface="Cambria Math" panose="02040503050406030204" pitchFamily="18" charset="0"/>
+                                        </a:rPr>
+                                      </m:ctrlPr>
+                                    </m:dPr>
+                                    <m:e>
+                                      <m:sSub>
+                                        <m:sSubPr>
+                                          <m:ctrlPr>
+                                            <a:rPr lang="en-US" altLang="ja-JP" sz="1600" i="1">
+                                              <a:latin typeface="Cambria Math" panose="02040503050406030204" pitchFamily="18" charset="0"/>
+                                            </a:rPr>
+                                          </m:ctrlPr>
+                                        </m:sSubPr>
+                                        <m:e>
+                                          <m:r>
+                                            <a:rPr lang="en-US" altLang="ja-JP" sz="1600" i="1">
+                                              <a:latin typeface="Cambria Math" panose="02040503050406030204" pitchFamily="18" charset="0"/>
+                                            </a:rPr>
+                                            <m:t>𝐺</m:t>
+                                          </m:r>
+                                        </m:e>
+                                        <m:sub>
+                                          <m:r>
+                                            <a:rPr lang="en-US" altLang="ja-JP" sz="1600" i="1">
+                                              <a:latin typeface="Cambria Math" panose="02040503050406030204" pitchFamily="18" charset="0"/>
+                                            </a:rPr>
+                                            <m:t>1</m:t>
+                                          </m:r>
+                                        </m:sub>
+                                      </m:sSub>
+                                      <m:sSub>
+                                        <m:sSubPr>
+                                          <m:ctrlPr>
+                                            <a:rPr lang="en-US" altLang="ja-JP" sz="1600" i="1">
+                                              <a:latin typeface="Cambria Math" panose="02040503050406030204" pitchFamily="18" charset="0"/>
+                                            </a:rPr>
+                                          </m:ctrlPr>
+                                        </m:sSubPr>
+                                        <m:e>
+                                          <m:r>
+                                            <a:rPr lang="en-US" altLang="ja-JP" sz="1600" i="1">
+                                              <a:latin typeface="Cambria Math" panose="02040503050406030204" pitchFamily="18" charset="0"/>
+                                            </a:rPr>
+                                            <m:t>𝐶</m:t>
+                                          </m:r>
+                                        </m:e>
+                                        <m:sub>
+                                          <m:r>
+                                            <a:rPr lang="en-US" altLang="ja-JP" sz="1600" i="1">
+                                              <a:latin typeface="Cambria Math" panose="02040503050406030204" pitchFamily="18" charset="0"/>
+                                            </a:rPr>
+                                            <m:t>2</m:t>
+                                          </m:r>
+                                        </m:sub>
+                                      </m:sSub>
+                                      <m:r>
+                                        <a:rPr lang="en-US" altLang="ja-JP" sz="1600" i="1">
+                                          <a:latin typeface="Cambria Math" panose="02040503050406030204" pitchFamily="18" charset="0"/>
+                                        </a:rPr>
+                                        <m:t>+</m:t>
+                                      </m:r>
+                                      <m:sSub>
+                                        <m:sSubPr>
+                                          <m:ctrlPr>
+                                            <a:rPr lang="en-US" altLang="ja-JP" sz="1600" i="1">
+                                              <a:latin typeface="Cambria Math" panose="02040503050406030204" pitchFamily="18" charset="0"/>
+                                            </a:rPr>
+                                          </m:ctrlPr>
+                                        </m:sSubPr>
+                                        <m:e>
+                                          <m:r>
+                                            <a:rPr lang="en-US" altLang="ja-JP" sz="1600" i="1">
+                                              <a:latin typeface="Cambria Math" panose="02040503050406030204" pitchFamily="18" charset="0"/>
+                                            </a:rPr>
+                                            <m:t>𝐺</m:t>
+                                          </m:r>
+                                        </m:e>
+                                        <m:sub>
+                                          <m:r>
+                                            <a:rPr lang="en-US" altLang="ja-JP" sz="1600" i="1">
+                                              <a:latin typeface="Cambria Math" panose="02040503050406030204" pitchFamily="18" charset="0"/>
+                                            </a:rPr>
+                                            <m:t>2</m:t>
+                                          </m:r>
+                                        </m:sub>
+                                      </m:sSub>
+                                      <m:sSub>
+                                        <m:sSubPr>
+                                          <m:ctrlPr>
+                                            <a:rPr lang="en-US" altLang="ja-JP" sz="1600" i="1">
+                                              <a:latin typeface="Cambria Math" panose="02040503050406030204" pitchFamily="18" charset="0"/>
+                                            </a:rPr>
+                                          </m:ctrlPr>
+                                        </m:sSubPr>
+                                        <m:e>
+                                          <m:r>
+                                            <a:rPr lang="en-US" altLang="ja-JP" sz="1600" i="1">
+                                              <a:latin typeface="Cambria Math" panose="02040503050406030204" pitchFamily="18" charset="0"/>
+                                            </a:rPr>
+                                            <m:t>𝐶</m:t>
+                                          </m:r>
+                                        </m:e>
+                                        <m:sub>
+                                          <m:r>
+                                            <a:rPr lang="en-US" altLang="ja-JP" sz="1600" i="1">
+                                              <a:latin typeface="Cambria Math" panose="02040503050406030204" pitchFamily="18" charset="0"/>
+                                            </a:rPr>
+                                            <m:t>1</m:t>
+                                          </m:r>
+                                        </m:sub>
+                                      </m:sSub>
+                                      <m:r>
+                                        <a:rPr lang="en-US" altLang="ja-JP" sz="1600" i="1">
+                                          <a:latin typeface="Cambria Math" panose="02040503050406030204" pitchFamily="18" charset="0"/>
+                                        </a:rPr>
+                                        <m:t>−</m:t>
+                                      </m:r>
+                                      <m:sSub>
+                                        <m:sSubPr>
+                                          <m:ctrlPr>
+                                            <a:rPr lang="en-US" altLang="ja-JP" sz="1600" i="1">
+                                              <a:latin typeface="Cambria Math" panose="02040503050406030204" pitchFamily="18" charset="0"/>
+                                            </a:rPr>
+                                          </m:ctrlPr>
+                                        </m:sSubPr>
+                                        <m:e>
+                                          <m:r>
+                                            <a:rPr lang="en-US" altLang="ja-JP" sz="1600" i="1">
+                                              <a:latin typeface="Cambria Math" panose="02040503050406030204" pitchFamily="18" charset="0"/>
+                                            </a:rPr>
+                                            <m:t>𝐶</m:t>
+                                          </m:r>
+                                        </m:e>
+                                        <m:sub>
+                                          <m:r>
+                                            <a:rPr lang="en-US" altLang="ja-JP" sz="1600" i="1">
+                                              <a:latin typeface="Cambria Math" panose="02040503050406030204" pitchFamily="18" charset="0"/>
+                                            </a:rPr>
+                                            <m:t>2</m:t>
+                                          </m:r>
+                                        </m:sub>
+                                      </m:sSub>
+                                      <m:sSub>
+                                        <m:sSubPr>
+                                          <m:ctrlPr>
+                                            <a:rPr lang="en-US" altLang="ja-JP" sz="1600" i="1">
+                                              <a:latin typeface="Cambria Math" panose="02040503050406030204" pitchFamily="18" charset="0"/>
+                                            </a:rPr>
+                                          </m:ctrlPr>
+                                        </m:sSubPr>
+                                        <m:e>
+                                          <m:r>
+                                            <a:rPr lang="en-US" altLang="ja-JP" sz="1600" i="1">
+                                              <a:latin typeface="Cambria Math" panose="02040503050406030204" pitchFamily="18" charset="0"/>
+                                            </a:rPr>
+                                            <m:t>𝑔</m:t>
+                                          </m:r>
+                                        </m:e>
+                                        <m:sub>
+                                          <m:r>
+                                            <a:rPr lang="en-US" altLang="ja-JP" sz="1600" i="1">
+                                              <a:latin typeface="Cambria Math" panose="02040503050406030204" pitchFamily="18" charset="0"/>
+                                            </a:rPr>
+                                            <m:t>𝑐𝑒</m:t>
+                                          </m:r>
+                                          <m:r>
+                                            <a:rPr lang="en-US" altLang="ja-JP" sz="1600" i="1">
+                                              <a:latin typeface="Cambria Math" panose="02040503050406030204" pitchFamily="18" charset="0"/>
+                                            </a:rPr>
+                                            <m:t>1</m:t>
+                                          </m:r>
+                                        </m:sub>
+                                      </m:sSub>
+                                    </m:e>
+                                  </m:d>
+                                  <m:r>
+                                    <a:rPr lang="en-US" altLang="ja-JP" sz="1600" i="1">
+                                      <a:latin typeface="Cambria Math" panose="02040503050406030204" pitchFamily="18" charset="0"/>
+                                    </a:rPr>
+                                    <m:t>−</m:t>
+                                  </m:r>
+                                  <m:sSub>
+                                    <m:sSubPr>
+                                      <m:ctrlPr>
+                                        <a:rPr lang="en-US" altLang="ja-JP" sz="1600" i="1">
+                                          <a:latin typeface="Cambria Math" panose="02040503050406030204" pitchFamily="18" charset="0"/>
+                                        </a:rPr>
+                                      </m:ctrlPr>
+                                    </m:sSubPr>
+                                    <m:e>
+                                      <m:r>
+                                        <a:rPr lang="en-US" altLang="ja-JP" sz="1600" i="1">
+                                          <a:latin typeface="Cambria Math" panose="02040503050406030204" pitchFamily="18" charset="0"/>
+                                        </a:rPr>
+                                        <m:t>𝐶</m:t>
+                                      </m:r>
+                                    </m:e>
+                                    <m:sub>
+                                      <m:r>
+                                        <a:rPr lang="en-US" altLang="ja-JP" sz="1600" i="1">
+                                          <a:latin typeface="Cambria Math" panose="02040503050406030204" pitchFamily="18" charset="0"/>
+                                        </a:rPr>
+                                        <m:t>1</m:t>
+                                      </m:r>
+                                    </m:sub>
+                                  </m:sSub>
+                                  <m:sSub>
+                                    <m:sSubPr>
+                                      <m:ctrlPr>
+                                        <a:rPr lang="en-US" altLang="ja-JP" sz="1600" i="1">
+                                          <a:latin typeface="Cambria Math" panose="02040503050406030204" pitchFamily="18" charset="0"/>
+                                        </a:rPr>
+                                      </m:ctrlPr>
+                                    </m:sSubPr>
+                                    <m:e>
+                                      <m:r>
+                                        <a:rPr lang="en-US" altLang="ja-JP" sz="1600" i="1">
+                                          <a:latin typeface="Cambria Math" panose="02040503050406030204" pitchFamily="18" charset="0"/>
+                                        </a:rPr>
+                                        <m:t>𝐶</m:t>
+                                      </m:r>
+                                    </m:e>
+                                    <m:sub>
+                                      <m:r>
+                                        <a:rPr lang="en-US" altLang="ja-JP" sz="1600" i="1">
+                                          <a:latin typeface="Cambria Math" panose="02040503050406030204" pitchFamily="18" charset="0"/>
+                                        </a:rPr>
+                                        <m:t>2</m:t>
+                                      </m:r>
+                                    </m:sub>
+                                  </m:sSub>
+                                  <m:d>
+                                    <m:dPr>
+                                      <m:ctrlPr>
+                                        <a:rPr lang="en-US" altLang="ja-JP" sz="1600" i="1">
+                                          <a:latin typeface="Cambria Math" panose="02040503050406030204" pitchFamily="18" charset="0"/>
+                                        </a:rPr>
+                                      </m:ctrlPr>
+                                    </m:dPr>
+                                    <m:e>
+                                      <m:sSub>
+                                        <m:sSubPr>
+                                          <m:ctrlPr>
+                                            <a:rPr lang="en-US" altLang="ja-JP" sz="1600" i="1">
+                                              <a:latin typeface="Cambria Math" panose="02040503050406030204" pitchFamily="18" charset="0"/>
+                                            </a:rPr>
+                                          </m:ctrlPr>
+                                        </m:sSubPr>
+                                        <m:e>
+                                          <m:r>
+                                            <a:rPr lang="en-US" altLang="ja-JP" sz="1600" i="1">
+                                              <a:latin typeface="Cambria Math" panose="02040503050406030204" pitchFamily="18" charset="0"/>
+                                            </a:rPr>
+                                            <m:t>𝐺</m:t>
+                                          </m:r>
+                                        </m:e>
+                                        <m:sub>
+                                          <m:r>
+                                            <a:rPr lang="en-US" altLang="ja-JP" sz="1600" i="1">
+                                              <a:latin typeface="Cambria Math" panose="02040503050406030204" pitchFamily="18" charset="0"/>
+                                            </a:rPr>
+                                            <m:t>𝐶</m:t>
+                                          </m:r>
+                                          <m:r>
+                                            <a:rPr lang="en-US" altLang="ja-JP" sz="1600" i="1">
+                                              <a:latin typeface="Cambria Math" panose="02040503050406030204" pitchFamily="18" charset="0"/>
+                                            </a:rPr>
+                                            <m:t>2</m:t>
+                                          </m:r>
+                                        </m:sub>
+                                      </m:sSub>
+                                      <m:r>
+                                        <a:rPr lang="en-US" altLang="ja-JP" sz="1600" i="1">
+                                          <a:latin typeface="Cambria Math" panose="02040503050406030204" pitchFamily="18" charset="0"/>
+                                        </a:rPr>
+                                        <m:t>+</m:t>
+                                      </m:r>
+                                      <m:sSub>
+                                        <m:sSubPr>
+                                          <m:ctrlPr>
+                                            <a:rPr lang="en-US" altLang="ja-JP" sz="1600" i="1">
+                                              <a:latin typeface="Cambria Math" panose="02040503050406030204" pitchFamily="18" charset="0"/>
+                                            </a:rPr>
+                                          </m:ctrlPr>
+                                        </m:sSubPr>
+                                        <m:e>
+                                          <m:r>
+                                            <a:rPr lang="en-US" altLang="ja-JP" sz="1600" i="1">
+                                              <a:latin typeface="Cambria Math" panose="02040503050406030204" pitchFamily="18" charset="0"/>
+                                            </a:rPr>
+                                            <m:t>𝑔</m:t>
+                                          </m:r>
+                                        </m:e>
+                                        <m:sub>
+                                          <m:r>
+                                            <a:rPr lang="en-US" altLang="ja-JP" sz="1600" i="1">
+                                              <a:latin typeface="Cambria Math" panose="02040503050406030204" pitchFamily="18" charset="0"/>
+                                            </a:rPr>
+                                            <m:t>𝑐𝑒</m:t>
+                                          </m:r>
+                                          <m:r>
+                                            <a:rPr lang="en-US" altLang="ja-JP" sz="1600" i="1">
+                                              <a:latin typeface="Cambria Math" panose="02040503050406030204" pitchFamily="18" charset="0"/>
+                                            </a:rPr>
+                                            <m:t>2</m:t>
+                                          </m:r>
+                                        </m:sub>
+                                      </m:sSub>
+                                    </m:e>
+                                  </m:d>
+                                  <m:r>
+                                    <a:rPr lang="en-US" altLang="ja-JP" sz="1600" i="1">
+                                      <a:latin typeface="Cambria Math" panose="02040503050406030204" pitchFamily="18" charset="0"/>
+                                    </a:rPr>
+                                    <m:t>+</m:t>
+                                  </m:r>
+                                  <m:sSub>
+                                    <m:sSubPr>
+                                      <m:ctrlPr>
+                                        <a:rPr lang="en-US" altLang="ja-JP" sz="1600" i="1">
+                                          <a:latin typeface="Cambria Math" panose="02040503050406030204" pitchFamily="18" charset="0"/>
+                                        </a:rPr>
+                                      </m:ctrlPr>
+                                    </m:sSubPr>
+                                    <m:e>
+                                      <m:r>
+                                        <a:rPr lang="en-US" altLang="ja-JP" sz="1600" i="1">
+                                          <a:latin typeface="Cambria Math" panose="02040503050406030204" pitchFamily="18" charset="0"/>
+                                        </a:rPr>
+                                        <m:t>𝐶</m:t>
+                                      </m:r>
+                                    </m:e>
+                                    <m:sub>
+                                      <m:r>
+                                        <a:rPr lang="en-US" altLang="ja-JP" sz="1600" i="1">
+                                          <a:latin typeface="Cambria Math" panose="02040503050406030204" pitchFamily="18" charset="0"/>
+                                        </a:rPr>
+                                        <m:t>1</m:t>
+                                      </m:r>
+                                    </m:sub>
+                                  </m:sSub>
+                                  <m:sSub>
+                                    <m:sSubPr>
+                                      <m:ctrlPr>
+                                        <a:rPr lang="en-US" altLang="ja-JP" sz="1600" i="1">
+                                          <a:latin typeface="Cambria Math" panose="02040503050406030204" pitchFamily="18" charset="0"/>
+                                        </a:rPr>
+                                      </m:ctrlPr>
+                                    </m:sSubPr>
+                                    <m:e>
+                                      <m:r>
+                                        <a:rPr lang="en-US" altLang="ja-JP" sz="1600" i="1">
+                                          <a:latin typeface="Cambria Math" panose="02040503050406030204" pitchFamily="18" charset="0"/>
+                                        </a:rPr>
+                                        <m:t>𝐶</m:t>
+                                      </m:r>
+                                    </m:e>
+                                    <m:sub>
+                                      <m:r>
+                                        <a:rPr lang="en-US" altLang="ja-JP" sz="1600" i="1">
+                                          <a:latin typeface="Cambria Math" panose="02040503050406030204" pitchFamily="18" charset="0"/>
+                                        </a:rPr>
+                                        <m:t>𝑗𝑐</m:t>
+                                      </m:r>
+                                      <m:r>
+                                        <a:rPr lang="en-US" altLang="ja-JP" sz="1600" i="1">
+                                          <a:latin typeface="Cambria Math" panose="02040503050406030204" pitchFamily="18" charset="0"/>
+                                        </a:rPr>
+                                        <m:t>2</m:t>
+                                      </m:r>
+                                    </m:sub>
+                                  </m:sSub>
+                                  <m:sSub>
+                                    <m:sSubPr>
+                                      <m:ctrlPr>
+                                        <a:rPr lang="en-US" altLang="ja-JP" sz="1600" i="1">
+                                          <a:latin typeface="Cambria Math" panose="02040503050406030204" pitchFamily="18" charset="0"/>
+                                        </a:rPr>
+                                      </m:ctrlPr>
+                                    </m:sSubPr>
+                                    <m:e>
+                                      <m:r>
+                                        <a:rPr lang="en-US" altLang="ja-JP" sz="1600" i="1">
+                                          <a:latin typeface="Cambria Math" panose="02040503050406030204" pitchFamily="18" charset="0"/>
+                                        </a:rPr>
+                                        <m:t>𝑔</m:t>
+                                      </m:r>
+                                    </m:e>
+                                    <m:sub>
+                                      <m:r>
+                                        <a:rPr lang="en-US" altLang="ja-JP" sz="1600" i="1">
+                                          <a:latin typeface="Cambria Math" panose="02040503050406030204" pitchFamily="18" charset="0"/>
+                                        </a:rPr>
+                                        <m:t>𝑚</m:t>
+                                      </m:r>
+                                      <m:r>
+                                        <a:rPr lang="en-US" altLang="ja-JP" sz="1600" i="1">
+                                          <a:latin typeface="Cambria Math" panose="02040503050406030204" pitchFamily="18" charset="0"/>
+                                        </a:rPr>
+                                        <m:t>2</m:t>
+                                      </m:r>
+                                    </m:sub>
+                                  </m:sSub>
+                                  <m:r>
+                                    <a:rPr lang="en-US" altLang="ja-JP" sz="1600" i="1">
+                                      <a:latin typeface="Cambria Math" panose="02040503050406030204" pitchFamily="18" charset="0"/>
+                                    </a:rPr>
+                                    <m:t>−</m:t>
+                                  </m:r>
+                                  <m:sSub>
+                                    <m:sSubPr>
+                                      <m:ctrlPr>
+                                        <a:rPr lang="en-US" altLang="ja-JP" sz="1600" i="1">
+                                          <a:latin typeface="Cambria Math" panose="02040503050406030204" pitchFamily="18" charset="0"/>
+                                        </a:rPr>
+                                      </m:ctrlPr>
+                                    </m:sSubPr>
+                                    <m:e>
+                                      <m:r>
+                                        <a:rPr lang="en-US" altLang="ja-JP" sz="1600" i="1">
+                                          <a:latin typeface="Cambria Math" panose="02040503050406030204" pitchFamily="18" charset="0"/>
+                                        </a:rPr>
+                                        <m:t>𝐺</m:t>
+                                      </m:r>
+                                    </m:e>
+                                    <m:sub>
+                                      <m:r>
+                                        <a:rPr lang="en-US" altLang="ja-JP" sz="1600" i="1">
+                                          <a:latin typeface="Cambria Math" panose="02040503050406030204" pitchFamily="18" charset="0"/>
+                                        </a:rPr>
+                                        <m:t>1</m:t>
+                                      </m:r>
+                                    </m:sub>
+                                  </m:sSub>
+                                  <m:sSubSup>
+                                    <m:sSubSupPr>
+                                      <m:ctrlPr>
+                                        <a:rPr lang="en-US" altLang="ja-JP" sz="1600" i="1">
+                                          <a:latin typeface="Cambria Math" panose="02040503050406030204" pitchFamily="18" charset="0"/>
+                                        </a:rPr>
+                                      </m:ctrlPr>
+                                    </m:sSubSupPr>
+                                    <m:e>
+                                      <m:r>
+                                        <a:rPr lang="en-US" altLang="ja-JP" sz="1600" i="1">
+                                          <a:latin typeface="Cambria Math" panose="02040503050406030204" pitchFamily="18" charset="0"/>
+                                        </a:rPr>
+                                        <m:t>𝐶</m:t>
+                                      </m:r>
+                                    </m:e>
+                                    <m:sub>
+                                      <m:r>
+                                        <a:rPr lang="en-US" altLang="ja-JP" sz="1600" i="1">
+                                          <a:latin typeface="Cambria Math" panose="02040503050406030204" pitchFamily="18" charset="0"/>
+                                        </a:rPr>
+                                        <m:t>𝑗𝑐</m:t>
+                                      </m:r>
+                                      <m:r>
+                                        <a:rPr lang="en-US" altLang="ja-JP" sz="1600" i="1">
+                                          <a:latin typeface="Cambria Math" panose="02040503050406030204" pitchFamily="18" charset="0"/>
+                                        </a:rPr>
+                                        <m:t>2</m:t>
+                                      </m:r>
+                                    </m:sub>
+                                    <m:sup>
+                                      <m:r>
+                                        <a:rPr lang="en-US" altLang="ja-JP" sz="1600" i="1">
+                                          <a:latin typeface="Cambria Math" panose="02040503050406030204" pitchFamily="18" charset="0"/>
+                                        </a:rPr>
+                                        <m:t>2</m:t>
+                                      </m:r>
+                                    </m:sup>
+                                  </m:sSubSup>
+                                </m:e>
+                              </m:d>
+                            </m:e>
+                          </m:d>
+                        </m:num>
+                        <m:den>
+                          <m:sSub>
+                            <m:sSubPr>
+                              <m:ctrlPr>
+                                <a:rPr lang="en-US" altLang="ja-JP" sz="1600" i="1">
+                                  <a:latin typeface="Cambria Math" panose="02040503050406030204" pitchFamily="18" charset="0"/>
+                                </a:rPr>
+                              </m:ctrlPr>
+                            </m:sSubPr>
+                            <m:e>
+                              <m:r>
+                                <a:rPr lang="en-US" altLang="ja-JP" sz="1600" i="1">
+                                  <a:latin typeface="Cambria Math" panose="02040503050406030204" pitchFamily="18" charset="0"/>
+                                </a:rPr>
+                                <m:t>𝑔</m:t>
+                              </m:r>
+                            </m:e>
+                            <m:sub>
+                              <m:r>
+                                <a:rPr lang="en-US" altLang="ja-JP" sz="1600" i="1">
+                                  <a:latin typeface="Cambria Math" panose="02040503050406030204" pitchFamily="18" charset="0"/>
+                                </a:rPr>
+                                <m:t>𝑚</m:t>
+                              </m:r>
+                              <m:r>
+                                <a:rPr lang="en-US" altLang="ja-JP" sz="1600" i="1">
+                                  <a:latin typeface="Cambria Math" panose="02040503050406030204" pitchFamily="18" charset="0"/>
+                                </a:rPr>
+                                <m:t>1</m:t>
+                              </m:r>
+                            </m:sub>
+                          </m:sSub>
+                          <m:sSub>
+                            <m:sSubPr>
+                              <m:ctrlPr>
+                                <a:rPr lang="en-US" altLang="ja-JP" sz="1600" i="1">
+                                  <a:latin typeface="Cambria Math" panose="02040503050406030204" pitchFamily="18" charset="0"/>
+                                </a:rPr>
+                              </m:ctrlPr>
+                            </m:sSubPr>
+                            <m:e>
+                              <m:r>
+                                <a:rPr lang="en-US" altLang="ja-JP" sz="1600" i="1">
+                                  <a:latin typeface="Cambria Math" panose="02040503050406030204" pitchFamily="18" charset="0"/>
+                                </a:rPr>
+                                <m:t>𝑔</m:t>
+                              </m:r>
+                            </m:e>
+                            <m:sub>
+                              <m:r>
+                                <a:rPr lang="en-US" altLang="ja-JP" sz="1600" i="1">
+                                  <a:latin typeface="Cambria Math" panose="02040503050406030204" pitchFamily="18" charset="0"/>
+                                </a:rPr>
+                                <m:t>𝑐𝑒</m:t>
+                              </m:r>
+                              <m:r>
+                                <a:rPr lang="en-US" altLang="ja-JP" sz="1600" i="1">
+                                  <a:latin typeface="Cambria Math" panose="02040503050406030204" pitchFamily="18" charset="0"/>
+                                </a:rPr>
+                                <m:t>1</m:t>
+                              </m:r>
+                            </m:sub>
+                          </m:sSub>
+                          <m:d>
+                            <m:dPr>
+                              <m:ctrlPr>
+                                <a:rPr lang="en-US" altLang="ja-JP" sz="1600" i="1">
+                                  <a:latin typeface="Cambria Math" panose="02040503050406030204" pitchFamily="18" charset="0"/>
+                                </a:rPr>
+                              </m:ctrlPr>
+                            </m:dPr>
+                            <m:e>
+                              <m:sSub>
+                                <m:sSubPr>
+                                  <m:ctrlPr>
+                                    <a:rPr lang="en-US" altLang="ja-JP" sz="1600" i="1">
+                                      <a:latin typeface="Cambria Math" panose="02040503050406030204" pitchFamily="18" charset="0"/>
+                                    </a:rPr>
+                                  </m:ctrlPr>
+                                </m:sSubPr>
+                                <m:e>
+                                  <m:r>
+                                    <a:rPr lang="en-US" altLang="ja-JP" sz="1600" i="1">
+                                      <a:latin typeface="Cambria Math" panose="02040503050406030204" pitchFamily="18" charset="0"/>
+                                    </a:rPr>
+                                    <m:t>𝐺</m:t>
+                                  </m:r>
+                                </m:e>
+                                <m:sub>
+                                  <m:r>
+                                    <a:rPr lang="en-US" altLang="ja-JP" sz="1600" i="1">
+                                      <a:latin typeface="Cambria Math" panose="02040503050406030204" pitchFamily="18" charset="0"/>
+                                    </a:rPr>
+                                    <m:t>𝐶</m:t>
+                                  </m:r>
+                                  <m:r>
+                                    <a:rPr lang="en-US" altLang="ja-JP" sz="1600" i="1">
+                                      <a:latin typeface="Cambria Math" panose="02040503050406030204" pitchFamily="18" charset="0"/>
+                                    </a:rPr>
+                                    <m:t>2</m:t>
+                                  </m:r>
+                                </m:sub>
+                              </m:sSub>
+                              <m:r>
+                                <a:rPr lang="en-US" altLang="ja-JP" sz="1600" i="1">
+                                  <a:latin typeface="Cambria Math" panose="02040503050406030204" pitchFamily="18" charset="0"/>
+                                </a:rPr>
+                                <m:t>+</m:t>
+                              </m:r>
+                              <m:sSub>
+                                <m:sSubPr>
+                                  <m:ctrlPr>
+                                    <a:rPr lang="en-US" altLang="ja-JP" sz="1600" i="1">
+                                      <a:latin typeface="Cambria Math" panose="02040503050406030204" pitchFamily="18" charset="0"/>
+                                    </a:rPr>
+                                  </m:ctrlPr>
+                                </m:sSubPr>
+                                <m:e>
+                                  <m:r>
+                                    <a:rPr lang="en-US" altLang="ja-JP" sz="1600" i="1">
+                                      <a:latin typeface="Cambria Math" panose="02040503050406030204" pitchFamily="18" charset="0"/>
+                                    </a:rPr>
+                                    <m:t>𝑔</m:t>
+                                  </m:r>
+                                </m:e>
+                                <m:sub>
+                                  <m:r>
+                                    <a:rPr lang="en-US" altLang="ja-JP" sz="1600" i="1">
+                                      <a:latin typeface="Cambria Math" panose="02040503050406030204" pitchFamily="18" charset="0"/>
+                                    </a:rPr>
+                                    <m:t>𝑐𝑒</m:t>
+                                  </m:r>
+                                  <m:r>
+                                    <a:rPr lang="en-US" altLang="ja-JP" sz="1600" i="1">
+                                      <a:latin typeface="Cambria Math" panose="02040503050406030204" pitchFamily="18" charset="0"/>
+                                    </a:rPr>
+                                    <m:t>2</m:t>
+                                  </m:r>
+                                </m:sub>
+                              </m:sSub>
+                            </m:e>
+                          </m:d>
+                          <m:r>
+                            <a:rPr lang="en-US" altLang="ja-JP" sz="1600" i="1">
+                              <a:latin typeface="Cambria Math" panose="02040503050406030204" pitchFamily="18" charset="0"/>
+                            </a:rPr>
+                            <m:t>+</m:t>
+                          </m:r>
+                          <m:r>
+                            <a:rPr lang="en-US" altLang="ja-JP" sz="1600" i="1">
+                              <a:latin typeface="Cambria Math" panose="02040503050406030204" pitchFamily="18" charset="0"/>
+                            </a:rPr>
+                            <m:t>𝑗</m:t>
+                          </m:r>
+                          <m:r>
+                            <a:rPr lang="en-US" altLang="ja-JP" sz="1600" i="1">
+                              <a:latin typeface="Cambria Math" panose="02040503050406030204" pitchFamily="18" charset="0"/>
+                            </a:rPr>
+                            <m:t>𝜔</m:t>
+                          </m:r>
+                          <m:sSub>
+                            <m:sSubPr>
+                              <m:ctrlPr>
+                                <a:rPr lang="en-US" altLang="ja-JP" sz="1600" i="1">
+                                  <a:latin typeface="Cambria Math" panose="02040503050406030204" pitchFamily="18" charset="0"/>
+                                </a:rPr>
+                              </m:ctrlPr>
+                            </m:sSubPr>
+                            <m:e>
+                              <m:r>
+                                <a:rPr lang="en-US" altLang="ja-JP" sz="1600" i="1">
+                                  <a:latin typeface="Cambria Math" panose="02040503050406030204" pitchFamily="18" charset="0"/>
+                                </a:rPr>
+                                <m:t>𝐶</m:t>
+                              </m:r>
+                            </m:e>
+                            <m:sub>
+                              <m:r>
+                                <a:rPr lang="en-US" altLang="ja-JP" sz="1600" i="1">
+                                  <a:latin typeface="Cambria Math" panose="02040503050406030204" pitchFamily="18" charset="0"/>
+                                </a:rPr>
+                                <m:t>𝑗𝑐</m:t>
+                              </m:r>
+                              <m:r>
+                                <a:rPr lang="en-US" altLang="ja-JP" sz="1600" i="1">
+                                  <a:latin typeface="Cambria Math" panose="02040503050406030204" pitchFamily="18" charset="0"/>
+                                </a:rPr>
+                                <m:t>2</m:t>
+                              </m:r>
+                            </m:sub>
+                          </m:sSub>
+                          <m:sSub>
+                            <m:sSubPr>
+                              <m:ctrlPr>
+                                <a:rPr lang="en-US" altLang="ja-JP" sz="1600" i="1">
+                                  <a:latin typeface="Cambria Math" panose="02040503050406030204" pitchFamily="18" charset="0"/>
+                                </a:rPr>
+                              </m:ctrlPr>
+                            </m:sSubPr>
+                            <m:e>
+                              <m:r>
+                                <a:rPr lang="en-US" altLang="ja-JP" sz="1600" i="1">
+                                  <a:latin typeface="Cambria Math" panose="02040503050406030204" pitchFamily="18" charset="0"/>
+                                </a:rPr>
+                                <m:t>𝑔</m:t>
+                              </m:r>
+                            </m:e>
+                            <m:sub>
+                              <m:r>
+                                <a:rPr lang="en-US" altLang="ja-JP" sz="1600" i="1">
+                                  <a:latin typeface="Cambria Math" panose="02040503050406030204" pitchFamily="18" charset="0"/>
+                                </a:rPr>
+                                <m:t>𝑚</m:t>
+                              </m:r>
+                              <m:r>
+                                <a:rPr lang="en-US" altLang="ja-JP" sz="1600" i="1">
+                                  <a:latin typeface="Cambria Math" panose="02040503050406030204" pitchFamily="18" charset="0"/>
+                                </a:rPr>
+                                <m:t>1</m:t>
+                              </m:r>
+                            </m:sub>
+                          </m:sSub>
+                          <m:sSub>
+                            <m:sSubPr>
+                              <m:ctrlPr>
+                                <a:rPr lang="en-US" altLang="ja-JP" sz="1600" i="1">
+                                  <a:latin typeface="Cambria Math" panose="02040503050406030204" pitchFamily="18" charset="0"/>
+                                </a:rPr>
+                              </m:ctrlPr>
+                            </m:sSubPr>
+                            <m:e>
+                              <m:r>
+                                <a:rPr lang="en-US" altLang="ja-JP" sz="1600" i="1">
+                                  <a:latin typeface="Cambria Math" panose="02040503050406030204" pitchFamily="18" charset="0"/>
+                                </a:rPr>
+                                <m:t>𝑔</m:t>
+                              </m:r>
+                            </m:e>
+                            <m:sub>
+                              <m:r>
+                                <a:rPr lang="en-US" altLang="ja-JP" sz="1600" i="1">
+                                  <a:latin typeface="Cambria Math" panose="02040503050406030204" pitchFamily="18" charset="0"/>
+                                </a:rPr>
+                                <m:t>𝑐𝑒</m:t>
+                              </m:r>
+                              <m:r>
+                                <a:rPr lang="en-US" altLang="ja-JP" sz="1600" i="1">
+                                  <a:latin typeface="Cambria Math" panose="02040503050406030204" pitchFamily="18" charset="0"/>
+                                </a:rPr>
+                                <m:t>1</m:t>
+                              </m:r>
+                            </m:sub>
+                          </m:sSub>
+                        </m:den>
+                      </m:f>
+                    </m:oMath>
+                  </m:oMathPara>
+                </a14:m>
+                <a:endParaRPr kumimoji="1" lang="en-US" altLang="ja-JP" sz="1600" dirty="0">
+                  <a:latin typeface="Times Newer Roman" panose="00000500000000000000" pitchFamily="50" charset="0"/>
+                </a:endParaRPr>
+              </a:p>
+              <a:p>
+                <a14:m>
+                  <m:oMath xmlns:m="http://schemas.openxmlformats.org/officeDocument/2006/math">
+                    <m:sSub>
+                      <m:sSubPr>
+                        <m:ctrlPr>
+                          <a:rPr lang="en-US" altLang="ja-JP" sz="1600" i="1" smtClean="0">
+                            <a:latin typeface="Cambria Math" panose="02040503050406030204" pitchFamily="18" charset="0"/>
+                          </a:rPr>
+                        </m:ctrlPr>
+                      </m:sSubPr>
+                      <m:e>
+                        <m:r>
+                          <a:rPr lang="en-US" altLang="ja-JP" sz="1600" i="1">
+                            <a:latin typeface="Cambria Math" panose="02040503050406030204" pitchFamily="18" charset="0"/>
+                          </a:rPr>
+                          <m:t>𝐺</m:t>
+                        </m:r>
+                      </m:e>
+                      <m:sub>
+                        <m:r>
+                          <a:rPr lang="en-US" altLang="ja-JP" sz="1600" i="1">
+                            <a:latin typeface="Cambria Math" panose="02040503050406030204" pitchFamily="18" charset="0"/>
+                          </a:rPr>
+                          <m:t>1</m:t>
+                        </m:r>
+                      </m:sub>
+                    </m:sSub>
+                    <m:r>
+                      <a:rPr lang="en-US" altLang="ja-JP" sz="1600" b="0" i="1" smtClean="0">
+                        <a:latin typeface="Cambria Math" panose="02040503050406030204" pitchFamily="18" charset="0"/>
+                      </a:rPr>
+                      <m:t>≔</m:t>
+                    </m:r>
+                    <m:sSub>
+                      <m:sSubPr>
+                        <m:ctrlPr>
+                          <a:rPr kumimoji="1" lang="en-US" altLang="ja-JP" sz="1600" b="0" i="1" smtClean="0">
+                            <a:latin typeface="Cambria Math" panose="02040503050406030204" pitchFamily="18" charset="0"/>
+                          </a:rPr>
+                        </m:ctrlPr>
+                      </m:sSubPr>
+                      <m:e>
+                        <m:r>
+                          <a:rPr kumimoji="1" lang="en-US" altLang="ja-JP" sz="1600" b="0" i="1" smtClean="0">
+                            <a:latin typeface="Cambria Math" panose="02040503050406030204" pitchFamily="18" charset="0"/>
+                          </a:rPr>
+                          <m:t>𝐺</m:t>
+                        </m:r>
+                      </m:e>
+                      <m:sub>
+                        <m:r>
+                          <a:rPr kumimoji="1" lang="en-US" altLang="ja-JP" sz="1600" b="0" i="1" smtClean="0">
+                            <a:latin typeface="Cambria Math" panose="02040503050406030204" pitchFamily="18" charset="0"/>
+                          </a:rPr>
+                          <m:t>𝐸</m:t>
+                        </m:r>
+                        <m:r>
+                          <a:rPr kumimoji="1" lang="en-US" altLang="ja-JP" sz="1600" b="0" i="1" smtClean="0">
+                            <a:latin typeface="Cambria Math" panose="02040503050406030204" pitchFamily="18" charset="0"/>
+                          </a:rPr>
+                          <m:t>1</m:t>
+                        </m:r>
+                      </m:sub>
+                    </m:sSub>
+                    <m:r>
+                      <a:rPr kumimoji="1" lang="en-US" altLang="ja-JP" sz="1600" b="0" i="1" smtClean="0">
+                        <a:latin typeface="Cambria Math" panose="02040503050406030204" pitchFamily="18" charset="0"/>
+                      </a:rPr>
+                      <m:t>+</m:t>
+                    </m:r>
+                    <m:sSub>
+                      <m:sSubPr>
+                        <m:ctrlPr>
+                          <a:rPr kumimoji="1" lang="en-US" altLang="ja-JP" sz="1600" b="0" i="1" smtClean="0">
+                            <a:latin typeface="Cambria Math" panose="02040503050406030204" pitchFamily="18" charset="0"/>
+                          </a:rPr>
+                        </m:ctrlPr>
+                      </m:sSubPr>
+                      <m:e>
+                        <m:r>
+                          <a:rPr kumimoji="1" lang="en-US" altLang="ja-JP" sz="1600" b="0" i="1" smtClean="0">
+                            <a:latin typeface="Cambria Math" panose="02040503050406030204" pitchFamily="18" charset="0"/>
+                          </a:rPr>
+                          <m:t>𝑔</m:t>
+                        </m:r>
+                      </m:e>
+                      <m:sub>
+                        <m:r>
+                          <a:rPr kumimoji="1" lang="en-US" altLang="ja-JP" sz="1600" b="0" i="1" smtClean="0">
+                            <a:latin typeface="Cambria Math" panose="02040503050406030204" pitchFamily="18" charset="0"/>
+                          </a:rPr>
+                          <m:t>𝑚</m:t>
+                        </m:r>
+                        <m:r>
+                          <a:rPr kumimoji="1" lang="en-US" altLang="ja-JP" sz="1600" b="0" i="1" smtClean="0">
+                            <a:latin typeface="Cambria Math" panose="02040503050406030204" pitchFamily="18" charset="0"/>
+                          </a:rPr>
+                          <m:t>1</m:t>
+                        </m:r>
+                      </m:sub>
+                    </m:sSub>
+                    <m:r>
+                      <a:rPr kumimoji="1" lang="en-US" altLang="ja-JP" sz="1600" b="0" i="1" smtClean="0">
+                        <a:latin typeface="Cambria Math" panose="02040503050406030204" pitchFamily="18" charset="0"/>
+                      </a:rPr>
+                      <m:t>+</m:t>
+                    </m:r>
+                    <m:sSub>
+                      <m:sSubPr>
+                        <m:ctrlPr>
+                          <a:rPr kumimoji="1" lang="en-US" altLang="ja-JP" sz="1600" b="0" i="1" smtClean="0">
+                            <a:latin typeface="Cambria Math" panose="02040503050406030204" pitchFamily="18" charset="0"/>
+                          </a:rPr>
+                        </m:ctrlPr>
+                      </m:sSubPr>
+                      <m:e>
+                        <m:r>
+                          <a:rPr kumimoji="1" lang="en-US" altLang="ja-JP" sz="1600" b="0" i="1" smtClean="0">
+                            <a:latin typeface="Cambria Math" panose="02040503050406030204" pitchFamily="18" charset="0"/>
+                          </a:rPr>
+                          <m:t>𝑔</m:t>
+                        </m:r>
+                      </m:e>
+                      <m:sub>
+                        <m:r>
+                          <a:rPr kumimoji="1" lang="en-US" altLang="ja-JP" sz="1600" b="0" i="1" smtClean="0">
+                            <a:latin typeface="Cambria Math" panose="02040503050406030204" pitchFamily="18" charset="0"/>
+                          </a:rPr>
+                          <m:t>𝑐𝑒</m:t>
+                        </m:r>
+                        <m:r>
+                          <a:rPr kumimoji="1" lang="en-US" altLang="ja-JP" sz="1600" b="0" i="1" smtClean="0">
+                            <a:latin typeface="Cambria Math" panose="02040503050406030204" pitchFamily="18" charset="0"/>
+                          </a:rPr>
+                          <m:t>1</m:t>
+                        </m:r>
+                      </m:sub>
+                    </m:sSub>
+                  </m:oMath>
+                </a14:m>
+                <a:r>
+                  <a:rPr kumimoji="1" lang="en-US" altLang="ja-JP" sz="1600" dirty="0">
+                    <a:latin typeface="Times Newer Roman" panose="00000500000000000000" pitchFamily="50" charset="0"/>
+                  </a:rPr>
+                  <a:t>	</a:t>
+                </a:r>
+                <a14:m>
+                  <m:oMath xmlns:m="http://schemas.openxmlformats.org/officeDocument/2006/math">
+                    <m:sSub>
+                      <m:sSubPr>
+                        <m:ctrlPr>
+                          <a:rPr lang="en-US" altLang="ja-JP" sz="1600" i="1">
+                            <a:latin typeface="Cambria Math" panose="02040503050406030204" pitchFamily="18" charset="0"/>
+                          </a:rPr>
+                        </m:ctrlPr>
+                      </m:sSubPr>
+                      <m:e>
+                        <m:r>
+                          <m:rPr>
+                            <m:sty m:val="p"/>
+                          </m:rPr>
+                          <a:rPr lang="en-US" altLang="ja-JP" sz="1600">
+                            <a:latin typeface="Cambria Math" panose="02040503050406030204" pitchFamily="18" charset="0"/>
+                          </a:rPr>
+                          <m:t>G</m:t>
+                        </m:r>
+                      </m:e>
+                      <m:sub>
+                        <m:r>
+                          <a:rPr lang="en-US" altLang="ja-JP" sz="1600">
+                            <a:latin typeface="Cambria Math" panose="02040503050406030204" pitchFamily="18" charset="0"/>
+                          </a:rPr>
+                          <m:t>2</m:t>
+                        </m:r>
+                      </m:sub>
+                    </m:sSub>
+                    <m:r>
+                      <a:rPr lang="en-US" altLang="ja-JP" sz="1600" b="0" i="1" smtClean="0">
+                        <a:latin typeface="Cambria Math" panose="02040503050406030204" pitchFamily="18" charset="0"/>
+                      </a:rPr>
+                      <m:t>≔</m:t>
+                    </m:r>
+                    <m:sSub>
+                      <m:sSubPr>
+                        <m:ctrlPr>
+                          <a:rPr lang="en-US" altLang="ja-JP" sz="1600" i="1">
+                            <a:latin typeface="Cambria Math" panose="02040503050406030204" pitchFamily="18" charset="0"/>
+                          </a:rPr>
+                        </m:ctrlPr>
+                      </m:sSubPr>
+                      <m:e>
+                        <m:r>
+                          <a:rPr lang="en-US" altLang="ja-JP" sz="1600" i="1">
+                            <a:latin typeface="Cambria Math" panose="02040503050406030204" pitchFamily="18" charset="0"/>
+                          </a:rPr>
+                          <m:t>𝐺</m:t>
+                        </m:r>
+                      </m:e>
+                      <m:sub>
+                        <m:r>
+                          <a:rPr lang="en-US" altLang="ja-JP" sz="1600" i="1">
+                            <a:latin typeface="Cambria Math" panose="02040503050406030204" pitchFamily="18" charset="0"/>
+                          </a:rPr>
+                          <m:t>𝐶</m:t>
+                        </m:r>
+                        <m:r>
+                          <a:rPr lang="en-US" altLang="ja-JP" sz="1600" i="1">
+                            <a:latin typeface="Cambria Math" panose="02040503050406030204" pitchFamily="18" charset="0"/>
+                          </a:rPr>
+                          <m:t>1</m:t>
+                        </m:r>
+                      </m:sub>
+                    </m:sSub>
+                    <m:r>
+                      <a:rPr lang="en-US" altLang="ja-JP" sz="1600" i="1">
+                        <a:latin typeface="Cambria Math" panose="02040503050406030204" pitchFamily="18" charset="0"/>
+                      </a:rPr>
+                      <m:t>+</m:t>
+                    </m:r>
+                    <m:sSub>
+                      <m:sSubPr>
+                        <m:ctrlPr>
+                          <a:rPr lang="en-US" altLang="ja-JP" sz="1600" i="1">
+                            <a:latin typeface="Cambria Math" panose="02040503050406030204" pitchFamily="18" charset="0"/>
+                          </a:rPr>
+                        </m:ctrlPr>
+                      </m:sSubPr>
+                      <m:e>
+                        <m:r>
+                          <a:rPr lang="en-US" altLang="ja-JP" sz="1600" i="1">
+                            <a:latin typeface="Cambria Math" panose="02040503050406030204" pitchFamily="18" charset="0"/>
+                          </a:rPr>
+                          <m:t>𝑔</m:t>
+                        </m:r>
+                      </m:e>
+                      <m:sub>
+                        <m:r>
+                          <a:rPr lang="en-US" altLang="ja-JP" sz="1600" i="1">
+                            <a:latin typeface="Cambria Math" panose="02040503050406030204" pitchFamily="18" charset="0"/>
+                          </a:rPr>
+                          <m:t>𝑐𝑒</m:t>
+                        </m:r>
+                        <m:r>
+                          <a:rPr lang="en-US" altLang="ja-JP" sz="1600" i="1">
+                            <a:latin typeface="Cambria Math" panose="02040503050406030204" pitchFamily="18" charset="0"/>
+                          </a:rPr>
+                          <m:t>1</m:t>
+                        </m:r>
+                      </m:sub>
+                    </m:sSub>
+                    <m:r>
+                      <a:rPr lang="en-US" altLang="ja-JP" sz="1600" i="1">
+                        <a:latin typeface="Cambria Math" panose="02040503050406030204" pitchFamily="18" charset="0"/>
+                      </a:rPr>
+                      <m:t>+</m:t>
+                    </m:r>
+                    <m:sSub>
+                      <m:sSubPr>
+                        <m:ctrlPr>
+                          <a:rPr lang="en-US" altLang="ja-JP" sz="1600" i="1">
+                            <a:latin typeface="Cambria Math" panose="02040503050406030204" pitchFamily="18" charset="0"/>
+                          </a:rPr>
+                        </m:ctrlPr>
+                      </m:sSubPr>
+                      <m:e>
+                        <m:r>
+                          <a:rPr lang="en-US" altLang="ja-JP" sz="1600" i="1">
+                            <a:latin typeface="Cambria Math" panose="02040503050406030204" pitchFamily="18" charset="0"/>
+                          </a:rPr>
+                          <m:t>𝑔</m:t>
+                        </m:r>
+                      </m:e>
+                      <m:sub>
+                        <m:r>
+                          <a:rPr lang="en-US" altLang="ja-JP" sz="1600" i="1">
+                            <a:latin typeface="Cambria Math" panose="02040503050406030204" pitchFamily="18" charset="0"/>
+                          </a:rPr>
+                          <m:t>𝑖𝑒</m:t>
+                        </m:r>
+                        <m:r>
+                          <a:rPr lang="en-US" altLang="ja-JP" sz="1600" i="1">
+                            <a:latin typeface="Cambria Math" panose="02040503050406030204" pitchFamily="18" charset="0"/>
+                          </a:rPr>
+                          <m:t>1</m:t>
+                        </m:r>
+                      </m:sub>
+                    </m:sSub>
+                  </m:oMath>
+                </a14:m>
+                <a:r>
+                  <a:rPr kumimoji="1" lang="en-US" altLang="ja-JP" sz="1600" dirty="0">
+                    <a:latin typeface="Times Newer Roman" panose="00000500000000000000" pitchFamily="50" charset="0"/>
+                  </a:rPr>
+                  <a:t>	</a:t>
+                </a:r>
+                <a14:m>
+                  <m:oMath xmlns:m="http://schemas.openxmlformats.org/officeDocument/2006/math">
+                    <m:sSub>
+                      <m:sSubPr>
+                        <m:ctrlPr>
+                          <a:rPr lang="en-US" altLang="ja-JP" sz="1600" i="1">
+                            <a:latin typeface="Cambria Math" panose="02040503050406030204" pitchFamily="18" charset="0"/>
+                          </a:rPr>
+                        </m:ctrlPr>
+                      </m:sSubPr>
+                      <m:e>
+                        <m:r>
+                          <a:rPr lang="en-US" altLang="ja-JP" sz="1600" i="1">
+                            <a:latin typeface="Cambria Math" panose="02040503050406030204" pitchFamily="18" charset="0"/>
+                          </a:rPr>
+                          <m:t>𝐶</m:t>
+                        </m:r>
+                      </m:e>
+                      <m:sub>
+                        <m:r>
+                          <a:rPr lang="en-US" altLang="ja-JP" sz="1600" i="1">
+                            <a:latin typeface="Cambria Math" panose="02040503050406030204" pitchFamily="18" charset="0"/>
+                          </a:rPr>
+                          <m:t>1</m:t>
+                        </m:r>
+                      </m:sub>
+                    </m:sSub>
+                    <m:r>
+                      <a:rPr lang="en-US" altLang="ja-JP" sz="1600" b="0" i="1" smtClean="0">
+                        <a:latin typeface="Cambria Math" panose="02040503050406030204" pitchFamily="18" charset="0"/>
+                      </a:rPr>
+                      <m:t>≔</m:t>
+                    </m:r>
+                    <m:sSub>
+                      <m:sSubPr>
+                        <m:ctrlPr>
+                          <a:rPr lang="en-US" altLang="ja-JP" sz="1600" i="1">
+                            <a:latin typeface="Cambria Math" panose="02040503050406030204" pitchFamily="18" charset="0"/>
+                          </a:rPr>
+                        </m:ctrlPr>
+                      </m:sSubPr>
+                      <m:e>
+                        <m:r>
+                          <a:rPr lang="en-US" altLang="ja-JP" sz="1600" i="1">
+                            <a:latin typeface="Cambria Math" panose="02040503050406030204" pitchFamily="18" charset="0"/>
+                          </a:rPr>
+                          <m:t>𝐶</m:t>
+                        </m:r>
+                      </m:e>
+                      <m:sub>
+                        <m:r>
+                          <a:rPr lang="en-US" altLang="ja-JP" sz="1600" i="1">
+                            <a:latin typeface="Cambria Math" panose="02040503050406030204" pitchFamily="18" charset="0"/>
+                          </a:rPr>
+                          <m:t>𝑃𝐷</m:t>
+                        </m:r>
+                      </m:sub>
+                    </m:sSub>
+                    <m:r>
+                      <a:rPr lang="en-US" altLang="ja-JP" sz="1600" i="1">
+                        <a:latin typeface="Cambria Math" panose="02040503050406030204" pitchFamily="18" charset="0"/>
+                      </a:rPr>
+                      <m:t>+</m:t>
+                    </m:r>
+                    <m:sSub>
+                      <m:sSubPr>
+                        <m:ctrlPr>
+                          <a:rPr lang="en-US" altLang="ja-JP" sz="1600" i="1">
+                            <a:latin typeface="Cambria Math" panose="02040503050406030204" pitchFamily="18" charset="0"/>
+                          </a:rPr>
+                        </m:ctrlPr>
+                      </m:sSubPr>
+                      <m:e>
+                        <m:r>
+                          <a:rPr lang="en-US" altLang="ja-JP" sz="1600" i="1">
+                            <a:latin typeface="Cambria Math" panose="02040503050406030204" pitchFamily="18" charset="0"/>
+                          </a:rPr>
+                          <m:t>𝐶</m:t>
+                        </m:r>
+                      </m:e>
+                      <m:sub>
+                        <m:r>
+                          <a:rPr lang="en-US" altLang="ja-JP" sz="1600" i="1">
+                            <a:latin typeface="Cambria Math" panose="02040503050406030204" pitchFamily="18" charset="0"/>
+                          </a:rPr>
+                          <m:t>𝑗𝑒</m:t>
+                        </m:r>
+                        <m:r>
+                          <a:rPr lang="en-US" altLang="ja-JP" sz="1600" i="1">
+                            <a:latin typeface="Cambria Math" panose="02040503050406030204" pitchFamily="18" charset="0"/>
+                          </a:rPr>
+                          <m:t>1</m:t>
+                        </m:r>
+                      </m:sub>
+                    </m:sSub>
+                  </m:oMath>
+                </a14:m>
+                <a:r>
+                  <a:rPr kumimoji="1" lang="en-US" altLang="ja-JP" sz="1600" dirty="0">
+                    <a:latin typeface="Times Newer Roman" panose="00000500000000000000" pitchFamily="50" charset="0"/>
+                  </a:rPr>
+                  <a:t>		</a:t>
+                </a:r>
+                <a14:m>
+                  <m:oMath xmlns:m="http://schemas.openxmlformats.org/officeDocument/2006/math">
+                    <m:sSub>
+                      <m:sSubPr>
+                        <m:ctrlPr>
+                          <a:rPr lang="en-US" altLang="ja-JP" sz="1600" i="1">
+                            <a:latin typeface="Cambria Math" panose="02040503050406030204" pitchFamily="18" charset="0"/>
+                          </a:rPr>
+                        </m:ctrlPr>
+                      </m:sSubPr>
+                      <m:e>
+                        <m:r>
+                          <a:rPr lang="en-US" altLang="ja-JP" sz="1600" i="1">
+                            <a:latin typeface="Cambria Math" panose="02040503050406030204" pitchFamily="18" charset="0"/>
+                          </a:rPr>
+                          <m:t>𝐶</m:t>
+                        </m:r>
+                      </m:e>
+                      <m:sub>
+                        <m:r>
+                          <a:rPr lang="en-US" altLang="ja-JP" sz="1600" i="1">
+                            <a:latin typeface="Cambria Math" panose="02040503050406030204" pitchFamily="18" charset="0"/>
+                          </a:rPr>
+                          <m:t>2</m:t>
+                        </m:r>
+                      </m:sub>
+                    </m:sSub>
+                    <m:r>
+                      <a:rPr lang="en-US" altLang="ja-JP" sz="1600" b="0" i="1" smtClean="0">
+                        <a:latin typeface="Cambria Math" panose="02040503050406030204" pitchFamily="18" charset="0"/>
+                      </a:rPr>
+                      <m:t>≔</m:t>
+                    </m:r>
+                    <m:sSub>
+                      <m:sSubPr>
+                        <m:ctrlPr>
+                          <a:rPr lang="en-US" altLang="ja-JP" sz="1600" i="1">
+                            <a:latin typeface="Cambria Math" panose="02040503050406030204" pitchFamily="18" charset="0"/>
+                          </a:rPr>
+                        </m:ctrlPr>
+                      </m:sSubPr>
+                      <m:e>
+                        <m:r>
+                          <a:rPr lang="en-US" altLang="ja-JP" sz="1600" i="1">
+                            <a:latin typeface="Cambria Math" panose="02040503050406030204" pitchFamily="18" charset="0"/>
+                          </a:rPr>
+                          <m:t>𝐶</m:t>
+                        </m:r>
+                      </m:e>
+                      <m:sub>
+                        <m:r>
+                          <a:rPr lang="en-US" altLang="ja-JP" sz="1600" i="1">
+                            <a:latin typeface="Cambria Math" panose="02040503050406030204" pitchFamily="18" charset="0"/>
+                          </a:rPr>
+                          <m:t>𝑗𝑐</m:t>
+                        </m:r>
+                        <m:r>
+                          <a:rPr lang="en-US" altLang="ja-JP" sz="1600" i="1">
+                            <a:latin typeface="Cambria Math" panose="02040503050406030204" pitchFamily="18" charset="0"/>
+                          </a:rPr>
+                          <m:t>1</m:t>
+                        </m:r>
+                      </m:sub>
+                    </m:sSub>
+                    <m:r>
+                      <a:rPr lang="en-US" altLang="ja-JP" sz="1600" i="1">
+                        <a:latin typeface="Cambria Math" panose="02040503050406030204" pitchFamily="18" charset="0"/>
+                      </a:rPr>
+                      <m:t>+</m:t>
+                    </m:r>
+                    <m:sSub>
+                      <m:sSubPr>
+                        <m:ctrlPr>
+                          <a:rPr lang="en-US" altLang="ja-JP" sz="1600" i="1">
+                            <a:latin typeface="Cambria Math" panose="02040503050406030204" pitchFamily="18" charset="0"/>
+                          </a:rPr>
+                        </m:ctrlPr>
+                      </m:sSubPr>
+                      <m:e>
+                        <m:r>
+                          <a:rPr lang="en-US" altLang="ja-JP" sz="1600" i="1">
+                            <a:latin typeface="Cambria Math" panose="02040503050406030204" pitchFamily="18" charset="0"/>
+                          </a:rPr>
+                          <m:t>𝐶</m:t>
+                        </m:r>
+                      </m:e>
+                      <m:sub>
+                        <m:r>
+                          <a:rPr lang="en-US" altLang="ja-JP" sz="1600" i="1">
+                            <a:latin typeface="Cambria Math" panose="02040503050406030204" pitchFamily="18" charset="0"/>
+                          </a:rPr>
+                          <m:t>𝑗𝑐</m:t>
+                        </m:r>
+                        <m:r>
+                          <a:rPr lang="en-US" altLang="ja-JP" sz="1600" i="1">
+                            <a:latin typeface="Cambria Math" panose="02040503050406030204" pitchFamily="18" charset="0"/>
+                          </a:rPr>
+                          <m:t>2</m:t>
+                        </m:r>
+                      </m:sub>
+                    </m:sSub>
+                    <m:r>
+                      <a:rPr lang="en-US" altLang="ja-JP" sz="1600" i="1">
+                        <a:latin typeface="Cambria Math" panose="02040503050406030204" pitchFamily="18" charset="0"/>
+                      </a:rPr>
+                      <m:t>+</m:t>
+                    </m:r>
+                    <m:sSub>
+                      <m:sSubPr>
+                        <m:ctrlPr>
+                          <a:rPr lang="en-US" altLang="ja-JP" sz="1600" i="1">
+                            <a:latin typeface="Cambria Math" panose="02040503050406030204" pitchFamily="18" charset="0"/>
+                          </a:rPr>
+                        </m:ctrlPr>
+                      </m:sSubPr>
+                      <m:e>
+                        <m:r>
+                          <a:rPr lang="en-US" altLang="ja-JP" sz="1600" i="1">
+                            <a:latin typeface="Cambria Math" panose="02040503050406030204" pitchFamily="18" charset="0"/>
+                          </a:rPr>
+                          <m:t>𝐶</m:t>
+                        </m:r>
+                      </m:e>
+                      <m:sub>
+                        <m:r>
+                          <a:rPr lang="en-US" altLang="ja-JP" sz="1600" i="1">
+                            <a:latin typeface="Cambria Math" panose="02040503050406030204" pitchFamily="18" charset="0"/>
+                          </a:rPr>
+                          <m:t>𝑗𝑒</m:t>
+                        </m:r>
+                        <m:r>
+                          <a:rPr lang="en-US" altLang="ja-JP" sz="1600" i="1">
+                            <a:latin typeface="Cambria Math" panose="02040503050406030204" pitchFamily="18" charset="0"/>
+                          </a:rPr>
+                          <m:t>2</m:t>
+                        </m:r>
+                      </m:sub>
+                    </m:sSub>
+                  </m:oMath>
+                </a14:m>
+                <a:endParaRPr kumimoji="1" lang="en-US" altLang="ja-JP" sz="1600" dirty="0">
+                  <a:latin typeface="Times Newer Roman" panose="00000500000000000000" pitchFamily="50" charset="0"/>
+                </a:endParaRPr>
+              </a:p>
+            </p:txBody>
+          </p:sp>
+        </mc:Choice>
+        <mc:Fallback>
+          <p:sp>
+            <p:nvSpPr>
+              <p:cNvPr id="7" name="テキスト ボックス 6">
+                <a:extLst>
+                  <a:ext uri="{FF2B5EF4-FFF2-40B4-BE49-F238E27FC236}">
+                    <a16:creationId xmlns:a16="http://schemas.microsoft.com/office/drawing/2014/main" id="{17E6201A-3631-8200-9BCF-CE5058E1A6FD}"/>
+                  </a:ext>
+                </a:extLst>
+              </p:cNvPr>
+              <p:cNvSpPr txBox="1">
+                <a:spLocks noRot="1" noChangeAspect="1" noMove="1" noResize="1" noEditPoints="1" noAdjustHandles="1" noChangeArrowheads="1" noChangeShapeType="1" noTextEdit="1"/>
+              </p:cNvSpPr>
+              <p:nvPr/>
+            </p:nvSpPr>
+            <p:spPr>
+              <a:xfrm>
+                <a:off x="838200" y="2432990"/>
+                <a:ext cx="10515600" cy="2258054"/>
+              </a:xfrm>
+              <a:prstGeom prst="rect">
+                <a:avLst/>
+              </a:prstGeom>
+              <a:blipFill>
+                <a:blip r:embed="rId2"/>
+                <a:stretch>
+                  <a:fillRect/>
+                </a:stretch>
+              </a:blipFill>
+            </p:spPr>
+            <p:txBody>
+              <a:bodyPr/>
+              <a:lstStyle/>
+              <a:p>
+                <a:r>
+                  <a:rPr lang="ja-JP" altLang="en-US">
+                    <a:noFill/>
+                  </a:rPr>
+                  <a:t> </a:t>
+                </a:r>
+              </a:p>
+            </p:txBody>
+          </p:sp>
+        </mc:Fallback>
+      </mc:AlternateContent>
+      <p:pic>
+        <p:nvPicPr>
+          <p:cNvPr id="8" name="図 7">
+            <a:extLst>
+              <a:ext uri="{FF2B5EF4-FFF2-40B4-BE49-F238E27FC236}">
+                <a16:creationId xmlns:a16="http://schemas.microsoft.com/office/drawing/2014/main" id="{0D453FDC-A2D4-D954-661A-E5FDFEEC71A5}"/>
+              </a:ext>
+            </a:extLst>
+          </p:cNvPr>
+          <p:cNvPicPr>
+            <a:picLocks noChangeAspect="1"/>
+          </p:cNvPicPr>
+          <p:nvPr/>
+        </p:nvPicPr>
+        <p:blipFill>
+          <a:blip r:embed="rId3"/>
+          <a:stretch>
+            <a:fillRect/>
+          </a:stretch>
+        </p:blipFill>
+        <p:spPr>
+          <a:xfrm>
+            <a:off x="1371600" y="4997528"/>
+            <a:ext cx="9291474" cy="1474293"/>
+          </a:xfrm>
+          <a:prstGeom prst="rect">
+            <a:avLst/>
+          </a:prstGeom>
+        </p:spPr>
+      </p:pic>
+    </p:spTree>
+    <p:extLst>
+      <p:ext uri="{BB962C8B-B14F-4D97-AF65-F5344CB8AC3E}">
+        <p14:creationId xmlns:p14="http://schemas.microsoft.com/office/powerpoint/2010/main" val="3139451380"/>
+      </p:ext>
+    </p:extLst>
+  </p:cSld>
+  <p:clrMapOvr>
+    <a:masterClrMapping/>
+  </p:clrMapOvr>
+</p:sld>
+</file>
+
+<file path=ppt/slides/slide15.xml><?xml version="1.0" encoding="utf-8"?>
+<p:sld xmlns:a="http://schemas.openxmlformats.org/drawingml/2006/main" xmlns:r="http://schemas.openxmlformats.org/officeDocument/2006/relationships" xmlns:p="http://schemas.openxmlformats.org/presentationml/2006/main">
+  <p:cSld>
+    <p:spTree>
+      <p:nvGrpSpPr>
+        <p:cNvPr id="1" name=""/>
+        <p:cNvGrpSpPr/>
+        <p:nvPr/>
+      </p:nvGrpSpPr>
+      <p:grpSpPr>
+        <a:xfrm>
+          <a:off x="0" y="0"/>
+          <a:ext cx="0" cy="0"/>
+          <a:chOff x="0" y="0"/>
+          <a:chExt cx="0" cy="0"/>
+        </a:xfrm>
+      </p:grpSpPr>
+      <p:sp>
+        <p:nvSpPr>
+          <p:cNvPr id="2" name="タイトル 1">
+            <a:extLst>
+              <a:ext uri="{FF2B5EF4-FFF2-40B4-BE49-F238E27FC236}">
+                <a16:creationId xmlns:a16="http://schemas.microsoft.com/office/drawing/2014/main" id="{BB1CF98F-4903-A702-E309-EA157662B33E}"/>
+              </a:ext>
+            </a:extLst>
+          </p:cNvPr>
+          <p:cNvSpPr>
+            <a:spLocks noGrp="1"/>
+          </p:cNvSpPr>
+          <p:nvPr>
+            <p:ph type="title"/>
+          </p:nvPr>
+        </p:nvSpPr>
+        <p:spPr/>
+        <p:txBody>
+          <a:bodyPr/>
+          <a:lstStyle/>
+          <a:p>
+            <a:r>
+              <a:rPr kumimoji="1" lang="en-US" altLang="ja-JP" dirty="0"/>
+              <a:t>Small-signal analysis</a:t>
+            </a:r>
+            <a:endParaRPr kumimoji="1" lang="ja-JP" altLang="en-US" dirty="0"/>
+          </a:p>
+        </p:txBody>
+      </p:sp>
+      <p:sp>
+        <p:nvSpPr>
+          <p:cNvPr id="3" name="日付プレースホルダー 2">
+            <a:extLst>
+              <a:ext uri="{FF2B5EF4-FFF2-40B4-BE49-F238E27FC236}">
+                <a16:creationId xmlns:a16="http://schemas.microsoft.com/office/drawing/2014/main" id="{1676C79C-7B8C-DC8E-6F78-7D86BACDBBF9}"/>
+              </a:ext>
+            </a:extLst>
+          </p:cNvPr>
+          <p:cNvSpPr>
+            <a:spLocks noGrp="1"/>
+          </p:cNvSpPr>
+          <p:nvPr>
+            <p:ph type="dt" sz="half" idx="10"/>
+          </p:nvPr>
+        </p:nvSpPr>
+        <p:spPr/>
+        <p:txBody>
+          <a:bodyPr/>
+          <a:lstStyle/>
+          <a:p>
+            <a:fld id="{E2F04EE6-E3D0-4480-949E-059427D7388D}" type="datetime1">
+              <a:rPr lang="ja-JP" altLang="en-US" smtClean="0"/>
+              <a:pPr/>
+              <a:t>2024/6/4</a:t>
+            </a:fld>
+            <a:endParaRPr lang="ja-JP" altLang="en-US"/>
+          </a:p>
+        </p:txBody>
+      </p:sp>
+      <p:sp>
+        <p:nvSpPr>
+          <p:cNvPr id="4" name="スライド番号プレースホルダー 3">
+            <a:extLst>
+              <a:ext uri="{FF2B5EF4-FFF2-40B4-BE49-F238E27FC236}">
+                <a16:creationId xmlns:a16="http://schemas.microsoft.com/office/drawing/2014/main" id="{A05F559B-EE09-7B9D-FFF7-E85875B2928E}"/>
+              </a:ext>
+            </a:extLst>
+          </p:cNvPr>
+          <p:cNvSpPr>
+            <a:spLocks noGrp="1"/>
+          </p:cNvSpPr>
+          <p:nvPr>
+            <p:ph type="sldNum" sz="quarter" idx="12"/>
+          </p:nvPr>
+        </p:nvSpPr>
+        <p:spPr/>
+        <p:txBody>
+          <a:bodyPr/>
+          <a:lstStyle/>
+          <a:p>
+            <a:fld id="{6294761A-CFE9-4878-87A7-90ECABD59CE5}" type="slidenum">
+              <a:rPr lang="ja-JP" altLang="en-US" smtClean="0"/>
+              <a:pPr/>
+              <a:t>15</a:t>
+            </a:fld>
+            <a:endParaRPr lang="ja-JP" altLang="en-US"/>
+          </a:p>
+        </p:txBody>
+      </p:sp>
+      <p:sp>
+        <p:nvSpPr>
+          <p:cNvPr id="5" name="フッター プレースホルダー 4">
+            <a:extLst>
+              <a:ext uri="{FF2B5EF4-FFF2-40B4-BE49-F238E27FC236}">
+                <a16:creationId xmlns:a16="http://schemas.microsoft.com/office/drawing/2014/main" id="{69289531-345C-5990-8003-79C15DEBB678}"/>
+              </a:ext>
+            </a:extLst>
+          </p:cNvPr>
+          <p:cNvSpPr>
+            <a:spLocks noGrp="1"/>
+          </p:cNvSpPr>
+          <p:nvPr>
+            <p:ph type="ftr" sz="quarter" idx="3"/>
+          </p:nvPr>
+        </p:nvSpPr>
+        <p:spPr/>
+        <p:txBody>
+          <a:bodyPr/>
+          <a:lstStyle/>
+          <a:p>
+            <a:r>
+              <a:rPr lang="en-US" altLang="ja-JP"/>
+              <a:t>Wave Signal Processing Circuit Laboratory,  Meiji University</a:t>
+            </a:r>
+            <a:endParaRPr lang="en-US" altLang="ja-JP" dirty="0"/>
+          </a:p>
+        </p:txBody>
+      </p:sp>
+      <mc:AlternateContent xmlns:mc="http://schemas.openxmlformats.org/markup-compatibility/2006">
+        <mc:Choice xmlns:a14="http://schemas.microsoft.com/office/drawing/2010/main" Requires="a14">
+          <p:sp>
+            <p:nvSpPr>
+              <p:cNvPr id="6" name="テキスト ボックス 5">
+                <a:extLst>
+                  <a:ext uri="{FF2B5EF4-FFF2-40B4-BE49-F238E27FC236}">
+                    <a16:creationId xmlns:a16="http://schemas.microsoft.com/office/drawing/2014/main" id="{49B3661C-7693-1BF9-2CCD-15F7F0020F5D}"/>
+                  </a:ext>
+                </a:extLst>
+              </p:cNvPr>
+              <p:cNvSpPr txBox="1"/>
+              <p:nvPr/>
+            </p:nvSpPr>
+            <p:spPr>
+              <a:xfrm>
+                <a:off x="6096000" y="3515164"/>
+                <a:ext cx="5756366" cy="1569660"/>
+              </a:xfrm>
+              <a:prstGeom prst="rect">
+                <a:avLst/>
+              </a:prstGeom>
+              <a:noFill/>
+            </p:spPr>
+            <p:txBody>
+              <a:bodyPr wrap="square" rtlCol="0">
+                <a:spAutoFit/>
+              </a:bodyPr>
+              <a:lstStyle/>
+              <a:p>
+                <a:r>
+                  <a:rPr kumimoji="1" lang="en-US" altLang="ja-JP" sz="2400" dirty="0">
+                    <a:latin typeface="Times Newer Roman" panose="00000500000000000000" pitchFamily="50" charset="0"/>
+                  </a:rPr>
+                  <a:t>Calculated low frequency gain (</a:t>
+                </a:r>
+                <a14:m>
+                  <m:oMath xmlns:m="http://schemas.openxmlformats.org/officeDocument/2006/math">
+                    <m:r>
+                      <a:rPr kumimoji="1" lang="en-US" altLang="ja-JP" sz="2400" b="0" i="1" smtClean="0">
+                        <a:latin typeface="Cambria Math" panose="02040503050406030204" pitchFamily="18" charset="0"/>
+                      </a:rPr>
+                      <m:t>𝜔</m:t>
+                    </m:r>
+                    <m:r>
+                      <a:rPr kumimoji="1" lang="en-US" altLang="ja-JP" sz="2400" b="0" i="1" smtClean="0">
+                        <a:latin typeface="Cambria Math" panose="02040503050406030204" pitchFamily="18" charset="0"/>
+                      </a:rPr>
+                      <m:t>=0</m:t>
+                    </m:r>
+                  </m:oMath>
+                </a14:m>
+                <a:r>
+                  <a:rPr kumimoji="1" lang="en-US" altLang="ja-JP" sz="2400" dirty="0">
+                    <a:latin typeface="Times Newer Roman" panose="00000500000000000000" pitchFamily="50" charset="0"/>
+                  </a:rPr>
+                  <a:t>) from equation and </a:t>
+                </a:r>
+                <a:r>
+                  <a:rPr lang="en-US" altLang="ja-JP" sz="2400" dirty="0">
+                    <a:latin typeface="Times Newer Roman" panose="00000500000000000000" pitchFamily="50" charset="0"/>
+                  </a:rPr>
+                  <a:t>table is about 0.232 </a:t>
+                </a:r>
+                <a14:m>
+                  <m:oMath xmlns:m="http://schemas.openxmlformats.org/officeDocument/2006/math">
+                    <m:r>
+                      <m:rPr>
+                        <m:sty m:val="p"/>
+                      </m:rPr>
+                      <a:rPr lang="en-US" altLang="ja-JP" sz="2400" b="0" i="0" smtClean="0">
+                        <a:latin typeface="Cambria Math" panose="02040503050406030204" pitchFamily="18" charset="0"/>
+                      </a:rPr>
+                      <m:t>Ω</m:t>
+                    </m:r>
+                  </m:oMath>
+                </a14:m>
+                <a:r>
+                  <a:rPr lang="en-US" altLang="ja-JP" sz="2400" dirty="0">
+                    <a:latin typeface="Times Newer Roman" panose="00000500000000000000" pitchFamily="50" charset="0"/>
+                  </a:rPr>
+                  <a:t>.</a:t>
+                </a:r>
+              </a:p>
+              <a:p>
+                <a:r>
+                  <a:rPr lang="en-US" altLang="ja-JP" sz="2400" dirty="0">
+                    <a:latin typeface="Times Newer Roman" panose="00000500000000000000" pitchFamily="50" charset="0"/>
+                  </a:rPr>
+                  <a:t>But this conclusion is </a:t>
+                </a:r>
+                <a:r>
+                  <a:rPr lang="en-US" altLang="ja-JP" sz="2400" dirty="0" err="1">
+                    <a:latin typeface="Times Newer Roman" panose="00000500000000000000" pitchFamily="50" charset="0"/>
+                  </a:rPr>
+                  <a:t>cleary</a:t>
+                </a:r>
+                <a:r>
+                  <a:rPr lang="en-US" altLang="ja-JP" sz="2400" dirty="0">
+                    <a:latin typeface="Times Newer Roman" panose="00000500000000000000" pitchFamily="50" charset="0"/>
+                  </a:rPr>
+                  <a:t> incorrect.</a:t>
+                </a:r>
+              </a:p>
+              <a:p>
+                <a:pPr algn="l"/>
+                <a:endParaRPr kumimoji="1" lang="ja-JP" altLang="en-US" sz="2400" dirty="0">
+                  <a:latin typeface="Times Newer Roman" panose="00000500000000000000" pitchFamily="50" charset="0"/>
+                </a:endParaRPr>
+              </a:p>
+            </p:txBody>
+          </p:sp>
+        </mc:Choice>
+        <mc:Fallback>
+          <p:sp>
+            <p:nvSpPr>
+              <p:cNvPr id="6" name="テキスト ボックス 5">
+                <a:extLst>
+                  <a:ext uri="{FF2B5EF4-FFF2-40B4-BE49-F238E27FC236}">
+                    <a16:creationId xmlns:a16="http://schemas.microsoft.com/office/drawing/2014/main" id="{49B3661C-7693-1BF9-2CCD-15F7F0020F5D}"/>
+                  </a:ext>
+                </a:extLst>
+              </p:cNvPr>
+              <p:cNvSpPr txBox="1">
+                <a:spLocks noRot="1" noChangeAspect="1" noMove="1" noResize="1" noEditPoints="1" noAdjustHandles="1" noChangeArrowheads="1" noChangeShapeType="1" noTextEdit="1"/>
+              </p:cNvSpPr>
+              <p:nvPr/>
+            </p:nvSpPr>
+            <p:spPr>
+              <a:xfrm>
+                <a:off x="6096000" y="3515164"/>
+                <a:ext cx="5756366" cy="1569660"/>
+              </a:xfrm>
+              <a:prstGeom prst="rect">
+                <a:avLst/>
+              </a:prstGeom>
+              <a:blipFill>
+                <a:blip r:embed="rId2"/>
+                <a:stretch>
+                  <a:fillRect l="-1589" t="-2724"/>
+                </a:stretch>
+              </a:blipFill>
+            </p:spPr>
+            <p:txBody>
+              <a:bodyPr/>
+              <a:lstStyle/>
+              <a:p>
+                <a:r>
+                  <a:rPr lang="ja-JP" altLang="en-US">
+                    <a:noFill/>
+                  </a:rPr>
+                  <a:t> </a:t>
+                </a:r>
+              </a:p>
+            </p:txBody>
+          </p:sp>
+        </mc:Fallback>
+      </mc:AlternateContent>
+      <p:pic>
+        <p:nvPicPr>
+          <p:cNvPr id="7" name="図 6" descr="グラフ&#10;&#10;自動的に生成された説明">
+            <a:extLst>
+              <a:ext uri="{FF2B5EF4-FFF2-40B4-BE49-F238E27FC236}">
+                <a16:creationId xmlns:a16="http://schemas.microsoft.com/office/drawing/2014/main" id="{0F477C5B-82FA-C304-7713-C29C2AE6997D}"/>
+              </a:ext>
+            </a:extLst>
+          </p:cNvPr>
+          <p:cNvPicPr>
+            <a:picLocks noChangeAspect="1"/>
+          </p:cNvPicPr>
+          <p:nvPr/>
+        </p:nvPicPr>
+        <p:blipFill>
+          <a:blip r:embed="rId3">
+            <a:extLst>
+              <a:ext uri="{28A0092B-C50C-407E-A947-70E740481C1C}">
+                <a14:useLocalDpi xmlns:a14="http://schemas.microsoft.com/office/drawing/2010/main" val="0"/>
+              </a:ext>
+            </a:extLst>
+          </a:blip>
+          <a:stretch>
+            <a:fillRect/>
+          </a:stretch>
+        </p:blipFill>
+        <p:spPr>
+          <a:xfrm>
+            <a:off x="452016" y="1808721"/>
+            <a:ext cx="5643984" cy="3950789"/>
+          </a:xfrm>
+          <a:prstGeom prst="rect">
+            <a:avLst/>
+          </a:prstGeom>
+        </p:spPr>
+      </p:pic>
+    </p:spTree>
+    <p:extLst>
+      <p:ext uri="{BB962C8B-B14F-4D97-AF65-F5344CB8AC3E}">
+        <p14:creationId xmlns:p14="http://schemas.microsoft.com/office/powerpoint/2010/main" val="3698448692"/>
+      </p:ext>
+    </p:extLst>
+  </p:cSld>
+  <p:clrMapOvr>
+    <a:masterClrMapping/>
+  </p:clrMapOvr>
+</p:sld>
+</file>
+
+<file path=ppt/slides/slide16.xml><?xml version="1.0" encoding="utf-8"?>
+<p:sld xmlns:a="http://schemas.openxmlformats.org/drawingml/2006/main" xmlns:r="http://schemas.openxmlformats.org/officeDocument/2006/relationships" xmlns:p="http://schemas.openxmlformats.org/presentationml/2006/main">
+  <p:cSld>
+    <p:spTree>
+      <p:nvGrpSpPr>
+        <p:cNvPr id="1" name=""/>
+        <p:cNvGrpSpPr/>
+        <p:nvPr/>
+      </p:nvGrpSpPr>
+      <p:grpSpPr>
+        <a:xfrm>
+          <a:off x="0" y="0"/>
+          <a:ext cx="0" cy="0"/>
+          <a:chOff x="0" y="0"/>
+          <a:chExt cx="0" cy="0"/>
+        </a:xfrm>
+      </p:grpSpPr>
+      <p:sp>
+        <p:nvSpPr>
+          <p:cNvPr id="2" name="タイトル 1">
+            <a:extLst>
+              <a:ext uri="{FF2B5EF4-FFF2-40B4-BE49-F238E27FC236}">
+                <a16:creationId xmlns:a16="http://schemas.microsoft.com/office/drawing/2014/main" id="{588D98EC-7BAF-87FA-049E-F31287226BDE}"/>
+              </a:ext>
+            </a:extLst>
+          </p:cNvPr>
+          <p:cNvSpPr>
+            <a:spLocks noGrp="1"/>
+          </p:cNvSpPr>
+          <p:nvPr>
+            <p:ph type="title"/>
+          </p:nvPr>
+        </p:nvSpPr>
+        <p:spPr/>
+        <p:txBody>
+          <a:bodyPr/>
+          <a:lstStyle/>
+          <a:p>
+            <a:r>
+              <a:rPr kumimoji="1" lang="en-US" altLang="ja-JP" dirty="0"/>
+              <a:t>Conclusion</a:t>
+            </a:r>
+            <a:endParaRPr kumimoji="1" lang="ja-JP" altLang="en-US" dirty="0"/>
+          </a:p>
+        </p:txBody>
+      </p:sp>
+      <p:sp>
+        <p:nvSpPr>
+          <p:cNvPr id="3" name="日付プレースホルダー 2">
+            <a:extLst>
+              <a:ext uri="{FF2B5EF4-FFF2-40B4-BE49-F238E27FC236}">
+                <a16:creationId xmlns:a16="http://schemas.microsoft.com/office/drawing/2014/main" id="{DC45CE81-A8C1-8F79-6672-3A84D8C36C76}"/>
+              </a:ext>
+            </a:extLst>
+          </p:cNvPr>
+          <p:cNvSpPr>
+            <a:spLocks noGrp="1"/>
+          </p:cNvSpPr>
+          <p:nvPr>
+            <p:ph type="dt" sz="half" idx="10"/>
+          </p:nvPr>
+        </p:nvSpPr>
+        <p:spPr/>
+        <p:txBody>
+          <a:bodyPr/>
+          <a:lstStyle/>
+          <a:p>
+            <a:fld id="{E2F04EE6-E3D0-4480-949E-059427D7388D}" type="datetime1">
+              <a:rPr lang="ja-JP" altLang="en-US" smtClean="0"/>
+              <a:pPr/>
+              <a:t>2024/6/4</a:t>
+            </a:fld>
+            <a:endParaRPr lang="ja-JP" altLang="en-US"/>
+          </a:p>
+        </p:txBody>
+      </p:sp>
+      <p:sp>
+        <p:nvSpPr>
+          <p:cNvPr id="4" name="スライド番号プレースホルダー 3">
+            <a:extLst>
+              <a:ext uri="{FF2B5EF4-FFF2-40B4-BE49-F238E27FC236}">
+                <a16:creationId xmlns:a16="http://schemas.microsoft.com/office/drawing/2014/main" id="{E6BC6EB2-F441-6AB9-F759-36CDBF94DAC7}"/>
+              </a:ext>
+            </a:extLst>
+          </p:cNvPr>
+          <p:cNvSpPr>
+            <a:spLocks noGrp="1"/>
+          </p:cNvSpPr>
+          <p:nvPr>
+            <p:ph type="sldNum" sz="quarter" idx="12"/>
+          </p:nvPr>
+        </p:nvSpPr>
+        <p:spPr/>
+        <p:txBody>
+          <a:bodyPr/>
+          <a:lstStyle/>
+          <a:p>
+            <a:fld id="{6294761A-CFE9-4878-87A7-90ECABD59CE5}" type="slidenum">
+              <a:rPr lang="ja-JP" altLang="en-US" smtClean="0"/>
+              <a:pPr/>
+              <a:t>16</a:t>
+            </a:fld>
+            <a:endParaRPr lang="ja-JP" altLang="en-US"/>
+          </a:p>
+        </p:txBody>
+      </p:sp>
+      <p:sp>
+        <p:nvSpPr>
+          <p:cNvPr id="5" name="フッター プレースホルダー 4">
+            <a:extLst>
+              <a:ext uri="{FF2B5EF4-FFF2-40B4-BE49-F238E27FC236}">
+                <a16:creationId xmlns:a16="http://schemas.microsoft.com/office/drawing/2014/main" id="{3BF27595-1605-E56B-66F6-8662A0B5D059}"/>
+              </a:ext>
+            </a:extLst>
+          </p:cNvPr>
+          <p:cNvSpPr>
+            <a:spLocks noGrp="1"/>
+          </p:cNvSpPr>
+          <p:nvPr>
+            <p:ph type="ftr" sz="quarter" idx="3"/>
+          </p:nvPr>
+        </p:nvSpPr>
+        <p:spPr/>
+        <p:txBody>
+          <a:bodyPr/>
+          <a:lstStyle/>
+          <a:p>
+            <a:r>
+              <a:rPr lang="en-US" altLang="ja-JP"/>
+              <a:t>Wave Signal Processing Circuit Laboratory,  Meiji University</a:t>
+            </a:r>
+            <a:endParaRPr lang="en-US" altLang="ja-JP" dirty="0"/>
+          </a:p>
+        </p:txBody>
+      </p:sp>
+      <p:sp>
+        <p:nvSpPr>
+          <p:cNvPr id="6" name="テキスト ボックス 5">
+            <a:extLst>
+              <a:ext uri="{FF2B5EF4-FFF2-40B4-BE49-F238E27FC236}">
+                <a16:creationId xmlns:a16="http://schemas.microsoft.com/office/drawing/2014/main" id="{3E89AF02-970E-D92A-3AD8-7FCE8305B551}"/>
+              </a:ext>
+            </a:extLst>
+          </p:cNvPr>
+          <p:cNvSpPr txBox="1"/>
+          <p:nvPr/>
+        </p:nvSpPr>
+        <p:spPr>
+          <a:xfrm>
+            <a:off x="2438400" y="3183951"/>
+            <a:ext cx="7315200" cy="1200329"/>
+          </a:xfrm>
+          <a:prstGeom prst="rect">
+            <a:avLst/>
+          </a:prstGeom>
+          <a:noFill/>
+        </p:spPr>
+        <p:txBody>
+          <a:bodyPr wrap="square" rtlCol="0">
+            <a:spAutoFit/>
+          </a:bodyPr>
+          <a:lstStyle/>
+          <a:p>
+            <a:pPr algn="l"/>
+            <a:r>
+              <a:rPr kumimoji="1" lang="en-US" altLang="ja-JP" sz="2400" dirty="0">
+                <a:latin typeface="Times Newer Roman" panose="00000500000000000000" pitchFamily="50" charset="0"/>
+              </a:rPr>
+              <a:t>In the end, I couldn’t find limit of frequency response.</a:t>
+            </a:r>
+          </a:p>
+          <a:p>
+            <a:pPr algn="l"/>
+            <a:endParaRPr kumimoji="1" lang="en-US" altLang="ja-JP" sz="2400" dirty="0">
+              <a:latin typeface="Times Newer Roman" panose="00000500000000000000" pitchFamily="50" charset="0"/>
+            </a:endParaRPr>
+          </a:p>
+          <a:p>
+            <a:pPr algn="l"/>
+            <a:r>
+              <a:rPr lang="en-US" altLang="ja-JP" sz="2400" dirty="0">
+                <a:latin typeface="Times Newer Roman" panose="00000500000000000000" pitchFamily="50" charset="0"/>
+              </a:rPr>
+              <a:t>I will continue to find the part of limitation.</a:t>
+            </a:r>
+          </a:p>
+        </p:txBody>
+      </p:sp>
+    </p:spTree>
+    <p:extLst>
+      <p:ext uri="{BB962C8B-B14F-4D97-AF65-F5344CB8AC3E}">
+        <p14:creationId xmlns:p14="http://schemas.microsoft.com/office/powerpoint/2010/main" val="3280074106"/>
       </p:ext>
     </p:extLst>
   </p:cSld>
@@ -6378,10 +12861,52 @@
         </p:nvSpPr>
         <p:spPr/>
         <p:txBody>
-          <a:bodyPr/>
+          <a:bodyPr>
+            <a:normAutofit lnSpcReduction="10000"/>
+          </a:bodyPr>
           <a:lstStyle/>
           <a:p>
-            <a:endParaRPr kumimoji="1" lang="ja-JP" altLang="en-US"/>
+            <a:r>
+              <a:rPr kumimoji="1" lang="en-US" altLang="ja-JP" dirty="0"/>
+              <a:t>Background</a:t>
+            </a:r>
+          </a:p>
+          <a:p>
+            <a:endParaRPr lang="en-US" altLang="ja-JP" dirty="0"/>
+          </a:p>
+          <a:p>
+            <a:r>
+              <a:rPr kumimoji="1" lang="en-US" altLang="ja-JP" dirty="0"/>
+              <a:t>Purpose</a:t>
+            </a:r>
+          </a:p>
+          <a:p>
+            <a:endParaRPr lang="en-US" altLang="ja-JP" dirty="0"/>
+          </a:p>
+          <a:p>
+            <a:r>
+              <a:rPr kumimoji="1" lang="en-US" altLang="ja-JP" dirty="0"/>
+              <a:t>Topology</a:t>
+            </a:r>
+          </a:p>
+          <a:p>
+            <a:endParaRPr lang="en-US" altLang="ja-JP" dirty="0"/>
+          </a:p>
+          <a:p>
+            <a:r>
+              <a:rPr kumimoji="1" lang="en-US" altLang="ja-JP" dirty="0"/>
+              <a:t>Small-signal analysis</a:t>
+            </a:r>
+          </a:p>
+          <a:p>
+            <a:endParaRPr lang="en-US" altLang="ja-JP" dirty="0"/>
+          </a:p>
+          <a:p>
+            <a:r>
+              <a:rPr kumimoji="1" lang="en-US" altLang="ja-JP" dirty="0"/>
+              <a:t>Conclusion </a:t>
+            </a:r>
+            <a:endParaRPr kumimoji="1" lang="ja-JP" altLang="en-US" dirty="0"/>
           </a:p>
         </p:txBody>
       </p:sp>
@@ -10454,7 +16979,7 @@
               <a:rPr kumimoji="1" lang="en-US" altLang="ja-JP" sz="2400" dirty="0">
                 <a:latin typeface="Times Newer Roman" panose="00000500000000000000" pitchFamily="50" charset="0"/>
               </a:rPr>
-              <a:t>This is a first stage of frequency characteristic.</a:t>
+              <a:t>First stage of frequency characteristic.</a:t>
             </a:r>
           </a:p>
           <a:p>
